--- a/raymini/Presentation.pptx
+++ b/raymini/Presentation.pptx
@@ -5,22 +5,19 @@
     <p:sldMasterId id="2147483648" r:id="rId1"/>
   </p:sldMasterIdLst>
   <p:notesMasterIdLst>
-    <p:notesMasterId r:id="rId15"/>
+    <p:notesMasterId r:id="rId12"/>
   </p:notesMasterIdLst>
   <p:sldIdLst>
     <p:sldId id="256" r:id="rId2"/>
     <p:sldId id="257" r:id="rId3"/>
-    <p:sldId id="262" r:id="rId4"/>
-    <p:sldId id="264" r:id="rId5"/>
-    <p:sldId id="268" r:id="rId6"/>
-    <p:sldId id="261" r:id="rId7"/>
-    <p:sldId id="269" r:id="rId8"/>
-    <p:sldId id="260" r:id="rId9"/>
-    <p:sldId id="266" r:id="rId10"/>
-    <p:sldId id="259" r:id="rId11"/>
-    <p:sldId id="267" r:id="rId12"/>
-    <p:sldId id="263" r:id="rId13"/>
-    <p:sldId id="265" r:id="rId14"/>
+    <p:sldId id="264" r:id="rId4"/>
+    <p:sldId id="268" r:id="rId5"/>
+    <p:sldId id="269" r:id="rId6"/>
+    <p:sldId id="260" r:id="rId7"/>
+    <p:sldId id="266" r:id="rId8"/>
+    <p:sldId id="261" r:id="rId9"/>
+    <p:sldId id="263" r:id="rId10"/>
+    <p:sldId id="267" r:id="rId11"/>
   </p:sldIdLst>
   <p:sldSz cx="9144000" cy="6858000" type="screen4x3"/>
   <p:notesSz cx="6858000" cy="9144000"/>
@@ -545,252 +542,6 @@
               <a:rPr lang="fr-FR" smtClean="0"/>
               <a:pPr/>
               <a:t>2</a:t>
-            </a:fld>
-            <a:endParaRPr lang="fr-FR" dirty="0"/>
-          </a:p>
-        </p:txBody>
-      </p:sp>
-    </p:spTree>
-  </p:cSld>
-  <p:clrMapOvr>
-    <a:masterClrMapping/>
-  </p:clrMapOvr>
-</p:notes>
-</file>
-
-<file path=ppt/notesSlides/notesSlide10.xml><?xml version="1.0" encoding="utf-8"?>
-<p:notes xmlns:a="http://schemas.openxmlformats.org/drawingml/2006/main" xmlns:r="http://schemas.openxmlformats.org/officeDocument/2006/relationships" xmlns:p="http://schemas.openxmlformats.org/presentationml/2006/main">
-  <p:cSld>
-    <p:spTree>
-      <p:nvGrpSpPr>
-        <p:cNvPr id="1" name=""/>
-        <p:cNvGrpSpPr/>
-        <p:nvPr/>
-      </p:nvGrpSpPr>
-      <p:grpSpPr>
-        <a:xfrm>
-          <a:off x="0" y="0"/>
-          <a:ext cx="0" cy="0"/>
-          <a:chOff x="0" y="0"/>
-          <a:chExt cx="0" cy="0"/>
-        </a:xfrm>
-      </p:grpSpPr>
-      <p:sp>
-        <p:nvSpPr>
-          <p:cNvPr id="2" name="Espace réservé de l'image des diapositives 1"/>
-          <p:cNvSpPr>
-            <a:spLocks noGrp="1" noRot="1" noChangeAspect="1"/>
-          </p:cNvSpPr>
-          <p:nvPr>
-            <p:ph type="sldImg"/>
-          </p:nvPr>
-        </p:nvSpPr>
-        <p:spPr/>
-      </p:sp>
-      <p:sp>
-        <p:nvSpPr>
-          <p:cNvPr id="3" name="Espace réservé des commentaires 2"/>
-          <p:cNvSpPr>
-            <a:spLocks noGrp="1"/>
-          </p:cNvSpPr>
-          <p:nvPr>
-            <p:ph type="body" idx="1"/>
-          </p:nvPr>
-        </p:nvSpPr>
-        <p:spPr/>
-        <p:txBody>
-          <a:bodyPr>
-            <a:normAutofit/>
-          </a:bodyPr>
-          <a:lstStyle/>
-          <a:p>
-            <a:endParaRPr lang="fr-FR" dirty="0"/>
-          </a:p>
-        </p:txBody>
-      </p:sp>
-      <p:sp>
-        <p:nvSpPr>
-          <p:cNvPr id="4" name="Espace réservé du numéro de diapositive 3"/>
-          <p:cNvSpPr>
-            <a:spLocks noGrp="1"/>
-          </p:cNvSpPr>
-          <p:nvPr>
-            <p:ph type="sldNum" sz="quarter" idx="10"/>
-          </p:nvPr>
-        </p:nvSpPr>
-        <p:spPr/>
-        <p:txBody>
-          <a:bodyPr/>
-          <a:lstStyle/>
-          <a:p>
-            <a:fld id="{D6D5DACA-06C0-44B4-878F-6D68F29CD0DA}" type="slidenum">
-              <a:rPr lang="fr-FR" smtClean="0"/>
-              <a:pPr/>
-              <a:t>11</a:t>
-            </a:fld>
-            <a:endParaRPr lang="fr-FR" dirty="0"/>
-          </a:p>
-        </p:txBody>
-      </p:sp>
-    </p:spTree>
-  </p:cSld>
-  <p:clrMapOvr>
-    <a:masterClrMapping/>
-  </p:clrMapOvr>
-</p:notes>
-</file>
-
-<file path=ppt/notesSlides/notesSlide11.xml><?xml version="1.0" encoding="utf-8"?>
-<p:notes xmlns:a="http://schemas.openxmlformats.org/drawingml/2006/main" xmlns:r="http://schemas.openxmlformats.org/officeDocument/2006/relationships" xmlns:p="http://schemas.openxmlformats.org/presentationml/2006/main">
-  <p:cSld>
-    <p:spTree>
-      <p:nvGrpSpPr>
-        <p:cNvPr id="1" name=""/>
-        <p:cNvGrpSpPr/>
-        <p:nvPr/>
-      </p:nvGrpSpPr>
-      <p:grpSpPr>
-        <a:xfrm>
-          <a:off x="0" y="0"/>
-          <a:ext cx="0" cy="0"/>
-          <a:chOff x="0" y="0"/>
-          <a:chExt cx="0" cy="0"/>
-        </a:xfrm>
-      </p:grpSpPr>
-      <p:sp>
-        <p:nvSpPr>
-          <p:cNvPr id="2" name="Espace réservé de l'image des diapositives 1"/>
-          <p:cNvSpPr>
-            <a:spLocks noGrp="1" noRot="1" noChangeAspect="1"/>
-          </p:cNvSpPr>
-          <p:nvPr>
-            <p:ph type="sldImg"/>
-          </p:nvPr>
-        </p:nvSpPr>
-        <p:spPr/>
-      </p:sp>
-      <p:sp>
-        <p:nvSpPr>
-          <p:cNvPr id="3" name="Espace réservé des commentaires 2"/>
-          <p:cNvSpPr>
-            <a:spLocks noGrp="1"/>
-          </p:cNvSpPr>
-          <p:nvPr>
-            <p:ph type="body" idx="1"/>
-          </p:nvPr>
-        </p:nvSpPr>
-        <p:spPr/>
-        <p:txBody>
-          <a:bodyPr>
-            <a:normAutofit/>
-          </a:bodyPr>
-          <a:lstStyle/>
-          <a:p>
-            <a:endParaRPr lang="fr-FR" dirty="0"/>
-          </a:p>
-        </p:txBody>
-      </p:sp>
-      <p:sp>
-        <p:nvSpPr>
-          <p:cNvPr id="4" name="Espace réservé du numéro de diapositive 3"/>
-          <p:cNvSpPr>
-            <a:spLocks noGrp="1"/>
-          </p:cNvSpPr>
-          <p:nvPr>
-            <p:ph type="sldNum" sz="quarter" idx="10"/>
-          </p:nvPr>
-        </p:nvSpPr>
-        <p:spPr/>
-        <p:txBody>
-          <a:bodyPr/>
-          <a:lstStyle/>
-          <a:p>
-            <a:fld id="{D6D5DACA-06C0-44B4-878F-6D68F29CD0DA}" type="slidenum">
-              <a:rPr lang="fr-FR" smtClean="0"/>
-              <a:pPr/>
-              <a:t>12</a:t>
-            </a:fld>
-            <a:endParaRPr lang="fr-FR" dirty="0"/>
-          </a:p>
-        </p:txBody>
-      </p:sp>
-    </p:spTree>
-  </p:cSld>
-  <p:clrMapOvr>
-    <a:masterClrMapping/>
-  </p:clrMapOvr>
-</p:notes>
-</file>
-
-<file path=ppt/notesSlides/notesSlide12.xml><?xml version="1.0" encoding="utf-8"?>
-<p:notes xmlns:a="http://schemas.openxmlformats.org/drawingml/2006/main" xmlns:r="http://schemas.openxmlformats.org/officeDocument/2006/relationships" xmlns:p="http://schemas.openxmlformats.org/presentationml/2006/main">
-  <p:cSld>
-    <p:spTree>
-      <p:nvGrpSpPr>
-        <p:cNvPr id="1" name=""/>
-        <p:cNvGrpSpPr/>
-        <p:nvPr/>
-      </p:nvGrpSpPr>
-      <p:grpSpPr>
-        <a:xfrm>
-          <a:off x="0" y="0"/>
-          <a:ext cx="0" cy="0"/>
-          <a:chOff x="0" y="0"/>
-          <a:chExt cx="0" cy="0"/>
-        </a:xfrm>
-      </p:grpSpPr>
-      <p:sp>
-        <p:nvSpPr>
-          <p:cNvPr id="2" name="Espace réservé de l'image des diapositives 1"/>
-          <p:cNvSpPr>
-            <a:spLocks noGrp="1" noRot="1" noChangeAspect="1"/>
-          </p:cNvSpPr>
-          <p:nvPr>
-            <p:ph type="sldImg"/>
-          </p:nvPr>
-        </p:nvSpPr>
-        <p:spPr/>
-      </p:sp>
-      <p:sp>
-        <p:nvSpPr>
-          <p:cNvPr id="3" name="Espace réservé des commentaires 2"/>
-          <p:cNvSpPr>
-            <a:spLocks noGrp="1"/>
-          </p:cNvSpPr>
-          <p:nvPr>
-            <p:ph type="body" idx="1"/>
-          </p:nvPr>
-        </p:nvSpPr>
-        <p:spPr/>
-        <p:txBody>
-          <a:bodyPr>
-            <a:normAutofit/>
-          </a:bodyPr>
-          <a:lstStyle/>
-          <a:p>
-            <a:endParaRPr lang="fr-FR" dirty="0"/>
-          </a:p>
-        </p:txBody>
-      </p:sp>
-      <p:sp>
-        <p:nvSpPr>
-          <p:cNvPr id="4" name="Espace réservé du numéro de diapositive 3"/>
-          <p:cNvSpPr>
-            <a:spLocks noGrp="1"/>
-          </p:cNvSpPr>
-          <p:nvPr>
-            <p:ph type="sldNum" sz="quarter" idx="10"/>
-          </p:nvPr>
-        </p:nvSpPr>
-        <p:spPr/>
-        <p:txBody>
-          <a:bodyPr/>
-          <a:lstStyle/>
-          <a:p>
-            <a:fld id="{D6D5DACA-06C0-44B4-878F-6D68F29CD0DA}" type="slidenum">
-              <a:rPr lang="fr-FR" smtClean="0"/>
-              <a:pPr/>
-              <a:t>13</a:t>
             </a:fld>
             <a:endParaRPr lang="fr-FR" dirty="0"/>
           </a:p>
@@ -4424,7 +4175,7 @@
         </p:nvSpPr>
         <p:spPr>
           <a:xfrm>
-            <a:off x="611560" y="-27384"/>
+            <a:off x="755576" y="1412776"/>
             <a:ext cx="7772400" cy="1470025"/>
           </a:xfrm>
         </p:spPr>
@@ -4454,7 +4205,7 @@
         </p:nvSpPr>
         <p:spPr>
           <a:xfrm>
-            <a:off x="1259632" y="1412776"/>
+            <a:off x="1403648" y="2996952"/>
             <a:ext cx="6400800" cy="910952"/>
           </a:xfrm>
         </p:spPr>
@@ -4750,15 +4501,6 @@
               <a:pPr/>
               <a:t>1</a:t>
             </a:fld>
-            <a:r>
-              <a:rPr lang="fr-FR" sz="1400" dirty="0" smtClean="0">
-                <a:solidFill>
-                  <a:schemeClr val="bg1"/>
-                </a:solidFill>
-                <a:latin typeface="Sylfaen" pitchFamily="18" charset="0"/>
-              </a:rPr>
-              <a:t>/X</a:t>
-            </a:r>
             <a:endParaRPr lang="fr-FR" dirty="0">
               <a:solidFill>
                 <a:schemeClr val="bg1"/>
@@ -4978,36 +4720,6 @@
           </a:p>
         </p:txBody>
       </p:sp>
-      <p:sp>
-        <p:nvSpPr>
-          <p:cNvPr id="14" name="ZoneTexte 13"/>
-          <p:cNvSpPr txBox="1"/>
-          <p:nvPr/>
-        </p:nvSpPr>
-        <p:spPr>
-          <a:xfrm>
-            <a:off x="3635896" y="3356992"/>
-            <a:ext cx="2808312" cy="369332"/>
-          </a:xfrm>
-          <a:prstGeom prst="rect">
-            <a:avLst/>
-          </a:prstGeom>
-          <a:noFill/>
-        </p:spPr>
-        <p:txBody>
-          <a:bodyPr wrap="square" rtlCol="0">
-            <a:spAutoFit/>
-          </a:bodyPr>
-          <a:lstStyle/>
-          <a:p>
-            <a:r>
-              <a:rPr lang="fr-FR" dirty="0" smtClean="0"/>
-              <a:t>IMAGE ?</a:t>
-            </a:r>
-            <a:endParaRPr lang="fr-FR" dirty="0"/>
-          </a:p>
-        </p:txBody>
-      </p:sp>
     </p:spTree>
   </p:cSld>
   <p:clrMapOvr>
@@ -5128,14 +4840,16 @@
           </a:xfrm>
         </p:spPr>
         <p:txBody>
-          <a:bodyPr/>
+          <a:bodyPr>
+            <a:normAutofit/>
+          </a:bodyPr>
           <a:lstStyle/>
           <a:p>
             <a:r>
               <a:rPr lang="fr-FR" dirty="0" smtClean="0">
                 <a:latin typeface="Sylfaen" pitchFamily="18" charset="0"/>
               </a:rPr>
-              <a:t>Anticrénelage </a:t>
+              <a:t>Bonus</a:t>
             </a:r>
             <a:endParaRPr lang="fr-FR" dirty="0">
               <a:effectLst>
@@ -5351,15 +5065,6 @@
               <a:pPr/>
               <a:t>10</a:t>
             </a:fld>
-            <a:r>
-              <a:rPr lang="fr-FR" sz="1400" dirty="0" smtClean="0">
-                <a:solidFill>
-                  <a:schemeClr val="bg1"/>
-                </a:solidFill>
-                <a:latin typeface="Sylfaen" pitchFamily="18" charset="0"/>
-              </a:rPr>
-              <a:t>/X</a:t>
-            </a:r>
             <a:endParaRPr lang="fr-FR" dirty="0">
               <a:solidFill>
                 <a:schemeClr val="bg1"/>
@@ -5781,85 +5486,6 @@
       </p:sp>
       <p:sp>
         <p:nvSpPr>
-          <p:cNvPr id="25" name="Espace réservé du contenu 2"/>
-          <p:cNvSpPr>
-            <a:spLocks noGrp="1"/>
-          </p:cNvSpPr>
-          <p:nvPr>
-            <p:ph idx="1"/>
-          </p:nvPr>
-        </p:nvSpPr>
-        <p:spPr>
-          <a:xfrm>
-            <a:off x="878904" y="620688"/>
-            <a:ext cx="7653536" cy="5184576"/>
-          </a:xfrm>
-        </p:spPr>
-        <p:txBody>
-          <a:bodyPr>
-            <a:normAutofit/>
-          </a:bodyPr>
-          <a:lstStyle/>
-          <a:p>
-            <a:pPr>
-              <a:buNone/>
-            </a:pPr>
-            <a:endParaRPr lang="fr-FR" sz="2800" dirty="0" smtClean="0">
-              <a:solidFill>
-                <a:srgbClr val="920000"/>
-              </a:solidFill>
-              <a:latin typeface="Sylfaen" pitchFamily="18" charset="0"/>
-            </a:endParaRPr>
-          </a:p>
-          <a:p>
-            <a:pPr lvl="1">
-              <a:buFont typeface="Wingdings" pitchFamily="2" charset="2"/>
-              <a:buChar char="§"/>
-            </a:pPr>
-            <a:r>
-              <a:rPr lang="fr-FR" dirty="0" smtClean="0">
-                <a:latin typeface="Sylfaen" pitchFamily="18" charset="0"/>
-              </a:rPr>
-              <a:t>Plusieurs rayons lancés par pixels et moyenne pondérée </a:t>
-            </a:r>
-            <a:r>
-              <a:rPr lang="fr-FR" dirty="0" smtClean="0">
-                <a:solidFill>
-                  <a:srgbClr val="00B050"/>
-                </a:solidFill>
-                <a:latin typeface="Sylfaen" pitchFamily="18" charset="0"/>
-              </a:rPr>
-              <a:t>(par l’énergie)</a:t>
-            </a:r>
-          </a:p>
-          <a:p>
-            <a:pPr lvl="1">
-              <a:buFont typeface="Wingdings" pitchFamily="2" charset="2"/>
-              <a:buChar char="§"/>
-            </a:pPr>
-            <a:r>
-              <a:rPr lang="fr-FR" dirty="0" smtClean="0">
-                <a:solidFill>
-                  <a:srgbClr val="920000"/>
-                </a:solidFill>
-                <a:latin typeface="Sylfaen" pitchFamily="18" charset="0"/>
-              </a:rPr>
-              <a:t>Rendu 3D : comparaison</a:t>
-            </a:r>
-          </a:p>
-          <a:p>
-            <a:pPr lvl="1">
-              <a:buFont typeface="Wingdings" pitchFamily="2" charset="2"/>
-              <a:buChar char="§"/>
-            </a:pPr>
-            <a:endParaRPr lang="fr-FR" sz="1800" dirty="0" smtClean="0">
-              <a:latin typeface="Sylfaen" pitchFamily="18" charset="0"/>
-            </a:endParaRPr>
-          </a:p>
-        </p:txBody>
-      </p:sp>
-      <p:sp>
-        <p:nvSpPr>
           <p:cNvPr id="29" name="ZoneTexte 28"/>
           <p:cNvSpPr txBox="1"/>
           <p:nvPr/>
@@ -5926,7 +5552,67 @@
           </a:p>
         </p:txBody>
       </p:sp>
+      <p:pic>
+        <p:nvPicPr>
+          <p:cNvPr id="15" name="Espace réservé du contenu 14" descr="snapshot.jpg"/>
+          <p:cNvPicPr>
+            <a:picLocks noGrp="1" noChangeAspect="1"/>
+          </p:cNvPicPr>
+          <p:nvPr>
+            <p:ph sz="half" idx="1"/>
+          </p:nvPr>
+        </p:nvPicPr>
+        <p:blipFill>
+          <a:blip r:embed="rId4" cstate="print">
+            <a:extLst>
+              <a:ext uri="{28A0092B-C50C-407E-A947-70E740481C1C}">
+                <a14:useLocalDpi xmlns:a14="http://schemas.microsoft.com/office/drawing/2010/main" val="0"/>
+              </a:ext>
+            </a:extLst>
+          </a:blip>
+          <a:srcRect t="703" b="703"/>
+          <a:stretch>
+            <a:fillRect/>
+          </a:stretch>
+        </p:blipFill>
+        <p:spPr/>
+      </p:pic>
+      <p:pic>
+        <p:nvPicPr>
+          <p:cNvPr id="16" name="Image 15" descr="render.jpg"/>
+          <p:cNvPicPr>
+            <a:picLocks noChangeAspect="1"/>
+          </p:cNvPicPr>
+          <p:nvPr/>
+        </p:nvPicPr>
+        <p:blipFill>
+          <a:blip r:embed="rId5" cstate="print">
+            <a:extLst>
+              <a:ext uri="{28A0092B-C50C-407E-A947-70E740481C1C}">
+                <a14:useLocalDpi xmlns:a14="http://schemas.microsoft.com/office/drawing/2010/main" val="0"/>
+              </a:ext>
+            </a:extLst>
+          </a:blip>
+          <a:stretch>
+            <a:fillRect/>
+          </a:stretch>
+        </p:blipFill>
+        <p:spPr>
+          <a:xfrm>
+            <a:off x="4572000" y="1268760"/>
+            <a:ext cx="4410419" cy="5013176"/>
+          </a:xfrm>
+          <a:prstGeom prst="rect">
+            <a:avLst/>
+          </a:prstGeom>
+        </p:spPr>
+      </p:pic>
     </p:spTree>
+    <p:extLst>
+      <p:ext uri="{BB962C8B-B14F-4D97-AF65-F5344CB8AC3E}">
+        <p14:creationId xmlns:p14="http://schemas.microsoft.com/office/powerpoint/2010/main" val="3607471521"/>
+      </p:ext>
+    </p:extLst>
   </p:cSld>
   <p:clrMapOvr>
     <a:masterClrMapping/>
@@ -5941,7 +5627,7 @@
 </p:sld>
 </file>
 
-<file path=ppt/slides/slide11.xml><?xml version="1.0" encoding="utf-8"?>
+<file path=ppt/slides/slide2.xml><?xml version="1.0" encoding="utf-8"?>
 <p:sld xmlns:a="http://schemas.openxmlformats.org/drawingml/2006/main" xmlns:r="http://schemas.openxmlformats.org/officeDocument/2006/relationships" xmlns:p="http://schemas.openxmlformats.org/presentationml/2006/main">
   <p:cSld>
     <p:spTree>
@@ -6041,8 +5727,40 @@
         </p:nvSpPr>
         <p:spPr>
           <a:xfrm>
-            <a:off x="467544" y="-99392"/>
+            <a:off x="323528" y="-99392"/>
             <a:ext cx="8229600" cy="1143000"/>
+          </a:xfrm>
+        </p:spPr>
+        <p:txBody>
+          <a:bodyPr/>
+          <a:lstStyle/>
+          <a:p>
+            <a:r>
+              <a:rPr lang="fr-FR" dirty="0" smtClean="0">
+                <a:latin typeface="Sylfaen" pitchFamily="18" charset="0"/>
+              </a:rPr>
+              <a:t>Structure de partitionnement</a:t>
+            </a:r>
+            <a:endParaRPr lang="fr-FR" dirty="0">
+              <a:latin typeface="Sylfaen" pitchFamily="18" charset="0"/>
+            </a:endParaRPr>
+          </a:p>
+        </p:txBody>
+      </p:sp>
+      <p:sp>
+        <p:nvSpPr>
+          <p:cNvPr id="3" name="Espace réservé du contenu 2"/>
+          <p:cNvSpPr>
+            <a:spLocks noGrp="1"/>
+          </p:cNvSpPr>
+          <p:nvPr>
+            <p:ph idx="1"/>
+          </p:nvPr>
+        </p:nvSpPr>
+        <p:spPr>
+          <a:xfrm>
+            <a:off x="878904" y="980728"/>
+            <a:ext cx="7653536" cy="5184576"/>
           </a:xfrm>
         </p:spPr>
         <p:txBody>
@@ -6051,20 +5769,179 @@
           </a:bodyPr>
           <a:lstStyle/>
           <a:p>
+            <a:pPr>
+              <a:buNone/>
+            </a:pPr>
+            <a:endParaRPr lang="fr-FR" sz="2800" dirty="0" smtClean="0">
+              <a:solidFill>
+                <a:srgbClr val="920000"/>
+              </a:solidFill>
+              <a:latin typeface="Sylfaen" pitchFamily="18" charset="0"/>
+            </a:endParaRPr>
+          </a:p>
+          <a:p>
+            <a:pPr>
+              <a:buNone/>
+            </a:pPr>
             <a:r>
               <a:rPr lang="fr-FR" dirty="0" smtClean="0">
+                <a:solidFill>
+                  <a:srgbClr val="920000"/>
+                </a:solidFill>
                 <a:latin typeface="Sylfaen" pitchFamily="18" charset="0"/>
               </a:rPr>
-              <a:t>Bonus</a:t>
-            </a:r>
-            <a:endParaRPr lang="fr-FR" dirty="0">
-              <a:effectLst>
-                <a:outerShdw blurRad="38100" dist="38100" dir="2700000" algn="tl">
-                  <a:srgbClr val="000000">
-                    <a:alpha val="43137"/>
-                  </a:srgbClr>
-                </a:outerShdw>
-              </a:effectLst>
+              <a:t>Particularités du </a:t>
+            </a:r>
+            <a:r>
+              <a:rPr lang="fr-FR" dirty="0" err="1" smtClean="0">
+                <a:solidFill>
+                  <a:srgbClr val="920000"/>
+                </a:solidFill>
+                <a:latin typeface="Sylfaen" pitchFamily="18" charset="0"/>
+              </a:rPr>
+              <a:t>kd</a:t>
+            </a:r>
+            <a:r>
+              <a:rPr lang="fr-FR" dirty="0" smtClean="0">
+                <a:solidFill>
+                  <a:srgbClr val="920000"/>
+                </a:solidFill>
+                <a:latin typeface="Sylfaen" pitchFamily="18" charset="0"/>
+              </a:rPr>
+              <a:t>-</a:t>
+            </a:r>
+            <a:r>
+              <a:rPr lang="fr-FR" dirty="0" err="1" smtClean="0">
+                <a:solidFill>
+                  <a:srgbClr val="920000"/>
+                </a:solidFill>
+                <a:latin typeface="Sylfaen" pitchFamily="18" charset="0"/>
+              </a:rPr>
+              <a:t>tree</a:t>
+            </a:r>
+            <a:r>
+              <a:rPr lang="fr-FR" dirty="0" smtClean="0">
+                <a:solidFill>
+                  <a:srgbClr val="920000"/>
+                </a:solidFill>
+                <a:latin typeface="Sylfaen" pitchFamily="18" charset="0"/>
+              </a:rPr>
+              <a:t> </a:t>
+            </a:r>
+          </a:p>
+          <a:p>
+            <a:pPr>
+              <a:buNone/>
+            </a:pPr>
+            <a:endParaRPr lang="fr-FR" sz="1200" dirty="0">
+              <a:solidFill>
+                <a:srgbClr val="920000"/>
+              </a:solidFill>
+              <a:latin typeface="Sylfaen" pitchFamily="18" charset="0"/>
+            </a:endParaRPr>
+          </a:p>
+          <a:p>
+            <a:pPr lvl="1">
+              <a:buFont typeface="Wingdings" pitchFamily="2" charset="2"/>
+              <a:buChar char="§"/>
+            </a:pPr>
+            <a:r>
+              <a:rPr lang="fr-FR" sz="2400" dirty="0" smtClean="0">
+                <a:latin typeface="Sylfaen" pitchFamily="18" charset="0"/>
+              </a:rPr>
+              <a:t>Construction</a:t>
+            </a:r>
+          </a:p>
+          <a:p>
+            <a:pPr lvl="1">
+              <a:buFont typeface="Wingdings" pitchFamily="2" charset="2"/>
+              <a:buChar char="§"/>
+            </a:pPr>
+            <a:endParaRPr lang="fr-FR" sz="300" dirty="0" smtClean="0">
+              <a:latin typeface="Sylfaen" pitchFamily="18" charset="0"/>
+            </a:endParaRPr>
+          </a:p>
+          <a:p>
+            <a:pPr lvl="1">
+              <a:lnSpc>
+                <a:spcPct val="125000"/>
+              </a:lnSpc>
+              <a:buNone/>
+            </a:pPr>
+            <a:r>
+              <a:rPr lang="fr-FR" sz="2400" dirty="0" smtClean="0">
+                <a:latin typeface="Sylfaen" pitchFamily="18" charset="0"/>
+              </a:rPr>
+              <a:t>	</a:t>
+            </a:r>
+            <a:r>
+              <a:rPr lang="fr-FR" sz="1800" dirty="0" smtClean="0">
+                <a:latin typeface="Sylfaen" pitchFamily="18" charset="0"/>
+              </a:rPr>
+              <a:t>Séparations successives alternées par des plans parallèles aux axes du repère et passant par la valeur médiane</a:t>
+            </a:r>
+          </a:p>
+          <a:p>
+            <a:pPr lvl="2">
+              <a:lnSpc>
+                <a:spcPct val="125000"/>
+              </a:lnSpc>
+              <a:buNone/>
+            </a:pPr>
+            <a:endParaRPr lang="fr-FR" sz="1800" dirty="0" smtClean="0">
+              <a:latin typeface="Sylfaen" pitchFamily="18" charset="0"/>
+            </a:endParaRPr>
+          </a:p>
+          <a:p>
+            <a:pPr lvl="1">
+              <a:lnSpc>
+                <a:spcPct val="125000"/>
+              </a:lnSpc>
+              <a:buNone/>
+            </a:pPr>
+            <a:r>
+              <a:rPr lang="fr-FR" sz="1800" dirty="0" smtClean="0">
+                <a:latin typeface="Sylfaen" pitchFamily="18" charset="0"/>
+              </a:rPr>
+              <a:t>	Critère d’arrêt définit comme un pourcentage minimal de nombre de triangles dans les </a:t>
+            </a:r>
+            <a:r>
+              <a:rPr lang="fr-FR" sz="1800" dirty="0" smtClean="0">
+                <a:latin typeface="Sylfaen" pitchFamily="18" charset="0"/>
+              </a:rPr>
+              <a:t>bo</a:t>
+            </a:r>
+            <a:r>
+              <a:rPr lang="fr-FR" sz="1800" dirty="0" smtClean="0">
+                <a:latin typeface="Sylfaen" pitchFamily="18" charset="0"/>
+              </a:rPr>
+              <a:t>îtes à l’extremum</a:t>
+            </a:r>
+            <a:endParaRPr lang="fr-FR" sz="1800" dirty="0" smtClean="0">
+              <a:latin typeface="Sylfaen" pitchFamily="18" charset="0"/>
+            </a:endParaRPr>
+          </a:p>
+          <a:p>
+            <a:pPr lvl="1">
+              <a:lnSpc>
+                <a:spcPct val="125000"/>
+              </a:lnSpc>
+              <a:buNone/>
+            </a:pPr>
+            <a:r>
+              <a:rPr lang="fr-FR" sz="1800" dirty="0" smtClean="0">
+                <a:latin typeface="Sylfaen" pitchFamily="18" charset="0"/>
+              </a:rPr>
+              <a:t>	</a:t>
+            </a:r>
+            <a:r>
+              <a:rPr lang="fr-FR" sz="1800" dirty="0" smtClean="0">
+                <a:latin typeface="Sylfaen" pitchFamily="18" charset="0"/>
+                <a:sym typeface="Wingdings" pitchFamily="2" charset="2"/>
+              </a:rPr>
+              <a:t>  Adaptation à la complexité de de la scène</a:t>
+            </a:r>
+            <a:endParaRPr lang="fr-FR" sz="1800" dirty="0" smtClean="0">
               <a:latin typeface="Sylfaen" pitchFamily="18" charset="0"/>
             </a:endParaRPr>
           </a:p>
@@ -6269,2961 +6146,8 @@
                 <a:latin typeface="Sylfaen" pitchFamily="18" charset="0"/>
               </a:rPr>
               <a:pPr/>
-              <a:t>11</a:t>
-            </a:fld>
-            <a:r>
-              <a:rPr lang="fr-FR" sz="1400" dirty="0" smtClean="0">
-                <a:solidFill>
-                  <a:schemeClr val="bg1"/>
-                </a:solidFill>
-                <a:latin typeface="Sylfaen" pitchFamily="18" charset="0"/>
-              </a:rPr>
-              <a:t>/X</a:t>
-            </a:r>
-            <a:endParaRPr lang="fr-FR" dirty="0">
-              <a:solidFill>
-                <a:schemeClr val="bg1"/>
-              </a:solidFill>
-              <a:latin typeface="Sylfaen" pitchFamily="18" charset="0"/>
-            </a:endParaRPr>
-          </a:p>
-        </p:txBody>
-      </p:sp>
-      <p:sp>
-        <p:nvSpPr>
-          <p:cNvPr id="14" name="Rectangle 13"/>
-          <p:cNvSpPr/>
-          <p:nvPr/>
-        </p:nvSpPr>
-        <p:spPr>
-          <a:xfrm>
-            <a:off x="1619672" y="6309320"/>
-            <a:ext cx="7452320" cy="45719"/>
-          </a:xfrm>
-          <a:prstGeom prst="rect">
-            <a:avLst/>
-          </a:prstGeom>
-          <a:solidFill>
-            <a:srgbClr val="C00000"/>
-          </a:solidFill>
-          <a:ln>
-            <a:noFill/>
-          </a:ln>
-        </p:spPr>
-        <p:style>
-          <a:lnRef idx="2">
-            <a:schemeClr val="accent1">
-              <a:shade val="50000"/>
-            </a:schemeClr>
-          </a:lnRef>
-          <a:fillRef idx="1">
-            <a:schemeClr val="accent1"/>
-          </a:fillRef>
-          <a:effectRef idx="0">
-            <a:schemeClr val="accent1"/>
-          </a:effectRef>
-          <a:fontRef idx="minor">
-            <a:schemeClr val="lt1"/>
-          </a:fontRef>
-        </p:style>
-        <p:txBody>
-          <a:bodyPr rtlCol="0" anchor="ctr"/>
-          <a:lstStyle/>
-          <a:p>
-            <a:pPr algn="ctr"/>
-            <a:endParaRPr lang="fr-FR" dirty="0">
-              <a:solidFill>
-                <a:schemeClr val="tx1"/>
-              </a:solidFill>
-            </a:endParaRPr>
-          </a:p>
-        </p:txBody>
-      </p:sp>
-      <p:grpSp>
-        <p:nvGrpSpPr>
-          <p:cNvPr id="8" name="Groupe 48"/>
-          <p:cNvGrpSpPr/>
-          <p:nvPr/>
-        </p:nvGrpSpPr>
-        <p:grpSpPr>
-          <a:xfrm>
-            <a:off x="0" y="795608"/>
-            <a:ext cx="9143984" cy="185120"/>
-            <a:chOff x="0" y="738000"/>
-            <a:chExt cx="9143984" cy="185120"/>
-          </a:xfrm>
-        </p:grpSpPr>
-        <p:grpSp>
-          <p:nvGrpSpPr>
-            <p:cNvPr id="9" name="Groupe 31"/>
-            <p:cNvGrpSpPr/>
-            <p:nvPr/>
-          </p:nvGrpSpPr>
-          <p:grpSpPr>
-            <a:xfrm>
-              <a:off x="899983" y="738000"/>
-              <a:ext cx="8244001" cy="62704"/>
-              <a:chOff x="899983" y="738000"/>
-              <a:chExt cx="8208017" cy="62704"/>
-            </a:xfrm>
-          </p:grpSpPr>
-          <p:sp>
-            <p:nvSpPr>
-              <p:cNvPr id="7" name="Rectangle 6"/>
-              <p:cNvSpPr/>
-              <p:nvPr/>
-            </p:nvSpPr>
-            <p:spPr>
-              <a:xfrm>
-                <a:off x="900000" y="738000"/>
-                <a:ext cx="8208000" cy="57600"/>
-              </a:xfrm>
-              <a:prstGeom prst="rect">
-                <a:avLst/>
-              </a:prstGeom>
-              <a:gradFill flip="none" rotWithShape="1">
-                <a:gsLst>
-                  <a:gs pos="0">
-                    <a:srgbClr val="E20000">
-                      <a:tint val="66000"/>
-                      <a:satMod val="160000"/>
-                    </a:srgbClr>
-                  </a:gs>
-                  <a:gs pos="50000">
-                    <a:srgbClr val="E20000">
-                      <a:tint val="44500"/>
-                      <a:satMod val="160000"/>
-                    </a:srgbClr>
-                  </a:gs>
-                  <a:gs pos="100000">
-                    <a:srgbClr val="E20000">
-                      <a:tint val="23500"/>
-                      <a:satMod val="160000"/>
-                    </a:srgbClr>
-                  </a:gs>
-                </a:gsLst>
-                <a:lin ang="13500000" scaled="1"/>
-                <a:tileRect/>
-              </a:gradFill>
-              <a:ln>
-                <a:noFill/>
-              </a:ln>
-            </p:spPr>
-            <p:style>
-              <a:lnRef idx="2">
-                <a:schemeClr val="accent1">
-                  <a:shade val="50000"/>
-                </a:schemeClr>
-              </a:lnRef>
-              <a:fillRef idx="1">
-                <a:schemeClr val="accent1"/>
-              </a:fillRef>
-              <a:effectRef idx="0">
-                <a:schemeClr val="accent1"/>
-              </a:effectRef>
-              <a:fontRef idx="minor">
-                <a:schemeClr val="lt1"/>
-              </a:fontRef>
-            </p:style>
-            <p:txBody>
-              <a:bodyPr rtlCol="0" anchor="ctr"/>
-              <a:lstStyle/>
-              <a:p>
-                <a:pPr algn="ctr"/>
-                <a:endParaRPr lang="fr-FR" dirty="0">
-                  <a:solidFill>
-                    <a:schemeClr val="tx1"/>
-                  </a:solidFill>
-                </a:endParaRPr>
-              </a:p>
-            </p:txBody>
-          </p:sp>
-          <p:sp>
-            <p:nvSpPr>
-              <p:cNvPr id="17" name="Rectangle 16"/>
-              <p:cNvSpPr/>
-              <p:nvPr/>
-            </p:nvSpPr>
-            <p:spPr>
-              <a:xfrm>
-                <a:off x="899983" y="764704"/>
-                <a:ext cx="8208016" cy="36000"/>
-              </a:xfrm>
-              <a:prstGeom prst="rect">
-                <a:avLst/>
-              </a:prstGeom>
-              <a:solidFill>
-                <a:srgbClr val="C00000"/>
-              </a:solidFill>
-              <a:ln>
-                <a:noFill/>
-              </a:ln>
-            </p:spPr>
-            <p:style>
-              <a:lnRef idx="2">
-                <a:schemeClr val="accent1">
-                  <a:shade val="50000"/>
-                </a:schemeClr>
-              </a:lnRef>
-              <a:fillRef idx="1">
-                <a:schemeClr val="accent1"/>
-              </a:fillRef>
-              <a:effectRef idx="0">
-                <a:schemeClr val="accent1"/>
-              </a:effectRef>
-              <a:fontRef idx="minor">
-                <a:schemeClr val="lt1"/>
-              </a:fontRef>
-            </p:style>
-            <p:txBody>
-              <a:bodyPr rtlCol="0" anchor="ctr"/>
-              <a:lstStyle/>
-              <a:p>
-                <a:pPr algn="ctr"/>
-                <a:endParaRPr lang="fr-FR" dirty="0">
-                  <a:solidFill>
-                    <a:schemeClr val="tx1"/>
-                  </a:solidFill>
-                </a:endParaRPr>
-              </a:p>
-            </p:txBody>
-          </p:sp>
-        </p:grpSp>
-        <p:grpSp>
-          <p:nvGrpSpPr>
-            <p:cNvPr id="12" name="Groupe 29"/>
-            <p:cNvGrpSpPr/>
-            <p:nvPr/>
-          </p:nvGrpSpPr>
-          <p:grpSpPr>
-            <a:xfrm>
-              <a:off x="0" y="860400"/>
-              <a:ext cx="936000" cy="62720"/>
-              <a:chOff x="0" y="835200"/>
-              <a:chExt cx="1008000" cy="62720"/>
-            </a:xfrm>
-          </p:grpSpPr>
-          <p:sp>
-            <p:nvSpPr>
-              <p:cNvPr id="28" name="Rectangle 27"/>
-              <p:cNvSpPr/>
-              <p:nvPr/>
-            </p:nvSpPr>
-            <p:spPr>
-              <a:xfrm>
-                <a:off x="0" y="835200"/>
-                <a:ext cx="1008000" cy="46800"/>
-              </a:xfrm>
-              <a:prstGeom prst="rect">
-                <a:avLst/>
-              </a:prstGeom>
-              <a:gradFill flip="none" rotWithShape="1">
-                <a:gsLst>
-                  <a:gs pos="0">
-                    <a:schemeClr val="tx1">
-                      <a:tint val="66000"/>
-                      <a:satMod val="160000"/>
-                    </a:schemeClr>
-                  </a:gs>
-                  <a:gs pos="50000">
-                    <a:schemeClr val="tx1">
-                      <a:tint val="44500"/>
-                      <a:satMod val="160000"/>
-                    </a:schemeClr>
-                  </a:gs>
-                  <a:gs pos="100000">
-                    <a:schemeClr val="tx1">
-                      <a:tint val="23500"/>
-                      <a:satMod val="160000"/>
-                    </a:schemeClr>
-                  </a:gs>
-                </a:gsLst>
-                <a:path path="circle">
-                  <a:fillToRect t="100000" r="100000"/>
-                </a:path>
-                <a:tileRect l="-100000" b="-100000"/>
-              </a:gradFill>
-              <a:ln>
-                <a:noFill/>
-              </a:ln>
-            </p:spPr>
-            <p:style>
-              <a:lnRef idx="2">
-                <a:schemeClr val="accent1">
-                  <a:shade val="50000"/>
-                </a:schemeClr>
-              </a:lnRef>
-              <a:fillRef idx="1">
-                <a:schemeClr val="accent1"/>
-              </a:fillRef>
-              <a:effectRef idx="0">
-                <a:schemeClr val="accent1"/>
-              </a:effectRef>
-              <a:fontRef idx="minor">
-                <a:schemeClr val="lt1"/>
-              </a:fontRef>
-            </p:style>
-            <p:txBody>
-              <a:bodyPr rtlCol="0" anchor="ctr"/>
-              <a:lstStyle/>
-              <a:p>
-                <a:pPr algn="ctr"/>
-                <a:endParaRPr lang="fr-FR" dirty="0">
-                  <a:solidFill>
-                    <a:schemeClr val="tx1"/>
-                  </a:solidFill>
-                </a:endParaRPr>
-              </a:p>
-            </p:txBody>
-          </p:sp>
-          <p:sp>
-            <p:nvSpPr>
-              <p:cNvPr id="20" name="Rectangle 19"/>
-              <p:cNvSpPr/>
-              <p:nvPr/>
-            </p:nvSpPr>
-            <p:spPr>
-              <a:xfrm>
-                <a:off x="0" y="861920"/>
-                <a:ext cx="1008000" cy="36000"/>
-              </a:xfrm>
-              <a:prstGeom prst="rect">
-                <a:avLst/>
-              </a:prstGeom>
-              <a:solidFill>
-                <a:schemeClr val="tx1"/>
-              </a:solidFill>
-              <a:ln>
-                <a:noFill/>
-              </a:ln>
-            </p:spPr>
-            <p:style>
-              <a:lnRef idx="2">
-                <a:schemeClr val="accent1">
-                  <a:shade val="50000"/>
-                </a:schemeClr>
-              </a:lnRef>
-              <a:fillRef idx="1">
-                <a:schemeClr val="accent1"/>
-              </a:fillRef>
-              <a:effectRef idx="0">
-                <a:schemeClr val="accent1"/>
-              </a:effectRef>
-              <a:fontRef idx="minor">
-                <a:schemeClr val="lt1"/>
-              </a:fontRef>
-            </p:style>
-            <p:txBody>
-              <a:bodyPr rtlCol="0" anchor="ctr"/>
-              <a:lstStyle/>
-              <a:p>
-                <a:pPr algn="ctr"/>
-                <a:endParaRPr lang="fr-FR" dirty="0">
-                  <a:solidFill>
-                    <a:schemeClr val="tx1"/>
-                  </a:solidFill>
-                </a:endParaRPr>
-              </a:p>
-            </p:txBody>
-          </p:sp>
-        </p:grpSp>
-      </p:grpSp>
-      <p:sp>
-        <p:nvSpPr>
-          <p:cNvPr id="48" name="Rectangle 47"/>
-          <p:cNvSpPr/>
-          <p:nvPr/>
-        </p:nvSpPr>
-        <p:spPr>
-          <a:xfrm>
-            <a:off x="512" y="0"/>
-            <a:ext cx="9144000" cy="72000"/>
-          </a:xfrm>
-          <a:prstGeom prst="rect">
-            <a:avLst/>
-          </a:prstGeom>
-          <a:gradFill flip="none" rotWithShape="1">
-            <a:gsLst>
-              <a:gs pos="0">
-                <a:srgbClr val="E20000">
-                  <a:tint val="66000"/>
-                  <a:satMod val="160000"/>
-                </a:srgbClr>
-              </a:gs>
-              <a:gs pos="50000">
-                <a:srgbClr val="E20000">
-                  <a:tint val="44500"/>
-                  <a:satMod val="160000"/>
-                </a:srgbClr>
-              </a:gs>
-              <a:gs pos="100000">
-                <a:srgbClr val="E20000">
-                  <a:tint val="23500"/>
-                  <a:satMod val="160000"/>
-                </a:srgbClr>
-              </a:gs>
-            </a:gsLst>
-            <a:lin ang="13500000" scaled="1"/>
-            <a:tileRect/>
-          </a:gradFill>
-          <a:ln>
-            <a:noFill/>
-          </a:ln>
-        </p:spPr>
-        <p:style>
-          <a:lnRef idx="2">
-            <a:schemeClr val="accent1">
-              <a:shade val="50000"/>
-            </a:schemeClr>
-          </a:lnRef>
-          <a:fillRef idx="1">
-            <a:schemeClr val="accent1"/>
-          </a:fillRef>
-          <a:effectRef idx="0">
-            <a:schemeClr val="accent1"/>
-          </a:effectRef>
-          <a:fontRef idx="minor">
-            <a:schemeClr val="lt1"/>
-          </a:fontRef>
-        </p:style>
-        <p:txBody>
-          <a:bodyPr rtlCol="0" anchor="ctr"/>
-          <a:lstStyle/>
-          <a:p>
-            <a:pPr algn="ctr"/>
-            <a:endParaRPr lang="fr-FR" dirty="0">
-              <a:solidFill>
-                <a:schemeClr val="tx1"/>
-              </a:solidFill>
-            </a:endParaRPr>
-          </a:p>
-        </p:txBody>
-      </p:sp>
-      <p:sp>
-        <p:nvSpPr>
-          <p:cNvPr id="29" name="ZoneTexte 28"/>
-          <p:cNvSpPr txBox="1"/>
-          <p:nvPr/>
-        </p:nvSpPr>
-        <p:spPr>
-          <a:xfrm>
-            <a:off x="1619672" y="5301208"/>
-            <a:ext cx="3168352" cy="369332"/>
-          </a:xfrm>
-          <a:prstGeom prst="rect">
-            <a:avLst/>
-          </a:prstGeom>
-          <a:noFill/>
-        </p:spPr>
-        <p:txBody>
-          <a:bodyPr wrap="square" rtlCol="0">
-            <a:spAutoFit/>
-          </a:bodyPr>
-          <a:lstStyle/>
-          <a:p>
-            <a:r>
-              <a:rPr lang="fr-FR" dirty="0" smtClean="0">
-                <a:latin typeface="Sylfaen" pitchFamily="18" charset="0"/>
-              </a:rPr>
-              <a:t>Sans anti-aliasing</a:t>
-            </a:r>
-            <a:endParaRPr lang="fr-FR" dirty="0">
-              <a:latin typeface="Sylfaen" pitchFamily="18" charset="0"/>
-            </a:endParaRPr>
-          </a:p>
-        </p:txBody>
-      </p:sp>
-      <p:sp>
-        <p:nvSpPr>
-          <p:cNvPr id="30" name="ZoneTexte 29"/>
-          <p:cNvSpPr txBox="1"/>
-          <p:nvPr/>
-        </p:nvSpPr>
-        <p:spPr>
-          <a:xfrm>
-            <a:off x="4788024" y="5301208"/>
-            <a:ext cx="3168352" cy="369332"/>
-          </a:xfrm>
-          <a:prstGeom prst="rect">
-            <a:avLst/>
-          </a:prstGeom>
-          <a:noFill/>
-        </p:spPr>
-        <p:txBody>
-          <a:bodyPr wrap="square" rtlCol="0">
-            <a:spAutoFit/>
-          </a:bodyPr>
-          <a:lstStyle/>
-          <a:p>
-            <a:r>
-              <a:rPr lang="fr-FR" dirty="0" smtClean="0">
-                <a:latin typeface="Sylfaen" pitchFamily="18" charset="0"/>
-              </a:rPr>
-              <a:t>Anti-aliasing</a:t>
-            </a:r>
-            <a:endParaRPr lang="fr-FR" dirty="0">
-              <a:latin typeface="Sylfaen" pitchFamily="18" charset="0"/>
-            </a:endParaRPr>
-          </a:p>
-        </p:txBody>
-      </p:sp>
-      <p:pic>
-        <p:nvPicPr>
-          <p:cNvPr id="15" name="Espace réservé du contenu 14" descr="snapshot.jpg"/>
-          <p:cNvPicPr>
-            <a:picLocks noGrp="1" noChangeAspect="1"/>
-          </p:cNvPicPr>
-          <p:nvPr>
-            <p:ph sz="half" idx="1"/>
-          </p:nvPr>
-        </p:nvPicPr>
-        <p:blipFill>
-          <a:blip r:embed="rId4">
-            <a:extLst>
-              <a:ext uri="{28A0092B-C50C-407E-A947-70E740481C1C}">
-                <a14:useLocalDpi xmlns:a14="http://schemas.microsoft.com/office/drawing/2010/main" val="0"/>
-              </a:ext>
-            </a:extLst>
-          </a:blip>
-          <a:srcRect t="703" b="703"/>
-          <a:stretch>
-            <a:fillRect/>
-          </a:stretch>
-        </p:blipFill>
-        <p:spPr/>
-      </p:pic>
-      <p:pic>
-        <p:nvPicPr>
-          <p:cNvPr id="16" name="Image 15" descr="render.jpg"/>
-          <p:cNvPicPr>
-            <a:picLocks noChangeAspect="1"/>
-          </p:cNvPicPr>
-          <p:nvPr/>
-        </p:nvPicPr>
-        <p:blipFill>
-          <a:blip r:embed="rId5">
-            <a:extLst>
-              <a:ext uri="{28A0092B-C50C-407E-A947-70E740481C1C}">
-                <a14:useLocalDpi xmlns:a14="http://schemas.microsoft.com/office/drawing/2010/main" val="0"/>
-              </a:ext>
-            </a:extLst>
-          </a:blip>
-          <a:stretch>
-            <a:fillRect/>
-          </a:stretch>
-        </p:blipFill>
-        <p:spPr>
-          <a:xfrm>
-            <a:off x="4572000" y="1268760"/>
-            <a:ext cx="4410419" cy="5013176"/>
-          </a:xfrm>
-          <a:prstGeom prst="rect">
-            <a:avLst/>
-          </a:prstGeom>
-        </p:spPr>
-      </p:pic>
-    </p:spTree>
-    <p:extLst>
-      <p:ext uri="{BB962C8B-B14F-4D97-AF65-F5344CB8AC3E}">
-        <p14:creationId xmlns:p14="http://schemas.microsoft.com/office/powerpoint/2010/main" val="3607471521"/>
-      </p:ext>
-    </p:extLst>
-  </p:cSld>
-  <p:clrMapOvr>
-    <a:masterClrMapping/>
-  </p:clrMapOvr>
-  <p:timing>
-    <p:tnLst>
-      <p:par>
-        <p:cTn xmlns:p14="http://schemas.microsoft.com/office/powerpoint/2010/main" id="1" dur="indefinite" restart="never" nodeType="tmRoot"/>
-      </p:par>
-    </p:tnLst>
-  </p:timing>
-</p:sld>
-</file>
-
-<file path=ppt/slides/slide12.xml><?xml version="1.0" encoding="utf-8"?>
-<p:sld xmlns:a="http://schemas.openxmlformats.org/drawingml/2006/main" xmlns:r="http://schemas.openxmlformats.org/officeDocument/2006/relationships" xmlns:p="http://schemas.openxmlformats.org/presentationml/2006/main">
-  <p:cSld>
-    <p:spTree>
-      <p:nvGrpSpPr>
-        <p:cNvPr id="1" name=""/>
-        <p:cNvGrpSpPr/>
-        <p:nvPr/>
-      </p:nvGrpSpPr>
-      <p:grpSpPr>
-        <a:xfrm>
-          <a:off x="0" y="0"/>
-          <a:ext cx="0" cy="0"/>
-          <a:chOff x="0" y="0"/>
-          <a:chExt cx="0" cy="0"/>
-        </a:xfrm>
-      </p:grpSpPr>
-      <p:sp>
-        <p:nvSpPr>
-          <p:cNvPr id="27" name="Rectangle 26"/>
-          <p:cNvSpPr/>
-          <p:nvPr/>
-        </p:nvSpPr>
-        <p:spPr>
-          <a:xfrm>
-            <a:off x="1619672" y="6309320"/>
-            <a:ext cx="7452000" cy="72000"/>
-          </a:xfrm>
-          <a:prstGeom prst="rect">
-            <a:avLst/>
-          </a:prstGeom>
-          <a:gradFill flip="none" rotWithShape="1">
-            <a:gsLst>
-              <a:gs pos="0">
-                <a:srgbClr val="E20000">
-                  <a:tint val="66000"/>
-                  <a:satMod val="160000"/>
-                </a:srgbClr>
-              </a:gs>
-              <a:gs pos="50000">
-                <a:srgbClr val="E20000">
-                  <a:tint val="44500"/>
-                  <a:satMod val="160000"/>
-                </a:srgbClr>
-              </a:gs>
-              <a:gs pos="100000">
-                <a:srgbClr val="E20000">
-                  <a:tint val="23500"/>
-                  <a:satMod val="160000"/>
-                </a:srgbClr>
-              </a:gs>
-            </a:gsLst>
-            <a:lin ang="13500000" scaled="1"/>
-            <a:tileRect/>
-          </a:gradFill>
-          <a:ln>
-            <a:noFill/>
-          </a:ln>
-        </p:spPr>
-        <p:style>
-          <a:lnRef idx="2">
-            <a:schemeClr val="accent1">
-              <a:shade val="50000"/>
-            </a:schemeClr>
-          </a:lnRef>
-          <a:fillRef idx="1">
-            <a:schemeClr val="accent1"/>
-          </a:fillRef>
-          <a:effectRef idx="0">
-            <a:schemeClr val="accent1"/>
-          </a:effectRef>
-          <a:fontRef idx="minor">
-            <a:schemeClr val="lt1"/>
-          </a:fontRef>
-        </p:style>
-        <p:txBody>
-          <a:bodyPr rtlCol="0" anchor="ctr"/>
-          <a:lstStyle/>
-          <a:p>
-            <a:pPr algn="ctr"/>
-            <a:endParaRPr lang="fr-FR" dirty="0">
-              <a:solidFill>
-                <a:schemeClr val="tx1"/>
-              </a:solidFill>
-            </a:endParaRPr>
-          </a:p>
-        </p:txBody>
-      </p:sp>
-      <p:sp>
-        <p:nvSpPr>
-          <p:cNvPr id="2" name="Titre 1"/>
-          <p:cNvSpPr>
-            <a:spLocks noGrp="1"/>
-          </p:cNvSpPr>
-          <p:nvPr>
-            <p:ph type="title"/>
-          </p:nvPr>
-        </p:nvSpPr>
-        <p:spPr>
-          <a:xfrm>
-            <a:off x="467544" y="-99392"/>
-            <a:ext cx="8229600" cy="1143000"/>
-          </a:xfrm>
-        </p:spPr>
-        <p:txBody>
-          <a:bodyPr/>
-          <a:lstStyle/>
-          <a:p>
-            <a:r>
-              <a:rPr lang="fr-FR" dirty="0" smtClean="0">
-                <a:latin typeface="Sylfaen" pitchFamily="18" charset="0"/>
-              </a:rPr>
-              <a:t>Conclusion et travail à venir</a:t>
-            </a:r>
-            <a:endParaRPr lang="fr-FR" dirty="0">
-              <a:effectLst>
-                <a:outerShdw blurRad="38100" dist="38100" dir="2700000" algn="tl">
-                  <a:srgbClr val="000000">
-                    <a:alpha val="43137"/>
-                  </a:srgbClr>
-                </a:outerShdw>
-              </a:effectLst>
-              <a:latin typeface="Sylfaen" pitchFamily="18" charset="0"/>
-            </a:endParaRPr>
-          </a:p>
-        </p:txBody>
-      </p:sp>
-      <p:sp>
-        <p:nvSpPr>
-          <p:cNvPr id="4" name="Rectangle 3"/>
-          <p:cNvSpPr/>
-          <p:nvPr/>
-        </p:nvSpPr>
-        <p:spPr>
-          <a:xfrm>
-            <a:off x="1619672" y="6453336"/>
-            <a:ext cx="7452320" cy="360040"/>
-          </a:xfrm>
-          <a:prstGeom prst="rect">
-            <a:avLst/>
-          </a:prstGeom>
-          <a:solidFill>
-            <a:srgbClr val="C00000"/>
-          </a:solidFill>
-          <a:ln>
-            <a:noFill/>
-          </a:ln>
-        </p:spPr>
-        <p:style>
-          <a:lnRef idx="2">
-            <a:schemeClr val="accent1">
-              <a:shade val="50000"/>
-            </a:schemeClr>
-          </a:lnRef>
-          <a:fillRef idx="1">
-            <a:schemeClr val="accent1"/>
-          </a:fillRef>
-          <a:effectRef idx="0">
-            <a:schemeClr val="accent1"/>
-          </a:effectRef>
-          <a:fontRef idx="minor">
-            <a:schemeClr val="lt1"/>
-          </a:fontRef>
-        </p:style>
-        <p:txBody>
-          <a:bodyPr rtlCol="0" anchor="ctr"/>
-          <a:lstStyle/>
-          <a:p>
-            <a:pPr algn="ctr"/>
-            <a:endParaRPr lang="fr-FR" dirty="0">
-              <a:solidFill>
-                <a:schemeClr val="tx1"/>
-              </a:solidFill>
-            </a:endParaRPr>
-          </a:p>
-        </p:txBody>
-      </p:sp>
-      <p:sp>
-        <p:nvSpPr>
-          <p:cNvPr id="5" name="Rectangle 4"/>
-          <p:cNvSpPr/>
-          <p:nvPr/>
-        </p:nvSpPr>
-        <p:spPr>
-          <a:xfrm>
-            <a:off x="144016" y="6309320"/>
-            <a:ext cx="1403648" cy="504056"/>
-          </a:xfrm>
-          <a:prstGeom prst="rect">
-            <a:avLst/>
-          </a:prstGeom>
-          <a:solidFill>
-            <a:schemeClr val="tx1"/>
-          </a:solidFill>
-          <a:ln>
-            <a:noFill/>
-          </a:ln>
-        </p:spPr>
-        <p:style>
-          <a:lnRef idx="2">
-            <a:schemeClr val="accent1">
-              <a:shade val="50000"/>
-            </a:schemeClr>
-          </a:lnRef>
-          <a:fillRef idx="1">
-            <a:schemeClr val="accent1"/>
-          </a:fillRef>
-          <a:effectRef idx="0">
-            <a:schemeClr val="accent1"/>
-          </a:effectRef>
-          <a:fontRef idx="minor">
-            <a:schemeClr val="lt1"/>
-          </a:fontRef>
-        </p:style>
-        <p:txBody>
-          <a:bodyPr rtlCol="0" anchor="ctr"/>
-          <a:lstStyle/>
-          <a:p>
-            <a:pPr algn="ctr"/>
-            <a:endParaRPr lang="fr-FR" dirty="0">
-              <a:solidFill>
-                <a:schemeClr val="tx1"/>
-              </a:solidFill>
-            </a:endParaRPr>
-          </a:p>
-        </p:txBody>
-      </p:sp>
-      <p:pic>
-        <p:nvPicPr>
-          <p:cNvPr id="6" name="Picture 2" descr="C:\Users\Erwan\Desktop\logo_telecom-paristech.gif"/>
-          <p:cNvPicPr>
-            <a:picLocks noChangeAspect="1" noChangeArrowheads="1"/>
-          </p:cNvPicPr>
-          <p:nvPr/>
-        </p:nvPicPr>
-        <p:blipFill>
-          <a:blip r:embed="rId3" cstate="print"/>
-          <a:srcRect/>
-          <a:stretch>
-            <a:fillRect/>
-          </a:stretch>
-        </p:blipFill>
-        <p:spPr bwMode="auto">
-          <a:xfrm>
-            <a:off x="107504" y="6309376"/>
-            <a:ext cx="504000" cy="504000"/>
-          </a:xfrm>
-          <a:prstGeom prst="rect">
-            <a:avLst/>
-          </a:prstGeom>
-          <a:noFill/>
-        </p:spPr>
-      </p:pic>
-      <p:sp>
-        <p:nvSpPr>
-          <p:cNvPr id="10" name="ZoneTexte 9"/>
-          <p:cNvSpPr txBox="1"/>
-          <p:nvPr/>
-        </p:nvSpPr>
-        <p:spPr>
-          <a:xfrm>
-            <a:off x="1692000" y="6462000"/>
-            <a:ext cx="7452320" cy="307777"/>
-          </a:xfrm>
-          <a:prstGeom prst="rect">
-            <a:avLst/>
-          </a:prstGeom>
-          <a:noFill/>
-          <a:ln>
-            <a:noFill/>
-          </a:ln>
-        </p:spPr>
-        <p:txBody>
-          <a:bodyPr wrap="square" rtlCol="0">
-            <a:spAutoFit/>
-          </a:bodyPr>
-          <a:lstStyle/>
-          <a:p>
-            <a:r>
-              <a:rPr lang="fr-FR" sz="1400" dirty="0" smtClean="0">
-                <a:solidFill>
-                  <a:schemeClr val="bg1"/>
-                </a:solidFill>
-                <a:latin typeface="Sylfaen" pitchFamily="18" charset="0"/>
-              </a:rPr>
-              <a:t>P. Besson - J. Del Ojo Balaguer - E. Fruch	                Projet 3D 	                   29/04/2011</a:t>
-            </a:r>
-            <a:endParaRPr lang="fr-FR" dirty="0">
-              <a:solidFill>
-                <a:schemeClr val="bg1"/>
-              </a:solidFill>
-              <a:latin typeface="Sylfaen" pitchFamily="18" charset="0"/>
-            </a:endParaRPr>
-          </a:p>
-        </p:txBody>
-      </p:sp>
-      <p:sp>
-        <p:nvSpPr>
-          <p:cNvPr id="11" name="ZoneTexte 10"/>
-          <p:cNvSpPr txBox="1"/>
-          <p:nvPr/>
-        </p:nvSpPr>
-        <p:spPr>
-          <a:xfrm>
-            <a:off x="827584" y="6433591"/>
-            <a:ext cx="504056" cy="307777"/>
-          </a:xfrm>
-          <a:prstGeom prst="rect">
-            <a:avLst/>
-          </a:prstGeom>
-          <a:noFill/>
-        </p:spPr>
-        <p:txBody>
-          <a:bodyPr wrap="square" rtlCol="0">
-            <a:spAutoFit/>
-          </a:bodyPr>
-          <a:lstStyle/>
-          <a:p>
-            <a:fld id="{021DECB1-271F-4901-8E89-1067FB53F5BF}" type="slidenum">
-              <a:rPr lang="fr-FR" sz="1400" smtClean="0">
-                <a:solidFill>
-                  <a:schemeClr val="bg1"/>
-                </a:solidFill>
-                <a:latin typeface="Sylfaen" pitchFamily="18" charset="0"/>
-              </a:rPr>
-              <a:pPr/>
-              <a:t>12</a:t>
-            </a:fld>
-            <a:r>
-              <a:rPr lang="fr-FR" sz="1400" dirty="0" smtClean="0">
-                <a:solidFill>
-                  <a:schemeClr val="bg1"/>
-                </a:solidFill>
-                <a:latin typeface="Sylfaen" pitchFamily="18" charset="0"/>
-              </a:rPr>
-              <a:t>/X</a:t>
-            </a:r>
-            <a:endParaRPr lang="fr-FR" dirty="0">
-              <a:solidFill>
-                <a:schemeClr val="bg1"/>
-              </a:solidFill>
-              <a:latin typeface="Sylfaen" pitchFamily="18" charset="0"/>
-            </a:endParaRPr>
-          </a:p>
-        </p:txBody>
-      </p:sp>
-      <p:sp>
-        <p:nvSpPr>
-          <p:cNvPr id="14" name="Rectangle 13"/>
-          <p:cNvSpPr/>
-          <p:nvPr/>
-        </p:nvSpPr>
-        <p:spPr>
-          <a:xfrm>
-            <a:off x="1619672" y="6309320"/>
-            <a:ext cx="7452320" cy="45719"/>
-          </a:xfrm>
-          <a:prstGeom prst="rect">
-            <a:avLst/>
-          </a:prstGeom>
-          <a:solidFill>
-            <a:srgbClr val="C00000"/>
-          </a:solidFill>
-          <a:ln>
-            <a:noFill/>
-          </a:ln>
-        </p:spPr>
-        <p:style>
-          <a:lnRef idx="2">
-            <a:schemeClr val="accent1">
-              <a:shade val="50000"/>
-            </a:schemeClr>
-          </a:lnRef>
-          <a:fillRef idx="1">
-            <a:schemeClr val="accent1"/>
-          </a:fillRef>
-          <a:effectRef idx="0">
-            <a:schemeClr val="accent1"/>
-          </a:effectRef>
-          <a:fontRef idx="minor">
-            <a:schemeClr val="lt1"/>
-          </a:fontRef>
-        </p:style>
-        <p:txBody>
-          <a:bodyPr rtlCol="0" anchor="ctr"/>
-          <a:lstStyle/>
-          <a:p>
-            <a:pPr algn="ctr"/>
-            <a:endParaRPr lang="fr-FR" dirty="0">
-              <a:solidFill>
-                <a:schemeClr val="tx1"/>
-              </a:solidFill>
-            </a:endParaRPr>
-          </a:p>
-        </p:txBody>
-      </p:sp>
-      <p:grpSp>
-        <p:nvGrpSpPr>
-          <p:cNvPr id="3" name="Groupe 48"/>
-          <p:cNvGrpSpPr/>
-          <p:nvPr/>
-        </p:nvGrpSpPr>
-        <p:grpSpPr>
-          <a:xfrm>
-            <a:off x="0" y="795608"/>
-            <a:ext cx="9143984" cy="185120"/>
-            <a:chOff x="0" y="738000"/>
-            <a:chExt cx="9143984" cy="185120"/>
-          </a:xfrm>
-        </p:grpSpPr>
-        <p:grpSp>
-          <p:nvGrpSpPr>
-            <p:cNvPr id="8" name="Groupe 31"/>
-            <p:cNvGrpSpPr/>
-            <p:nvPr/>
-          </p:nvGrpSpPr>
-          <p:grpSpPr>
-            <a:xfrm>
-              <a:off x="899983" y="738000"/>
-              <a:ext cx="8244001" cy="62704"/>
-              <a:chOff x="899983" y="738000"/>
-              <a:chExt cx="8208017" cy="62704"/>
-            </a:xfrm>
-          </p:grpSpPr>
-          <p:sp>
-            <p:nvSpPr>
-              <p:cNvPr id="7" name="Rectangle 6"/>
-              <p:cNvSpPr/>
-              <p:nvPr/>
-            </p:nvSpPr>
-            <p:spPr>
-              <a:xfrm>
-                <a:off x="900000" y="738000"/>
-                <a:ext cx="8208000" cy="57600"/>
-              </a:xfrm>
-              <a:prstGeom prst="rect">
-                <a:avLst/>
-              </a:prstGeom>
-              <a:gradFill flip="none" rotWithShape="1">
-                <a:gsLst>
-                  <a:gs pos="0">
-                    <a:srgbClr val="E20000">
-                      <a:tint val="66000"/>
-                      <a:satMod val="160000"/>
-                    </a:srgbClr>
-                  </a:gs>
-                  <a:gs pos="50000">
-                    <a:srgbClr val="E20000">
-                      <a:tint val="44500"/>
-                      <a:satMod val="160000"/>
-                    </a:srgbClr>
-                  </a:gs>
-                  <a:gs pos="100000">
-                    <a:srgbClr val="E20000">
-                      <a:tint val="23500"/>
-                      <a:satMod val="160000"/>
-                    </a:srgbClr>
-                  </a:gs>
-                </a:gsLst>
-                <a:lin ang="13500000" scaled="1"/>
-                <a:tileRect/>
-              </a:gradFill>
-              <a:ln>
-                <a:noFill/>
-              </a:ln>
-            </p:spPr>
-            <p:style>
-              <a:lnRef idx="2">
-                <a:schemeClr val="accent1">
-                  <a:shade val="50000"/>
-                </a:schemeClr>
-              </a:lnRef>
-              <a:fillRef idx="1">
-                <a:schemeClr val="accent1"/>
-              </a:fillRef>
-              <a:effectRef idx="0">
-                <a:schemeClr val="accent1"/>
-              </a:effectRef>
-              <a:fontRef idx="minor">
-                <a:schemeClr val="lt1"/>
-              </a:fontRef>
-            </p:style>
-            <p:txBody>
-              <a:bodyPr rtlCol="0" anchor="ctr"/>
-              <a:lstStyle/>
-              <a:p>
-                <a:pPr algn="ctr"/>
-                <a:endParaRPr lang="fr-FR" dirty="0">
-                  <a:solidFill>
-                    <a:schemeClr val="tx1"/>
-                  </a:solidFill>
-                </a:endParaRPr>
-              </a:p>
-            </p:txBody>
-          </p:sp>
-          <p:sp>
-            <p:nvSpPr>
-              <p:cNvPr id="17" name="Rectangle 16"/>
-              <p:cNvSpPr/>
-              <p:nvPr/>
-            </p:nvSpPr>
-            <p:spPr>
-              <a:xfrm>
-                <a:off x="899983" y="764704"/>
-                <a:ext cx="8208016" cy="36000"/>
-              </a:xfrm>
-              <a:prstGeom prst="rect">
-                <a:avLst/>
-              </a:prstGeom>
-              <a:solidFill>
-                <a:srgbClr val="C00000"/>
-              </a:solidFill>
-              <a:ln>
-                <a:noFill/>
-              </a:ln>
-            </p:spPr>
-            <p:style>
-              <a:lnRef idx="2">
-                <a:schemeClr val="accent1">
-                  <a:shade val="50000"/>
-                </a:schemeClr>
-              </a:lnRef>
-              <a:fillRef idx="1">
-                <a:schemeClr val="accent1"/>
-              </a:fillRef>
-              <a:effectRef idx="0">
-                <a:schemeClr val="accent1"/>
-              </a:effectRef>
-              <a:fontRef idx="minor">
-                <a:schemeClr val="lt1"/>
-              </a:fontRef>
-            </p:style>
-            <p:txBody>
-              <a:bodyPr rtlCol="0" anchor="ctr"/>
-              <a:lstStyle/>
-              <a:p>
-                <a:pPr algn="ctr"/>
-                <a:endParaRPr lang="fr-FR" dirty="0">
-                  <a:solidFill>
-                    <a:schemeClr val="tx1"/>
-                  </a:solidFill>
-                </a:endParaRPr>
-              </a:p>
-            </p:txBody>
-          </p:sp>
-        </p:grpSp>
-        <p:grpSp>
-          <p:nvGrpSpPr>
-            <p:cNvPr id="9" name="Groupe 29"/>
-            <p:cNvGrpSpPr/>
-            <p:nvPr/>
-          </p:nvGrpSpPr>
-          <p:grpSpPr>
-            <a:xfrm>
-              <a:off x="0" y="860400"/>
-              <a:ext cx="936000" cy="62720"/>
-              <a:chOff x="0" y="835200"/>
-              <a:chExt cx="1008000" cy="62720"/>
-            </a:xfrm>
-          </p:grpSpPr>
-          <p:sp>
-            <p:nvSpPr>
-              <p:cNvPr id="28" name="Rectangle 27"/>
-              <p:cNvSpPr/>
-              <p:nvPr/>
-            </p:nvSpPr>
-            <p:spPr>
-              <a:xfrm>
-                <a:off x="0" y="835200"/>
-                <a:ext cx="1008000" cy="46800"/>
-              </a:xfrm>
-              <a:prstGeom prst="rect">
-                <a:avLst/>
-              </a:prstGeom>
-              <a:gradFill flip="none" rotWithShape="1">
-                <a:gsLst>
-                  <a:gs pos="0">
-                    <a:schemeClr val="tx1">
-                      <a:tint val="66000"/>
-                      <a:satMod val="160000"/>
-                    </a:schemeClr>
-                  </a:gs>
-                  <a:gs pos="50000">
-                    <a:schemeClr val="tx1">
-                      <a:tint val="44500"/>
-                      <a:satMod val="160000"/>
-                    </a:schemeClr>
-                  </a:gs>
-                  <a:gs pos="100000">
-                    <a:schemeClr val="tx1">
-                      <a:tint val="23500"/>
-                      <a:satMod val="160000"/>
-                    </a:schemeClr>
-                  </a:gs>
-                </a:gsLst>
-                <a:path path="circle">
-                  <a:fillToRect t="100000" r="100000"/>
-                </a:path>
-                <a:tileRect l="-100000" b="-100000"/>
-              </a:gradFill>
-              <a:ln>
-                <a:noFill/>
-              </a:ln>
-            </p:spPr>
-            <p:style>
-              <a:lnRef idx="2">
-                <a:schemeClr val="accent1">
-                  <a:shade val="50000"/>
-                </a:schemeClr>
-              </a:lnRef>
-              <a:fillRef idx="1">
-                <a:schemeClr val="accent1"/>
-              </a:fillRef>
-              <a:effectRef idx="0">
-                <a:schemeClr val="accent1"/>
-              </a:effectRef>
-              <a:fontRef idx="minor">
-                <a:schemeClr val="lt1"/>
-              </a:fontRef>
-            </p:style>
-            <p:txBody>
-              <a:bodyPr rtlCol="0" anchor="ctr"/>
-              <a:lstStyle/>
-              <a:p>
-                <a:pPr algn="ctr"/>
-                <a:endParaRPr lang="fr-FR" dirty="0">
-                  <a:solidFill>
-                    <a:schemeClr val="tx1"/>
-                  </a:solidFill>
-                </a:endParaRPr>
-              </a:p>
-            </p:txBody>
-          </p:sp>
-          <p:sp>
-            <p:nvSpPr>
-              <p:cNvPr id="20" name="Rectangle 19"/>
-              <p:cNvSpPr/>
-              <p:nvPr/>
-            </p:nvSpPr>
-            <p:spPr>
-              <a:xfrm>
-                <a:off x="0" y="861920"/>
-                <a:ext cx="1008000" cy="36000"/>
-              </a:xfrm>
-              <a:prstGeom prst="rect">
-                <a:avLst/>
-              </a:prstGeom>
-              <a:solidFill>
-                <a:schemeClr val="tx1"/>
-              </a:solidFill>
-              <a:ln>
-                <a:noFill/>
-              </a:ln>
-            </p:spPr>
-            <p:style>
-              <a:lnRef idx="2">
-                <a:schemeClr val="accent1">
-                  <a:shade val="50000"/>
-                </a:schemeClr>
-              </a:lnRef>
-              <a:fillRef idx="1">
-                <a:schemeClr val="accent1"/>
-              </a:fillRef>
-              <a:effectRef idx="0">
-                <a:schemeClr val="accent1"/>
-              </a:effectRef>
-              <a:fontRef idx="minor">
-                <a:schemeClr val="lt1"/>
-              </a:fontRef>
-            </p:style>
-            <p:txBody>
-              <a:bodyPr rtlCol="0" anchor="ctr"/>
-              <a:lstStyle/>
-              <a:p>
-                <a:pPr algn="ctr"/>
-                <a:endParaRPr lang="fr-FR" dirty="0">
-                  <a:solidFill>
-                    <a:schemeClr val="tx1"/>
-                  </a:solidFill>
-                </a:endParaRPr>
-              </a:p>
-            </p:txBody>
-          </p:sp>
-        </p:grpSp>
-      </p:grpSp>
-      <p:sp>
-        <p:nvSpPr>
-          <p:cNvPr id="48" name="Rectangle 47"/>
-          <p:cNvSpPr/>
-          <p:nvPr/>
-        </p:nvSpPr>
-        <p:spPr>
-          <a:xfrm>
-            <a:off x="512" y="0"/>
-            <a:ext cx="9144000" cy="72000"/>
-          </a:xfrm>
-          <a:prstGeom prst="rect">
-            <a:avLst/>
-          </a:prstGeom>
-          <a:gradFill flip="none" rotWithShape="1">
-            <a:gsLst>
-              <a:gs pos="0">
-                <a:srgbClr val="E20000">
-                  <a:tint val="66000"/>
-                  <a:satMod val="160000"/>
-                </a:srgbClr>
-              </a:gs>
-              <a:gs pos="50000">
-                <a:srgbClr val="E20000">
-                  <a:tint val="44500"/>
-                  <a:satMod val="160000"/>
-                </a:srgbClr>
-              </a:gs>
-              <a:gs pos="100000">
-                <a:srgbClr val="E20000">
-                  <a:tint val="23500"/>
-                  <a:satMod val="160000"/>
-                </a:srgbClr>
-              </a:gs>
-            </a:gsLst>
-            <a:lin ang="13500000" scaled="1"/>
-            <a:tileRect/>
-          </a:gradFill>
-          <a:ln>
-            <a:noFill/>
-          </a:ln>
-        </p:spPr>
-        <p:style>
-          <a:lnRef idx="2">
-            <a:schemeClr val="accent1">
-              <a:shade val="50000"/>
-            </a:schemeClr>
-          </a:lnRef>
-          <a:fillRef idx="1">
-            <a:schemeClr val="accent1"/>
-          </a:fillRef>
-          <a:effectRef idx="0">
-            <a:schemeClr val="accent1"/>
-          </a:effectRef>
-          <a:fontRef idx="minor">
-            <a:schemeClr val="lt1"/>
-          </a:fontRef>
-        </p:style>
-        <p:txBody>
-          <a:bodyPr rtlCol="0" anchor="ctr"/>
-          <a:lstStyle/>
-          <a:p>
-            <a:pPr algn="ctr"/>
-            <a:endParaRPr lang="fr-FR" dirty="0">
-              <a:solidFill>
-                <a:schemeClr val="tx1"/>
-              </a:solidFill>
-            </a:endParaRPr>
-          </a:p>
-        </p:txBody>
-      </p:sp>
-      <p:sp>
-        <p:nvSpPr>
-          <p:cNvPr id="21" name="Espace réservé du contenu 2"/>
-          <p:cNvSpPr>
-            <a:spLocks noGrp="1"/>
-          </p:cNvSpPr>
-          <p:nvPr>
-            <p:ph idx="1"/>
-          </p:nvPr>
-        </p:nvSpPr>
-        <p:spPr>
-          <a:xfrm>
-            <a:off x="878904" y="980728"/>
-            <a:ext cx="7653536" cy="5184576"/>
-          </a:xfrm>
-        </p:spPr>
-        <p:txBody>
-          <a:bodyPr>
-            <a:normAutofit/>
-          </a:bodyPr>
-          <a:lstStyle/>
-          <a:p>
-            <a:pPr>
-              <a:buNone/>
-            </a:pPr>
-            <a:endParaRPr lang="fr-FR" sz="1400" dirty="0" smtClean="0">
-              <a:solidFill>
-                <a:srgbClr val="920000"/>
-              </a:solidFill>
-              <a:latin typeface="Sylfaen" pitchFamily="18" charset="0"/>
-            </a:endParaRPr>
-          </a:p>
-          <a:p>
-            <a:pPr lvl="1">
-              <a:buFont typeface="Wingdings" pitchFamily="2" charset="2"/>
-              <a:buChar char="§"/>
-            </a:pPr>
-            <a:r>
-              <a:rPr lang="fr-FR" sz="2800" dirty="0" smtClean="0">
-                <a:solidFill>
-                  <a:srgbClr val="920000"/>
-                </a:solidFill>
-                <a:latin typeface="Sylfaen" pitchFamily="18" charset="0"/>
-              </a:rPr>
-              <a:t>Implémentations réalisées</a:t>
-            </a:r>
-          </a:p>
-          <a:p>
-            <a:pPr lvl="2">
-              <a:buFont typeface="Wingdings" pitchFamily="2" charset="2"/>
-              <a:buChar char="§"/>
-            </a:pPr>
-            <a:endParaRPr lang="fr-FR" sz="1400" dirty="0" smtClean="0">
-              <a:solidFill>
-                <a:srgbClr val="920000"/>
-              </a:solidFill>
-              <a:latin typeface="Sylfaen" pitchFamily="18" charset="0"/>
-            </a:endParaRPr>
-          </a:p>
-          <a:p>
-            <a:pPr lvl="2">
-              <a:buFont typeface="Wingdings" pitchFamily="2" charset="2"/>
-              <a:buChar char="§"/>
-            </a:pPr>
-            <a:r>
-              <a:rPr lang="fr-FR" dirty="0" smtClean="0">
-                <a:solidFill>
-                  <a:srgbClr val="00B050"/>
-                </a:solidFill>
-                <a:latin typeface="Sylfaen" pitchFamily="18" charset="0"/>
-              </a:rPr>
-              <a:t>Liste de choses qui marchent</a:t>
-            </a:r>
-          </a:p>
-          <a:p>
-            <a:pPr lvl="2">
-              <a:buFont typeface="Wingdings" pitchFamily="2" charset="2"/>
-              <a:buChar char="§"/>
-            </a:pPr>
-            <a:r>
-              <a:rPr lang="fr-FR" dirty="0" smtClean="0">
-                <a:solidFill>
-                  <a:srgbClr val="00B050"/>
-                </a:solidFill>
-                <a:latin typeface="Sylfaen" pitchFamily="18" charset="0"/>
-              </a:rPr>
-              <a:t>Qui marchent moins bien… BRDF (Bruit)</a:t>
-            </a:r>
-          </a:p>
-          <a:p>
-            <a:pPr lvl="2">
-              <a:buNone/>
-            </a:pPr>
-            <a:endParaRPr lang="fr-FR" sz="2000" dirty="0" smtClean="0">
-              <a:latin typeface="Sylfaen" pitchFamily="18" charset="0"/>
-            </a:endParaRPr>
-          </a:p>
-          <a:p>
-            <a:pPr lvl="1">
-              <a:buFont typeface="Wingdings" pitchFamily="2" charset="2"/>
-              <a:buChar char="§"/>
-            </a:pPr>
-            <a:r>
-              <a:rPr lang="fr-FR" sz="2800" dirty="0" smtClean="0">
-                <a:solidFill>
-                  <a:srgbClr val="920000"/>
-                </a:solidFill>
-                <a:latin typeface="Sylfaen" pitchFamily="18" charset="0"/>
-              </a:rPr>
-              <a:t>A terminer</a:t>
-            </a:r>
-          </a:p>
-          <a:p>
-            <a:pPr lvl="2">
-              <a:buFont typeface="Wingdings" pitchFamily="2" charset="2"/>
-              <a:buChar char="§"/>
-            </a:pPr>
-            <a:endParaRPr lang="fr-FR" sz="1400" dirty="0" smtClean="0">
-              <a:solidFill>
-                <a:srgbClr val="920000"/>
-              </a:solidFill>
-              <a:latin typeface="Sylfaen" pitchFamily="18" charset="0"/>
-            </a:endParaRPr>
-          </a:p>
-          <a:p>
-            <a:pPr lvl="2">
-              <a:buFont typeface="Wingdings" pitchFamily="2" charset="2"/>
-              <a:buChar char="§"/>
-            </a:pPr>
-            <a:r>
-              <a:rPr lang="fr-FR" dirty="0" smtClean="0">
-                <a:latin typeface="Sylfaen" pitchFamily="18" charset="0"/>
-              </a:rPr>
-              <a:t>Réflexion de la lumière sur les particules </a:t>
-            </a:r>
-            <a:r>
-              <a:rPr lang="fr-FR" dirty="0" smtClean="0">
-                <a:latin typeface="Sylfaen" pitchFamily="18" charset="0"/>
-              </a:rPr>
-              <a:t>d’air</a:t>
-            </a:r>
-          </a:p>
-          <a:p>
-            <a:pPr lvl="2">
-              <a:buFont typeface="Wingdings" pitchFamily="2" charset="2"/>
-              <a:buChar char="§"/>
-            </a:pPr>
-            <a:r>
-              <a:rPr lang="fr-FR" dirty="0" smtClean="0">
-                <a:latin typeface="Sylfaen" pitchFamily="18" charset="0"/>
-              </a:rPr>
-              <a:t>Modéliser le fait que la scène puisse ne pas </a:t>
-            </a:r>
-            <a:r>
-              <a:rPr lang="fr-FR" dirty="0" smtClean="0">
-                <a:latin typeface="Sylfaen" pitchFamily="18" charset="0"/>
-              </a:rPr>
-              <a:t>être dans du vide total</a:t>
-            </a:r>
-            <a:endParaRPr lang="fr-FR" dirty="0" smtClean="0">
-              <a:latin typeface="Sylfaen" pitchFamily="18" charset="0"/>
-            </a:endParaRPr>
-          </a:p>
-          <a:p>
-            <a:pPr lvl="2">
-              <a:buNone/>
-            </a:pPr>
-            <a:endParaRPr lang="fr-FR" sz="2000" dirty="0" smtClean="0">
-              <a:latin typeface="Sylfaen" pitchFamily="18" charset="0"/>
-            </a:endParaRPr>
-          </a:p>
-        </p:txBody>
-      </p:sp>
-    </p:spTree>
-  </p:cSld>
-  <p:clrMapOvr>
-    <a:masterClrMapping/>
-  </p:clrMapOvr>
-  <p:timing>
-    <p:tnLst>
-      <p:par>
-        <p:cTn xmlns:p14="http://schemas.microsoft.com/office/powerpoint/2010/main" id="1" dur="indefinite" restart="never" nodeType="tmRoot"/>
-      </p:par>
-    </p:tnLst>
-  </p:timing>
-</p:sld>
-</file>
-
-<file path=ppt/slides/slide13.xml><?xml version="1.0" encoding="utf-8"?>
-<p:sld xmlns:a="http://schemas.openxmlformats.org/drawingml/2006/main" xmlns:r="http://schemas.openxmlformats.org/officeDocument/2006/relationships" xmlns:p="http://schemas.openxmlformats.org/presentationml/2006/main">
-  <p:cSld>
-    <p:spTree>
-      <p:nvGrpSpPr>
-        <p:cNvPr id="1" name=""/>
-        <p:cNvGrpSpPr/>
-        <p:nvPr/>
-      </p:nvGrpSpPr>
-      <p:grpSpPr>
-        <a:xfrm>
-          <a:off x="0" y="0"/>
-          <a:ext cx="0" cy="0"/>
-          <a:chOff x="0" y="0"/>
-          <a:chExt cx="0" cy="0"/>
-        </a:xfrm>
-      </p:grpSpPr>
-      <p:sp>
-        <p:nvSpPr>
-          <p:cNvPr id="27" name="Rectangle 26"/>
-          <p:cNvSpPr/>
-          <p:nvPr/>
-        </p:nvSpPr>
-        <p:spPr>
-          <a:xfrm>
-            <a:off x="1619672" y="6309320"/>
-            <a:ext cx="7452000" cy="72000"/>
-          </a:xfrm>
-          <a:prstGeom prst="rect">
-            <a:avLst/>
-          </a:prstGeom>
-          <a:gradFill flip="none" rotWithShape="1">
-            <a:gsLst>
-              <a:gs pos="0">
-                <a:srgbClr val="E20000">
-                  <a:tint val="66000"/>
-                  <a:satMod val="160000"/>
-                </a:srgbClr>
-              </a:gs>
-              <a:gs pos="50000">
-                <a:srgbClr val="E20000">
-                  <a:tint val="44500"/>
-                  <a:satMod val="160000"/>
-                </a:srgbClr>
-              </a:gs>
-              <a:gs pos="100000">
-                <a:srgbClr val="E20000">
-                  <a:tint val="23500"/>
-                  <a:satMod val="160000"/>
-                </a:srgbClr>
-              </a:gs>
-            </a:gsLst>
-            <a:lin ang="13500000" scaled="1"/>
-            <a:tileRect/>
-          </a:gradFill>
-          <a:ln>
-            <a:noFill/>
-          </a:ln>
-        </p:spPr>
-        <p:style>
-          <a:lnRef idx="2">
-            <a:schemeClr val="accent1">
-              <a:shade val="50000"/>
-            </a:schemeClr>
-          </a:lnRef>
-          <a:fillRef idx="1">
-            <a:schemeClr val="accent1"/>
-          </a:fillRef>
-          <a:effectRef idx="0">
-            <a:schemeClr val="accent1"/>
-          </a:effectRef>
-          <a:fontRef idx="minor">
-            <a:schemeClr val="lt1"/>
-          </a:fontRef>
-        </p:style>
-        <p:txBody>
-          <a:bodyPr rtlCol="0" anchor="ctr"/>
-          <a:lstStyle/>
-          <a:p>
-            <a:pPr algn="ctr"/>
-            <a:endParaRPr lang="fr-FR" dirty="0">
-              <a:solidFill>
-                <a:schemeClr val="tx1"/>
-              </a:solidFill>
-            </a:endParaRPr>
-          </a:p>
-        </p:txBody>
-      </p:sp>
-      <p:sp>
-        <p:nvSpPr>
-          <p:cNvPr id="2" name="Titre 1"/>
-          <p:cNvSpPr>
-            <a:spLocks noGrp="1"/>
-          </p:cNvSpPr>
-          <p:nvPr>
-            <p:ph type="title"/>
-          </p:nvPr>
-        </p:nvSpPr>
-        <p:spPr>
-          <a:xfrm>
-            <a:off x="467544" y="-99392"/>
-            <a:ext cx="8229600" cy="1143000"/>
-          </a:xfrm>
-        </p:spPr>
-        <p:txBody>
-          <a:bodyPr/>
-          <a:lstStyle/>
-          <a:p>
-            <a:r>
-              <a:rPr lang="fr-FR" dirty="0" smtClean="0">
-                <a:latin typeface="Sylfaen" pitchFamily="18" charset="0"/>
-              </a:rPr>
-              <a:t>Calcul des </a:t>
-            </a:r>
-            <a:r>
-              <a:rPr lang="fr-FR" dirty="0" smtClean="0">
-                <a:effectLst>
-                  <a:outerShdw blurRad="38100" dist="38100" dir="2700000" algn="tl">
-                    <a:srgbClr val="000000">
-                      <a:alpha val="43137"/>
-                    </a:srgbClr>
-                  </a:outerShdw>
-                </a:effectLst>
-                <a:latin typeface="Sylfaen" pitchFamily="18" charset="0"/>
-              </a:rPr>
-              <a:t>ombres</a:t>
-            </a:r>
-            <a:endParaRPr lang="fr-FR" dirty="0">
-              <a:effectLst>
-                <a:outerShdw blurRad="38100" dist="38100" dir="2700000" algn="tl">
-                  <a:srgbClr val="000000">
-                    <a:alpha val="43137"/>
-                  </a:srgbClr>
-                </a:outerShdw>
-              </a:effectLst>
-              <a:latin typeface="Sylfaen" pitchFamily="18" charset="0"/>
-            </a:endParaRPr>
-          </a:p>
-        </p:txBody>
-      </p:sp>
-      <p:sp>
-        <p:nvSpPr>
-          <p:cNvPr id="4" name="Rectangle 3"/>
-          <p:cNvSpPr/>
-          <p:nvPr/>
-        </p:nvSpPr>
-        <p:spPr>
-          <a:xfrm>
-            <a:off x="1619672" y="6453336"/>
-            <a:ext cx="7452320" cy="360040"/>
-          </a:xfrm>
-          <a:prstGeom prst="rect">
-            <a:avLst/>
-          </a:prstGeom>
-          <a:solidFill>
-            <a:srgbClr val="C00000"/>
-          </a:solidFill>
-          <a:ln>
-            <a:noFill/>
-          </a:ln>
-        </p:spPr>
-        <p:style>
-          <a:lnRef idx="2">
-            <a:schemeClr val="accent1">
-              <a:shade val="50000"/>
-            </a:schemeClr>
-          </a:lnRef>
-          <a:fillRef idx="1">
-            <a:schemeClr val="accent1"/>
-          </a:fillRef>
-          <a:effectRef idx="0">
-            <a:schemeClr val="accent1"/>
-          </a:effectRef>
-          <a:fontRef idx="minor">
-            <a:schemeClr val="lt1"/>
-          </a:fontRef>
-        </p:style>
-        <p:txBody>
-          <a:bodyPr rtlCol="0" anchor="ctr"/>
-          <a:lstStyle/>
-          <a:p>
-            <a:pPr algn="ctr"/>
-            <a:endParaRPr lang="fr-FR" dirty="0">
-              <a:solidFill>
-                <a:schemeClr val="tx1"/>
-              </a:solidFill>
-            </a:endParaRPr>
-          </a:p>
-        </p:txBody>
-      </p:sp>
-      <p:sp>
-        <p:nvSpPr>
-          <p:cNvPr id="5" name="Rectangle 4"/>
-          <p:cNvSpPr/>
-          <p:nvPr/>
-        </p:nvSpPr>
-        <p:spPr>
-          <a:xfrm>
-            <a:off x="144016" y="6309320"/>
-            <a:ext cx="1403648" cy="504056"/>
-          </a:xfrm>
-          <a:prstGeom prst="rect">
-            <a:avLst/>
-          </a:prstGeom>
-          <a:solidFill>
-            <a:schemeClr val="tx1"/>
-          </a:solidFill>
-          <a:ln>
-            <a:noFill/>
-          </a:ln>
-        </p:spPr>
-        <p:style>
-          <a:lnRef idx="2">
-            <a:schemeClr val="accent1">
-              <a:shade val="50000"/>
-            </a:schemeClr>
-          </a:lnRef>
-          <a:fillRef idx="1">
-            <a:schemeClr val="accent1"/>
-          </a:fillRef>
-          <a:effectRef idx="0">
-            <a:schemeClr val="accent1"/>
-          </a:effectRef>
-          <a:fontRef idx="minor">
-            <a:schemeClr val="lt1"/>
-          </a:fontRef>
-        </p:style>
-        <p:txBody>
-          <a:bodyPr rtlCol="0" anchor="ctr"/>
-          <a:lstStyle/>
-          <a:p>
-            <a:pPr algn="ctr"/>
-            <a:endParaRPr lang="fr-FR" dirty="0">
-              <a:solidFill>
-                <a:schemeClr val="tx1"/>
-              </a:solidFill>
-            </a:endParaRPr>
-          </a:p>
-        </p:txBody>
-      </p:sp>
-      <p:pic>
-        <p:nvPicPr>
-          <p:cNvPr id="6" name="Picture 2" descr="C:\Users\Erwan\Desktop\logo_telecom-paristech.gif"/>
-          <p:cNvPicPr>
-            <a:picLocks noChangeAspect="1" noChangeArrowheads="1"/>
-          </p:cNvPicPr>
-          <p:nvPr/>
-        </p:nvPicPr>
-        <p:blipFill>
-          <a:blip r:embed="rId3" cstate="print"/>
-          <a:srcRect/>
-          <a:stretch>
-            <a:fillRect/>
-          </a:stretch>
-        </p:blipFill>
-        <p:spPr bwMode="auto">
-          <a:xfrm>
-            <a:off x="107504" y="6309376"/>
-            <a:ext cx="504000" cy="504000"/>
-          </a:xfrm>
-          <a:prstGeom prst="rect">
-            <a:avLst/>
-          </a:prstGeom>
-          <a:noFill/>
-        </p:spPr>
-      </p:pic>
-      <p:sp>
-        <p:nvSpPr>
-          <p:cNvPr id="10" name="ZoneTexte 9"/>
-          <p:cNvSpPr txBox="1"/>
-          <p:nvPr/>
-        </p:nvSpPr>
-        <p:spPr>
-          <a:xfrm>
-            <a:off x="1692000" y="6462000"/>
-            <a:ext cx="7452320" cy="307777"/>
-          </a:xfrm>
-          <a:prstGeom prst="rect">
-            <a:avLst/>
-          </a:prstGeom>
-          <a:noFill/>
-          <a:ln>
-            <a:noFill/>
-          </a:ln>
-        </p:spPr>
-        <p:txBody>
-          <a:bodyPr wrap="square" rtlCol="0">
-            <a:spAutoFit/>
-          </a:bodyPr>
-          <a:lstStyle/>
-          <a:p>
-            <a:r>
-              <a:rPr lang="fr-FR" sz="1400" dirty="0" smtClean="0">
-                <a:solidFill>
-                  <a:schemeClr val="bg1"/>
-                </a:solidFill>
-                <a:latin typeface="Sylfaen" pitchFamily="18" charset="0"/>
-              </a:rPr>
-              <a:t>P. Besson - J. Del Ojo Balaguer - E. Fruch	                Projet 3D 	                   29/04/2011</a:t>
-            </a:r>
-            <a:endParaRPr lang="fr-FR" dirty="0">
-              <a:solidFill>
-                <a:schemeClr val="bg1"/>
-              </a:solidFill>
-              <a:latin typeface="Sylfaen" pitchFamily="18" charset="0"/>
-            </a:endParaRPr>
-          </a:p>
-        </p:txBody>
-      </p:sp>
-      <p:sp>
-        <p:nvSpPr>
-          <p:cNvPr id="11" name="ZoneTexte 10"/>
-          <p:cNvSpPr txBox="1"/>
-          <p:nvPr/>
-        </p:nvSpPr>
-        <p:spPr>
-          <a:xfrm>
-            <a:off x="827584" y="6433591"/>
-            <a:ext cx="504056" cy="307777"/>
-          </a:xfrm>
-          <a:prstGeom prst="rect">
-            <a:avLst/>
-          </a:prstGeom>
-          <a:noFill/>
-        </p:spPr>
-        <p:txBody>
-          <a:bodyPr wrap="square" rtlCol="0">
-            <a:spAutoFit/>
-          </a:bodyPr>
-          <a:lstStyle/>
-          <a:p>
-            <a:fld id="{021DECB1-271F-4901-8E89-1067FB53F5BF}" type="slidenum">
-              <a:rPr lang="fr-FR" sz="1400" smtClean="0">
-                <a:solidFill>
-                  <a:schemeClr val="bg1"/>
-                </a:solidFill>
-                <a:latin typeface="Sylfaen" pitchFamily="18" charset="0"/>
-              </a:rPr>
-              <a:pPr/>
-              <a:t>13</a:t>
-            </a:fld>
-            <a:r>
-              <a:rPr lang="fr-FR" sz="1400" dirty="0" smtClean="0">
-                <a:solidFill>
-                  <a:schemeClr val="bg1"/>
-                </a:solidFill>
-                <a:latin typeface="Sylfaen" pitchFamily="18" charset="0"/>
-              </a:rPr>
-              <a:t>/X</a:t>
-            </a:r>
-            <a:endParaRPr lang="fr-FR" dirty="0">
-              <a:solidFill>
-                <a:schemeClr val="bg1"/>
-              </a:solidFill>
-              <a:latin typeface="Sylfaen" pitchFamily="18" charset="0"/>
-            </a:endParaRPr>
-          </a:p>
-        </p:txBody>
-      </p:sp>
-      <p:sp>
-        <p:nvSpPr>
-          <p:cNvPr id="14" name="Rectangle 13"/>
-          <p:cNvSpPr/>
-          <p:nvPr/>
-        </p:nvSpPr>
-        <p:spPr>
-          <a:xfrm>
-            <a:off x="1619672" y="6309320"/>
-            <a:ext cx="7452320" cy="45719"/>
-          </a:xfrm>
-          <a:prstGeom prst="rect">
-            <a:avLst/>
-          </a:prstGeom>
-          <a:solidFill>
-            <a:srgbClr val="C00000"/>
-          </a:solidFill>
-          <a:ln>
-            <a:noFill/>
-          </a:ln>
-        </p:spPr>
-        <p:style>
-          <a:lnRef idx="2">
-            <a:schemeClr val="accent1">
-              <a:shade val="50000"/>
-            </a:schemeClr>
-          </a:lnRef>
-          <a:fillRef idx="1">
-            <a:schemeClr val="accent1"/>
-          </a:fillRef>
-          <a:effectRef idx="0">
-            <a:schemeClr val="accent1"/>
-          </a:effectRef>
-          <a:fontRef idx="minor">
-            <a:schemeClr val="lt1"/>
-          </a:fontRef>
-        </p:style>
-        <p:txBody>
-          <a:bodyPr rtlCol="0" anchor="ctr"/>
-          <a:lstStyle/>
-          <a:p>
-            <a:pPr algn="ctr"/>
-            <a:endParaRPr lang="fr-FR" dirty="0">
-              <a:solidFill>
-                <a:schemeClr val="tx1"/>
-              </a:solidFill>
-            </a:endParaRPr>
-          </a:p>
-        </p:txBody>
-      </p:sp>
-      <p:grpSp>
-        <p:nvGrpSpPr>
-          <p:cNvPr id="3" name="Groupe 48"/>
-          <p:cNvGrpSpPr/>
-          <p:nvPr/>
-        </p:nvGrpSpPr>
-        <p:grpSpPr>
-          <a:xfrm>
-            <a:off x="0" y="795608"/>
-            <a:ext cx="9143984" cy="185120"/>
-            <a:chOff x="0" y="738000"/>
-            <a:chExt cx="9143984" cy="185120"/>
-          </a:xfrm>
-        </p:grpSpPr>
-        <p:grpSp>
-          <p:nvGrpSpPr>
-            <p:cNvPr id="8" name="Groupe 31"/>
-            <p:cNvGrpSpPr/>
-            <p:nvPr/>
-          </p:nvGrpSpPr>
-          <p:grpSpPr>
-            <a:xfrm>
-              <a:off x="899983" y="738000"/>
-              <a:ext cx="8244001" cy="62704"/>
-              <a:chOff x="899983" y="738000"/>
-              <a:chExt cx="8208017" cy="62704"/>
-            </a:xfrm>
-          </p:grpSpPr>
-          <p:sp>
-            <p:nvSpPr>
-              <p:cNvPr id="7" name="Rectangle 6"/>
-              <p:cNvSpPr/>
-              <p:nvPr/>
-            </p:nvSpPr>
-            <p:spPr>
-              <a:xfrm>
-                <a:off x="900000" y="738000"/>
-                <a:ext cx="8208000" cy="57600"/>
-              </a:xfrm>
-              <a:prstGeom prst="rect">
-                <a:avLst/>
-              </a:prstGeom>
-              <a:gradFill flip="none" rotWithShape="1">
-                <a:gsLst>
-                  <a:gs pos="0">
-                    <a:srgbClr val="E20000">
-                      <a:tint val="66000"/>
-                      <a:satMod val="160000"/>
-                    </a:srgbClr>
-                  </a:gs>
-                  <a:gs pos="50000">
-                    <a:srgbClr val="E20000">
-                      <a:tint val="44500"/>
-                      <a:satMod val="160000"/>
-                    </a:srgbClr>
-                  </a:gs>
-                  <a:gs pos="100000">
-                    <a:srgbClr val="E20000">
-                      <a:tint val="23500"/>
-                      <a:satMod val="160000"/>
-                    </a:srgbClr>
-                  </a:gs>
-                </a:gsLst>
-                <a:lin ang="13500000" scaled="1"/>
-                <a:tileRect/>
-              </a:gradFill>
-              <a:ln>
-                <a:noFill/>
-              </a:ln>
-            </p:spPr>
-            <p:style>
-              <a:lnRef idx="2">
-                <a:schemeClr val="accent1">
-                  <a:shade val="50000"/>
-                </a:schemeClr>
-              </a:lnRef>
-              <a:fillRef idx="1">
-                <a:schemeClr val="accent1"/>
-              </a:fillRef>
-              <a:effectRef idx="0">
-                <a:schemeClr val="accent1"/>
-              </a:effectRef>
-              <a:fontRef idx="minor">
-                <a:schemeClr val="lt1"/>
-              </a:fontRef>
-            </p:style>
-            <p:txBody>
-              <a:bodyPr rtlCol="0" anchor="ctr"/>
-              <a:lstStyle/>
-              <a:p>
-                <a:pPr algn="ctr"/>
-                <a:endParaRPr lang="fr-FR" dirty="0">
-                  <a:solidFill>
-                    <a:schemeClr val="tx1"/>
-                  </a:solidFill>
-                </a:endParaRPr>
-              </a:p>
-            </p:txBody>
-          </p:sp>
-          <p:sp>
-            <p:nvSpPr>
-              <p:cNvPr id="17" name="Rectangle 16"/>
-              <p:cNvSpPr/>
-              <p:nvPr/>
-            </p:nvSpPr>
-            <p:spPr>
-              <a:xfrm>
-                <a:off x="899983" y="764704"/>
-                <a:ext cx="8208016" cy="36000"/>
-              </a:xfrm>
-              <a:prstGeom prst="rect">
-                <a:avLst/>
-              </a:prstGeom>
-              <a:solidFill>
-                <a:srgbClr val="C00000"/>
-              </a:solidFill>
-              <a:ln>
-                <a:noFill/>
-              </a:ln>
-            </p:spPr>
-            <p:style>
-              <a:lnRef idx="2">
-                <a:schemeClr val="accent1">
-                  <a:shade val="50000"/>
-                </a:schemeClr>
-              </a:lnRef>
-              <a:fillRef idx="1">
-                <a:schemeClr val="accent1"/>
-              </a:fillRef>
-              <a:effectRef idx="0">
-                <a:schemeClr val="accent1"/>
-              </a:effectRef>
-              <a:fontRef idx="minor">
-                <a:schemeClr val="lt1"/>
-              </a:fontRef>
-            </p:style>
-            <p:txBody>
-              <a:bodyPr rtlCol="0" anchor="ctr"/>
-              <a:lstStyle/>
-              <a:p>
-                <a:pPr algn="ctr"/>
-                <a:endParaRPr lang="fr-FR" dirty="0">
-                  <a:solidFill>
-                    <a:schemeClr val="tx1"/>
-                  </a:solidFill>
-                </a:endParaRPr>
-              </a:p>
-            </p:txBody>
-          </p:sp>
-        </p:grpSp>
-        <p:grpSp>
-          <p:nvGrpSpPr>
-            <p:cNvPr id="9" name="Groupe 29"/>
-            <p:cNvGrpSpPr/>
-            <p:nvPr/>
-          </p:nvGrpSpPr>
-          <p:grpSpPr>
-            <a:xfrm>
-              <a:off x="0" y="860400"/>
-              <a:ext cx="936000" cy="62720"/>
-              <a:chOff x="0" y="835200"/>
-              <a:chExt cx="1008000" cy="62720"/>
-            </a:xfrm>
-          </p:grpSpPr>
-          <p:sp>
-            <p:nvSpPr>
-              <p:cNvPr id="28" name="Rectangle 27"/>
-              <p:cNvSpPr/>
-              <p:nvPr/>
-            </p:nvSpPr>
-            <p:spPr>
-              <a:xfrm>
-                <a:off x="0" y="835200"/>
-                <a:ext cx="1008000" cy="46800"/>
-              </a:xfrm>
-              <a:prstGeom prst="rect">
-                <a:avLst/>
-              </a:prstGeom>
-              <a:gradFill flip="none" rotWithShape="1">
-                <a:gsLst>
-                  <a:gs pos="0">
-                    <a:schemeClr val="tx1">
-                      <a:tint val="66000"/>
-                      <a:satMod val="160000"/>
-                    </a:schemeClr>
-                  </a:gs>
-                  <a:gs pos="50000">
-                    <a:schemeClr val="tx1">
-                      <a:tint val="44500"/>
-                      <a:satMod val="160000"/>
-                    </a:schemeClr>
-                  </a:gs>
-                  <a:gs pos="100000">
-                    <a:schemeClr val="tx1">
-                      <a:tint val="23500"/>
-                      <a:satMod val="160000"/>
-                    </a:schemeClr>
-                  </a:gs>
-                </a:gsLst>
-                <a:path path="circle">
-                  <a:fillToRect t="100000" r="100000"/>
-                </a:path>
-                <a:tileRect l="-100000" b="-100000"/>
-              </a:gradFill>
-              <a:ln>
-                <a:noFill/>
-              </a:ln>
-            </p:spPr>
-            <p:style>
-              <a:lnRef idx="2">
-                <a:schemeClr val="accent1">
-                  <a:shade val="50000"/>
-                </a:schemeClr>
-              </a:lnRef>
-              <a:fillRef idx="1">
-                <a:schemeClr val="accent1"/>
-              </a:fillRef>
-              <a:effectRef idx="0">
-                <a:schemeClr val="accent1"/>
-              </a:effectRef>
-              <a:fontRef idx="minor">
-                <a:schemeClr val="lt1"/>
-              </a:fontRef>
-            </p:style>
-            <p:txBody>
-              <a:bodyPr rtlCol="0" anchor="ctr"/>
-              <a:lstStyle/>
-              <a:p>
-                <a:pPr algn="ctr"/>
-                <a:endParaRPr lang="fr-FR" dirty="0">
-                  <a:solidFill>
-                    <a:schemeClr val="tx1"/>
-                  </a:solidFill>
-                </a:endParaRPr>
-              </a:p>
-            </p:txBody>
-          </p:sp>
-          <p:sp>
-            <p:nvSpPr>
-              <p:cNvPr id="20" name="Rectangle 19"/>
-              <p:cNvSpPr/>
-              <p:nvPr/>
-            </p:nvSpPr>
-            <p:spPr>
-              <a:xfrm>
-                <a:off x="0" y="861920"/>
-                <a:ext cx="1008000" cy="36000"/>
-              </a:xfrm>
-              <a:prstGeom prst="rect">
-                <a:avLst/>
-              </a:prstGeom>
-              <a:solidFill>
-                <a:schemeClr val="tx1"/>
-              </a:solidFill>
-              <a:ln>
-                <a:noFill/>
-              </a:ln>
-            </p:spPr>
-            <p:style>
-              <a:lnRef idx="2">
-                <a:schemeClr val="accent1">
-                  <a:shade val="50000"/>
-                </a:schemeClr>
-              </a:lnRef>
-              <a:fillRef idx="1">
-                <a:schemeClr val="accent1"/>
-              </a:fillRef>
-              <a:effectRef idx="0">
-                <a:schemeClr val="accent1"/>
-              </a:effectRef>
-              <a:fontRef idx="minor">
-                <a:schemeClr val="lt1"/>
-              </a:fontRef>
-            </p:style>
-            <p:txBody>
-              <a:bodyPr rtlCol="0" anchor="ctr"/>
-              <a:lstStyle/>
-              <a:p>
-                <a:pPr algn="ctr"/>
-                <a:endParaRPr lang="fr-FR" dirty="0">
-                  <a:solidFill>
-                    <a:schemeClr val="tx1"/>
-                  </a:solidFill>
-                </a:endParaRPr>
-              </a:p>
-            </p:txBody>
-          </p:sp>
-        </p:grpSp>
-      </p:grpSp>
-      <p:sp>
-        <p:nvSpPr>
-          <p:cNvPr id="48" name="Rectangle 47"/>
-          <p:cNvSpPr/>
-          <p:nvPr/>
-        </p:nvSpPr>
-        <p:spPr>
-          <a:xfrm>
-            <a:off x="512" y="0"/>
-            <a:ext cx="9144000" cy="72000"/>
-          </a:xfrm>
-          <a:prstGeom prst="rect">
-            <a:avLst/>
-          </a:prstGeom>
-          <a:gradFill flip="none" rotWithShape="1">
-            <a:gsLst>
-              <a:gs pos="0">
-                <a:srgbClr val="E20000">
-                  <a:tint val="66000"/>
-                  <a:satMod val="160000"/>
-                </a:srgbClr>
-              </a:gs>
-              <a:gs pos="50000">
-                <a:srgbClr val="E20000">
-                  <a:tint val="44500"/>
-                  <a:satMod val="160000"/>
-                </a:srgbClr>
-              </a:gs>
-              <a:gs pos="100000">
-                <a:srgbClr val="E20000">
-                  <a:tint val="23500"/>
-                  <a:satMod val="160000"/>
-                </a:srgbClr>
-              </a:gs>
-            </a:gsLst>
-            <a:lin ang="13500000" scaled="1"/>
-            <a:tileRect/>
-          </a:gradFill>
-          <a:ln>
-            <a:noFill/>
-          </a:ln>
-        </p:spPr>
-        <p:style>
-          <a:lnRef idx="2">
-            <a:schemeClr val="accent1">
-              <a:shade val="50000"/>
-            </a:schemeClr>
-          </a:lnRef>
-          <a:fillRef idx="1">
-            <a:schemeClr val="accent1"/>
-          </a:fillRef>
-          <a:effectRef idx="0">
-            <a:schemeClr val="accent1"/>
-          </a:effectRef>
-          <a:fontRef idx="minor">
-            <a:schemeClr val="lt1"/>
-          </a:fontRef>
-        </p:style>
-        <p:txBody>
-          <a:bodyPr rtlCol="0" anchor="ctr"/>
-          <a:lstStyle/>
-          <a:p>
-            <a:pPr algn="ctr"/>
-            <a:endParaRPr lang="fr-FR" dirty="0">
-              <a:solidFill>
-                <a:schemeClr val="tx1"/>
-              </a:solidFill>
-            </a:endParaRPr>
-          </a:p>
-        </p:txBody>
-      </p:sp>
-      <p:sp>
-        <p:nvSpPr>
-          <p:cNvPr id="25" name="Espace réservé du contenu 2"/>
-          <p:cNvSpPr>
-            <a:spLocks noGrp="1"/>
-          </p:cNvSpPr>
-          <p:nvPr>
-            <p:ph idx="1"/>
-          </p:nvPr>
-        </p:nvSpPr>
-        <p:spPr>
-          <a:xfrm>
-            <a:off x="878904" y="620688"/>
-            <a:ext cx="7653536" cy="5184576"/>
-          </a:xfrm>
-        </p:spPr>
-        <p:txBody>
-          <a:bodyPr>
-            <a:normAutofit/>
-          </a:bodyPr>
-          <a:lstStyle/>
-          <a:p>
-            <a:pPr>
-              <a:buNone/>
-            </a:pPr>
-            <a:endParaRPr lang="fr-FR" sz="2800" dirty="0" smtClean="0">
-              <a:solidFill>
-                <a:srgbClr val="920000"/>
-              </a:solidFill>
-              <a:latin typeface="Sylfaen" pitchFamily="18" charset="0"/>
-            </a:endParaRPr>
-          </a:p>
-          <a:p>
-            <a:pPr lvl="1">
-              <a:buFont typeface="Wingdings" pitchFamily="2" charset="2"/>
-              <a:buChar char="§"/>
-            </a:pPr>
-            <a:r>
-              <a:rPr lang="fr-FR" dirty="0" smtClean="0">
-                <a:solidFill>
-                  <a:srgbClr val="920000"/>
-                </a:solidFill>
-                <a:latin typeface="Sylfaen" pitchFamily="18" charset="0"/>
-              </a:rPr>
-              <a:t>Rendu 3D </a:t>
-            </a:r>
-          </a:p>
-          <a:p>
-            <a:pPr lvl="1">
-              <a:buFont typeface="Wingdings" pitchFamily="2" charset="2"/>
-              <a:buChar char="§"/>
-            </a:pPr>
-            <a:endParaRPr lang="fr-FR" sz="1800" dirty="0" smtClean="0">
-              <a:latin typeface="Sylfaen" pitchFamily="18" charset="0"/>
-            </a:endParaRPr>
-          </a:p>
-        </p:txBody>
-      </p:sp>
-      <p:pic>
-        <p:nvPicPr>
-          <p:cNvPr id="12" name="Image 11" descr="ceriseSinge.jpg"/>
-          <p:cNvPicPr>
-            <a:picLocks noChangeAspect="1"/>
-          </p:cNvPicPr>
-          <p:nvPr/>
-        </p:nvPicPr>
-        <p:blipFill>
-          <a:blip r:embed="rId4">
-            <a:extLst>
-              <a:ext uri="{28A0092B-C50C-407E-A947-70E740481C1C}">
-                <a14:useLocalDpi xmlns:a14="http://schemas.microsoft.com/office/drawing/2010/main" val="0"/>
-              </a:ext>
-            </a:extLst>
-          </a:blip>
-          <a:stretch>
-            <a:fillRect/>
-          </a:stretch>
-        </p:blipFill>
-        <p:spPr>
-          <a:xfrm>
-            <a:off x="5115563" y="1728192"/>
-            <a:ext cx="3776917" cy="4293096"/>
-          </a:xfrm>
-          <a:prstGeom prst="rect">
-            <a:avLst/>
-          </a:prstGeom>
-        </p:spPr>
-      </p:pic>
-      <p:pic>
-        <p:nvPicPr>
-          <p:cNvPr id="13" name="Image 12" descr="Capture d’écran 2011-04-25 à 23.19.59.png"/>
-          <p:cNvPicPr>
-            <a:picLocks noChangeAspect="1"/>
-          </p:cNvPicPr>
-          <p:nvPr/>
-        </p:nvPicPr>
-        <p:blipFill>
-          <a:blip r:embed="rId5">
-            <a:extLst>
-              <a:ext uri="{28A0092B-C50C-407E-A947-70E740481C1C}">
-                <a14:useLocalDpi xmlns:a14="http://schemas.microsoft.com/office/drawing/2010/main" val="0"/>
-              </a:ext>
-            </a:extLst>
-          </a:blip>
-          <a:stretch>
-            <a:fillRect/>
-          </a:stretch>
-        </p:blipFill>
-        <p:spPr>
-          <a:xfrm>
-            <a:off x="129536" y="2253652"/>
-            <a:ext cx="4946520" cy="2687516"/>
-          </a:xfrm>
-          <a:prstGeom prst="rect">
-            <a:avLst/>
-          </a:prstGeom>
-        </p:spPr>
-      </p:pic>
-    </p:spTree>
-  </p:cSld>
-  <p:clrMapOvr>
-    <a:masterClrMapping/>
-  </p:clrMapOvr>
-  <p:timing>
-    <p:tnLst>
-      <p:par>
-        <p:cTn xmlns:p14="http://schemas.microsoft.com/office/powerpoint/2010/main" id="1" dur="indefinite" restart="never" nodeType="tmRoot"/>
-      </p:par>
-    </p:tnLst>
-  </p:timing>
-</p:sld>
-</file>
-
-<file path=ppt/slides/slide2.xml><?xml version="1.0" encoding="utf-8"?>
-<p:sld xmlns:a="http://schemas.openxmlformats.org/drawingml/2006/main" xmlns:r="http://schemas.openxmlformats.org/officeDocument/2006/relationships" xmlns:p="http://schemas.openxmlformats.org/presentationml/2006/main">
-  <p:cSld>
-    <p:spTree>
-      <p:nvGrpSpPr>
-        <p:cNvPr id="1" name=""/>
-        <p:cNvGrpSpPr/>
-        <p:nvPr/>
-      </p:nvGrpSpPr>
-      <p:grpSpPr>
-        <a:xfrm>
-          <a:off x="0" y="0"/>
-          <a:ext cx="0" cy="0"/>
-          <a:chOff x="0" y="0"/>
-          <a:chExt cx="0" cy="0"/>
-        </a:xfrm>
-      </p:grpSpPr>
-      <p:sp>
-        <p:nvSpPr>
-          <p:cNvPr id="27" name="Rectangle 26"/>
-          <p:cNvSpPr/>
-          <p:nvPr/>
-        </p:nvSpPr>
-        <p:spPr>
-          <a:xfrm>
-            <a:off x="1619672" y="6309320"/>
-            <a:ext cx="7452000" cy="72000"/>
-          </a:xfrm>
-          <a:prstGeom prst="rect">
-            <a:avLst/>
-          </a:prstGeom>
-          <a:gradFill flip="none" rotWithShape="1">
-            <a:gsLst>
-              <a:gs pos="0">
-                <a:srgbClr val="E20000">
-                  <a:tint val="66000"/>
-                  <a:satMod val="160000"/>
-                </a:srgbClr>
-              </a:gs>
-              <a:gs pos="50000">
-                <a:srgbClr val="E20000">
-                  <a:tint val="44500"/>
-                  <a:satMod val="160000"/>
-                </a:srgbClr>
-              </a:gs>
-              <a:gs pos="100000">
-                <a:srgbClr val="E20000">
-                  <a:tint val="23500"/>
-                  <a:satMod val="160000"/>
-                </a:srgbClr>
-              </a:gs>
-            </a:gsLst>
-            <a:lin ang="13500000" scaled="1"/>
-            <a:tileRect/>
-          </a:gradFill>
-          <a:ln>
-            <a:noFill/>
-          </a:ln>
-        </p:spPr>
-        <p:style>
-          <a:lnRef idx="2">
-            <a:schemeClr val="accent1">
-              <a:shade val="50000"/>
-            </a:schemeClr>
-          </a:lnRef>
-          <a:fillRef idx="1">
-            <a:schemeClr val="accent1"/>
-          </a:fillRef>
-          <a:effectRef idx="0">
-            <a:schemeClr val="accent1"/>
-          </a:effectRef>
-          <a:fontRef idx="minor">
-            <a:schemeClr val="lt1"/>
-          </a:fontRef>
-        </p:style>
-        <p:txBody>
-          <a:bodyPr rtlCol="0" anchor="ctr"/>
-          <a:lstStyle/>
-          <a:p>
-            <a:pPr algn="ctr"/>
-            <a:endParaRPr lang="fr-FR" dirty="0">
-              <a:solidFill>
-                <a:schemeClr val="tx1"/>
-              </a:solidFill>
-            </a:endParaRPr>
-          </a:p>
-        </p:txBody>
-      </p:sp>
-      <p:sp>
-        <p:nvSpPr>
-          <p:cNvPr id="2" name="Titre 1"/>
-          <p:cNvSpPr>
-            <a:spLocks noGrp="1"/>
-          </p:cNvSpPr>
-          <p:nvPr>
-            <p:ph type="title"/>
-          </p:nvPr>
-        </p:nvSpPr>
-        <p:spPr>
-          <a:xfrm>
-            <a:off x="323528" y="-99392"/>
-            <a:ext cx="8229600" cy="1143000"/>
-          </a:xfrm>
-        </p:spPr>
-        <p:txBody>
-          <a:bodyPr/>
-          <a:lstStyle/>
-          <a:p>
-            <a:r>
-              <a:rPr lang="fr-FR" dirty="0" smtClean="0">
-                <a:latin typeface="Sylfaen" pitchFamily="18" charset="0"/>
-              </a:rPr>
-              <a:t>Structure de partitionnement</a:t>
-            </a:r>
-            <a:endParaRPr lang="fr-FR" dirty="0">
-              <a:latin typeface="Sylfaen" pitchFamily="18" charset="0"/>
-            </a:endParaRPr>
-          </a:p>
-        </p:txBody>
-      </p:sp>
-      <p:sp>
-        <p:nvSpPr>
-          <p:cNvPr id="3" name="Espace réservé du contenu 2"/>
-          <p:cNvSpPr>
-            <a:spLocks noGrp="1"/>
-          </p:cNvSpPr>
-          <p:nvPr>
-            <p:ph idx="1"/>
-          </p:nvPr>
-        </p:nvSpPr>
-        <p:spPr>
-          <a:xfrm>
-            <a:off x="878904" y="980728"/>
-            <a:ext cx="7653536" cy="5184576"/>
-          </a:xfrm>
-        </p:spPr>
-        <p:txBody>
-          <a:bodyPr>
-            <a:normAutofit/>
-          </a:bodyPr>
-          <a:lstStyle/>
-          <a:p>
-            <a:pPr>
-              <a:buNone/>
-            </a:pPr>
-            <a:endParaRPr lang="fr-FR" sz="2800" dirty="0" smtClean="0">
-              <a:solidFill>
-                <a:srgbClr val="920000"/>
-              </a:solidFill>
-              <a:latin typeface="Sylfaen" pitchFamily="18" charset="0"/>
-            </a:endParaRPr>
-          </a:p>
-          <a:p>
-            <a:pPr>
-              <a:buNone/>
-            </a:pPr>
-            <a:r>
-              <a:rPr lang="fr-FR" dirty="0" smtClean="0">
-                <a:solidFill>
-                  <a:srgbClr val="920000"/>
-                </a:solidFill>
-                <a:latin typeface="Sylfaen" pitchFamily="18" charset="0"/>
-              </a:rPr>
-              <a:t>Particularités du </a:t>
-            </a:r>
-            <a:r>
-              <a:rPr lang="fr-FR" dirty="0" err="1" smtClean="0">
-                <a:solidFill>
-                  <a:srgbClr val="920000"/>
-                </a:solidFill>
-                <a:latin typeface="Sylfaen" pitchFamily="18" charset="0"/>
-              </a:rPr>
-              <a:t>kd</a:t>
-            </a:r>
-            <a:r>
-              <a:rPr lang="fr-FR" dirty="0" smtClean="0">
-                <a:solidFill>
-                  <a:srgbClr val="920000"/>
-                </a:solidFill>
-                <a:latin typeface="Sylfaen" pitchFamily="18" charset="0"/>
-              </a:rPr>
-              <a:t>-</a:t>
-            </a:r>
-            <a:r>
-              <a:rPr lang="fr-FR" dirty="0" err="1" smtClean="0">
-                <a:solidFill>
-                  <a:srgbClr val="920000"/>
-                </a:solidFill>
-                <a:latin typeface="Sylfaen" pitchFamily="18" charset="0"/>
-              </a:rPr>
-              <a:t>tree</a:t>
-            </a:r>
-            <a:r>
-              <a:rPr lang="fr-FR" dirty="0" smtClean="0">
-                <a:solidFill>
-                  <a:srgbClr val="920000"/>
-                </a:solidFill>
-                <a:latin typeface="Sylfaen" pitchFamily="18" charset="0"/>
-              </a:rPr>
-              <a:t> </a:t>
-            </a:r>
-          </a:p>
-          <a:p>
-            <a:pPr>
-              <a:buNone/>
-            </a:pPr>
-            <a:endParaRPr lang="fr-FR" sz="1200" dirty="0">
-              <a:solidFill>
-                <a:srgbClr val="920000"/>
-              </a:solidFill>
-              <a:latin typeface="Sylfaen" pitchFamily="18" charset="0"/>
-            </a:endParaRPr>
-          </a:p>
-          <a:p>
-            <a:pPr lvl="1">
-              <a:buFont typeface="Wingdings" pitchFamily="2" charset="2"/>
-              <a:buChar char="§"/>
-            </a:pPr>
-            <a:r>
-              <a:rPr lang="fr-FR" sz="2400" dirty="0" smtClean="0">
-                <a:latin typeface="Sylfaen" pitchFamily="18" charset="0"/>
-              </a:rPr>
-              <a:t>Construction</a:t>
-            </a:r>
-          </a:p>
-          <a:p>
-            <a:pPr lvl="1">
-              <a:buFont typeface="Wingdings" pitchFamily="2" charset="2"/>
-              <a:buChar char="§"/>
-            </a:pPr>
-            <a:endParaRPr lang="fr-FR" sz="300" dirty="0" smtClean="0">
-              <a:latin typeface="Sylfaen" pitchFamily="18" charset="0"/>
-            </a:endParaRPr>
-          </a:p>
-          <a:p>
-            <a:pPr lvl="1">
-              <a:lnSpc>
-                <a:spcPct val="125000"/>
-              </a:lnSpc>
-              <a:buNone/>
-            </a:pPr>
-            <a:r>
-              <a:rPr lang="fr-FR" sz="2400" dirty="0" smtClean="0">
-                <a:latin typeface="Sylfaen" pitchFamily="18" charset="0"/>
-              </a:rPr>
-              <a:t>	</a:t>
-            </a:r>
-            <a:r>
-              <a:rPr lang="fr-FR" sz="1800" dirty="0" smtClean="0">
-                <a:latin typeface="Sylfaen" pitchFamily="18" charset="0"/>
-              </a:rPr>
-              <a:t>Séparations successives alternées par des plans parallèles aux axes du repère et passant par la valeur médiane</a:t>
-            </a:r>
-          </a:p>
-          <a:p>
-            <a:pPr lvl="2">
-              <a:lnSpc>
-                <a:spcPct val="125000"/>
-              </a:lnSpc>
-              <a:buNone/>
-            </a:pPr>
-            <a:endParaRPr lang="fr-FR" sz="1800" dirty="0" smtClean="0">
-              <a:latin typeface="Sylfaen" pitchFamily="18" charset="0"/>
-            </a:endParaRPr>
-          </a:p>
-          <a:p>
-            <a:pPr lvl="1">
-              <a:lnSpc>
-                <a:spcPct val="125000"/>
-              </a:lnSpc>
-              <a:buNone/>
-            </a:pPr>
-            <a:r>
-              <a:rPr lang="fr-FR" sz="1800" dirty="0" smtClean="0">
-                <a:latin typeface="Sylfaen" pitchFamily="18" charset="0"/>
-              </a:rPr>
-              <a:t>	Critère d’arrêt définit comme un pourcentage minimal de nombre de triangles dans les feuilles</a:t>
-            </a:r>
-          </a:p>
-          <a:p>
-            <a:pPr lvl="1">
-              <a:lnSpc>
-                <a:spcPct val="125000"/>
-              </a:lnSpc>
-              <a:buNone/>
-            </a:pPr>
-            <a:r>
-              <a:rPr lang="fr-FR" sz="1800" dirty="0" smtClean="0">
-                <a:latin typeface="Sylfaen" pitchFamily="18" charset="0"/>
-              </a:rPr>
-              <a:t>	</a:t>
-            </a:r>
-            <a:r>
-              <a:rPr lang="fr-FR" sz="1800" dirty="0" smtClean="0">
-                <a:latin typeface="Sylfaen" pitchFamily="18" charset="0"/>
-                <a:sym typeface="Wingdings" pitchFamily="2" charset="2"/>
-              </a:rPr>
-              <a:t>  Adaptation à la </a:t>
-            </a:r>
-            <a:r>
-              <a:rPr lang="fr-FR" sz="1800" dirty="0" smtClean="0">
-                <a:latin typeface="Sylfaen" pitchFamily="18" charset="0"/>
-                <a:sym typeface="Wingdings" pitchFamily="2" charset="2"/>
-              </a:rPr>
-              <a:t>complexité </a:t>
-            </a:r>
-            <a:r>
-              <a:rPr lang="fr-FR" sz="1800" smtClean="0">
-                <a:latin typeface="Sylfaen" pitchFamily="18" charset="0"/>
-                <a:sym typeface="Wingdings" pitchFamily="2" charset="2"/>
-              </a:rPr>
-              <a:t>de de </a:t>
-            </a:r>
-            <a:r>
-              <a:rPr lang="fr-FR" sz="1800" dirty="0" smtClean="0">
-                <a:latin typeface="Sylfaen" pitchFamily="18" charset="0"/>
-                <a:sym typeface="Wingdings" pitchFamily="2" charset="2"/>
-              </a:rPr>
-              <a:t>la scène</a:t>
-            </a:r>
-            <a:endParaRPr lang="fr-FR" sz="1800" dirty="0" smtClean="0">
-              <a:latin typeface="Sylfaen" pitchFamily="18" charset="0"/>
-            </a:endParaRPr>
-          </a:p>
-        </p:txBody>
-      </p:sp>
-      <p:sp>
-        <p:nvSpPr>
-          <p:cNvPr id="4" name="Rectangle 3"/>
-          <p:cNvSpPr/>
-          <p:nvPr/>
-        </p:nvSpPr>
-        <p:spPr>
-          <a:xfrm>
-            <a:off x="1619672" y="6453336"/>
-            <a:ext cx="7452320" cy="360040"/>
-          </a:xfrm>
-          <a:prstGeom prst="rect">
-            <a:avLst/>
-          </a:prstGeom>
-          <a:solidFill>
-            <a:srgbClr val="C00000"/>
-          </a:solidFill>
-          <a:ln>
-            <a:noFill/>
-          </a:ln>
-        </p:spPr>
-        <p:style>
-          <a:lnRef idx="2">
-            <a:schemeClr val="accent1">
-              <a:shade val="50000"/>
-            </a:schemeClr>
-          </a:lnRef>
-          <a:fillRef idx="1">
-            <a:schemeClr val="accent1"/>
-          </a:fillRef>
-          <a:effectRef idx="0">
-            <a:schemeClr val="accent1"/>
-          </a:effectRef>
-          <a:fontRef idx="minor">
-            <a:schemeClr val="lt1"/>
-          </a:fontRef>
-        </p:style>
-        <p:txBody>
-          <a:bodyPr rtlCol="0" anchor="ctr"/>
-          <a:lstStyle/>
-          <a:p>
-            <a:pPr algn="ctr"/>
-            <a:endParaRPr lang="fr-FR" dirty="0">
-              <a:solidFill>
-                <a:schemeClr val="tx1"/>
-              </a:solidFill>
-            </a:endParaRPr>
-          </a:p>
-        </p:txBody>
-      </p:sp>
-      <p:sp>
-        <p:nvSpPr>
-          <p:cNvPr id="5" name="Rectangle 4"/>
-          <p:cNvSpPr/>
-          <p:nvPr/>
-        </p:nvSpPr>
-        <p:spPr>
-          <a:xfrm>
-            <a:off x="144016" y="6309320"/>
-            <a:ext cx="1403648" cy="504056"/>
-          </a:xfrm>
-          <a:prstGeom prst="rect">
-            <a:avLst/>
-          </a:prstGeom>
-          <a:solidFill>
-            <a:schemeClr val="tx1"/>
-          </a:solidFill>
-          <a:ln>
-            <a:noFill/>
-          </a:ln>
-        </p:spPr>
-        <p:style>
-          <a:lnRef idx="2">
-            <a:schemeClr val="accent1">
-              <a:shade val="50000"/>
-            </a:schemeClr>
-          </a:lnRef>
-          <a:fillRef idx="1">
-            <a:schemeClr val="accent1"/>
-          </a:fillRef>
-          <a:effectRef idx="0">
-            <a:schemeClr val="accent1"/>
-          </a:effectRef>
-          <a:fontRef idx="minor">
-            <a:schemeClr val="lt1"/>
-          </a:fontRef>
-        </p:style>
-        <p:txBody>
-          <a:bodyPr rtlCol="0" anchor="ctr"/>
-          <a:lstStyle/>
-          <a:p>
-            <a:pPr algn="ctr"/>
-            <a:endParaRPr lang="fr-FR" dirty="0">
-              <a:solidFill>
-                <a:schemeClr val="tx1"/>
-              </a:solidFill>
-            </a:endParaRPr>
-          </a:p>
-        </p:txBody>
-      </p:sp>
-      <p:pic>
-        <p:nvPicPr>
-          <p:cNvPr id="6" name="Picture 2" descr="C:\Users\Erwan\Desktop\logo_telecom-paristech.gif"/>
-          <p:cNvPicPr>
-            <a:picLocks noChangeAspect="1" noChangeArrowheads="1"/>
-          </p:cNvPicPr>
-          <p:nvPr/>
-        </p:nvPicPr>
-        <p:blipFill>
-          <a:blip r:embed="rId3" cstate="print"/>
-          <a:srcRect/>
-          <a:stretch>
-            <a:fillRect/>
-          </a:stretch>
-        </p:blipFill>
-        <p:spPr bwMode="auto">
-          <a:xfrm>
-            <a:off x="107504" y="6309376"/>
-            <a:ext cx="504000" cy="504000"/>
-          </a:xfrm>
-          <a:prstGeom prst="rect">
-            <a:avLst/>
-          </a:prstGeom>
-          <a:noFill/>
-        </p:spPr>
-      </p:pic>
-      <p:sp>
-        <p:nvSpPr>
-          <p:cNvPr id="10" name="ZoneTexte 9"/>
-          <p:cNvSpPr txBox="1"/>
-          <p:nvPr/>
-        </p:nvSpPr>
-        <p:spPr>
-          <a:xfrm>
-            <a:off x="1692000" y="6462000"/>
-            <a:ext cx="7452320" cy="307777"/>
-          </a:xfrm>
-          <a:prstGeom prst="rect">
-            <a:avLst/>
-          </a:prstGeom>
-          <a:noFill/>
-          <a:ln>
-            <a:noFill/>
-          </a:ln>
-        </p:spPr>
-        <p:txBody>
-          <a:bodyPr wrap="square" rtlCol="0">
-            <a:spAutoFit/>
-          </a:bodyPr>
-          <a:lstStyle/>
-          <a:p>
-            <a:r>
-              <a:rPr lang="fr-FR" sz="1400" dirty="0" smtClean="0">
-                <a:solidFill>
-                  <a:schemeClr val="bg1"/>
-                </a:solidFill>
-                <a:latin typeface="Sylfaen" pitchFamily="18" charset="0"/>
-              </a:rPr>
-              <a:t>P. Besson - J. Del Ojo Balaguer - E. Fruch	                Projet 3D 	                   29/04/2011</a:t>
-            </a:r>
-            <a:endParaRPr lang="fr-FR" dirty="0">
-              <a:solidFill>
-                <a:schemeClr val="bg1"/>
-              </a:solidFill>
-              <a:latin typeface="Sylfaen" pitchFamily="18" charset="0"/>
-            </a:endParaRPr>
-          </a:p>
-        </p:txBody>
-      </p:sp>
-      <p:sp>
-        <p:nvSpPr>
-          <p:cNvPr id="11" name="ZoneTexte 10"/>
-          <p:cNvSpPr txBox="1"/>
-          <p:nvPr/>
-        </p:nvSpPr>
-        <p:spPr>
-          <a:xfrm>
-            <a:off x="827584" y="6433591"/>
-            <a:ext cx="504056" cy="307777"/>
-          </a:xfrm>
-          <a:prstGeom prst="rect">
-            <a:avLst/>
-          </a:prstGeom>
-          <a:noFill/>
-        </p:spPr>
-        <p:txBody>
-          <a:bodyPr wrap="square" rtlCol="0">
-            <a:spAutoFit/>
-          </a:bodyPr>
-          <a:lstStyle/>
-          <a:p>
-            <a:fld id="{021DECB1-271F-4901-8E89-1067FB53F5BF}" type="slidenum">
-              <a:rPr lang="fr-FR" sz="1400" smtClean="0">
-                <a:solidFill>
-                  <a:schemeClr val="bg1"/>
-                </a:solidFill>
-                <a:latin typeface="Sylfaen" pitchFamily="18" charset="0"/>
-              </a:rPr>
-              <a:pPr/>
               <a:t>2</a:t>
             </a:fld>
-            <a:r>
-              <a:rPr lang="fr-FR" sz="1400" dirty="0" smtClean="0">
-                <a:solidFill>
-                  <a:schemeClr val="bg1"/>
-                </a:solidFill>
-                <a:latin typeface="Sylfaen" pitchFamily="18" charset="0"/>
-              </a:rPr>
-              <a:t>/X</a:t>
-            </a:r>
             <a:endParaRPr lang="fr-FR" dirty="0">
               <a:solidFill>
                 <a:schemeClr val="bg1"/>
@@ -9770,7 +6694,20 @@
               <a:rPr lang="fr-FR" dirty="0" smtClean="0">
                 <a:latin typeface="Sylfaen" pitchFamily="18" charset="0"/>
               </a:rPr>
-              <a:t>BRDF</a:t>
+              <a:t>Calcul des </a:t>
+            </a:r>
+            <a:r>
+              <a:rPr lang="fr-FR" dirty="0" smtClean="0">
+                <a:effectLst>
+                  <a:outerShdw blurRad="38100" dist="38100" dir="2700000" algn="tl">
+                    <a:srgbClr val="000000">
+                      <a:alpha val="43137"/>
+                    </a:srgbClr>
+                  </a:outerShdw>
+                </a:effectLst>
+                <a:latin typeface="Sylfaen" pitchFamily="18" charset="0"/>
+              </a:rPr>
+              <a:t>ombres</a:t>
             </a:r>
             <a:endParaRPr lang="fr-FR" dirty="0">
               <a:effectLst>
@@ -9986,1046 +6923,6 @@
               <a:pPr/>
               <a:t>3</a:t>
             </a:fld>
-            <a:r>
-              <a:rPr lang="fr-FR" sz="1400" dirty="0" smtClean="0">
-                <a:solidFill>
-                  <a:schemeClr val="bg1"/>
-                </a:solidFill>
-                <a:latin typeface="Sylfaen" pitchFamily="18" charset="0"/>
-              </a:rPr>
-              <a:t>/X</a:t>
-            </a:r>
-            <a:endParaRPr lang="fr-FR" dirty="0">
-              <a:solidFill>
-                <a:schemeClr val="bg1"/>
-              </a:solidFill>
-              <a:latin typeface="Sylfaen" pitchFamily="18" charset="0"/>
-            </a:endParaRPr>
-          </a:p>
-        </p:txBody>
-      </p:sp>
-      <p:sp>
-        <p:nvSpPr>
-          <p:cNvPr id="14" name="Rectangle 13"/>
-          <p:cNvSpPr/>
-          <p:nvPr/>
-        </p:nvSpPr>
-        <p:spPr>
-          <a:xfrm>
-            <a:off x="1619672" y="6309320"/>
-            <a:ext cx="7452320" cy="45719"/>
-          </a:xfrm>
-          <a:prstGeom prst="rect">
-            <a:avLst/>
-          </a:prstGeom>
-          <a:solidFill>
-            <a:srgbClr val="C00000"/>
-          </a:solidFill>
-          <a:ln>
-            <a:noFill/>
-          </a:ln>
-        </p:spPr>
-        <p:style>
-          <a:lnRef idx="2">
-            <a:schemeClr val="accent1">
-              <a:shade val="50000"/>
-            </a:schemeClr>
-          </a:lnRef>
-          <a:fillRef idx="1">
-            <a:schemeClr val="accent1"/>
-          </a:fillRef>
-          <a:effectRef idx="0">
-            <a:schemeClr val="accent1"/>
-          </a:effectRef>
-          <a:fontRef idx="minor">
-            <a:schemeClr val="lt1"/>
-          </a:fontRef>
-        </p:style>
-        <p:txBody>
-          <a:bodyPr rtlCol="0" anchor="ctr"/>
-          <a:lstStyle/>
-          <a:p>
-            <a:pPr algn="ctr"/>
-            <a:endParaRPr lang="fr-FR" dirty="0">
-              <a:solidFill>
-                <a:schemeClr val="tx1"/>
-              </a:solidFill>
-            </a:endParaRPr>
-          </a:p>
-        </p:txBody>
-      </p:sp>
-      <p:grpSp>
-        <p:nvGrpSpPr>
-          <p:cNvPr id="3" name="Groupe 48"/>
-          <p:cNvGrpSpPr/>
-          <p:nvPr/>
-        </p:nvGrpSpPr>
-        <p:grpSpPr>
-          <a:xfrm>
-            <a:off x="0" y="795608"/>
-            <a:ext cx="9143984" cy="185120"/>
-            <a:chOff x="0" y="738000"/>
-            <a:chExt cx="9143984" cy="185120"/>
-          </a:xfrm>
-        </p:grpSpPr>
-        <p:grpSp>
-          <p:nvGrpSpPr>
-            <p:cNvPr id="8" name="Groupe 31"/>
-            <p:cNvGrpSpPr/>
-            <p:nvPr/>
-          </p:nvGrpSpPr>
-          <p:grpSpPr>
-            <a:xfrm>
-              <a:off x="899983" y="738000"/>
-              <a:ext cx="8244001" cy="62704"/>
-              <a:chOff x="899983" y="738000"/>
-              <a:chExt cx="8208017" cy="62704"/>
-            </a:xfrm>
-          </p:grpSpPr>
-          <p:sp>
-            <p:nvSpPr>
-              <p:cNvPr id="7" name="Rectangle 6"/>
-              <p:cNvSpPr/>
-              <p:nvPr/>
-            </p:nvSpPr>
-            <p:spPr>
-              <a:xfrm>
-                <a:off x="900000" y="738000"/>
-                <a:ext cx="8208000" cy="57600"/>
-              </a:xfrm>
-              <a:prstGeom prst="rect">
-                <a:avLst/>
-              </a:prstGeom>
-              <a:gradFill flip="none" rotWithShape="1">
-                <a:gsLst>
-                  <a:gs pos="0">
-                    <a:srgbClr val="E20000">
-                      <a:tint val="66000"/>
-                      <a:satMod val="160000"/>
-                    </a:srgbClr>
-                  </a:gs>
-                  <a:gs pos="50000">
-                    <a:srgbClr val="E20000">
-                      <a:tint val="44500"/>
-                      <a:satMod val="160000"/>
-                    </a:srgbClr>
-                  </a:gs>
-                  <a:gs pos="100000">
-                    <a:srgbClr val="E20000">
-                      <a:tint val="23500"/>
-                      <a:satMod val="160000"/>
-                    </a:srgbClr>
-                  </a:gs>
-                </a:gsLst>
-                <a:lin ang="13500000" scaled="1"/>
-                <a:tileRect/>
-              </a:gradFill>
-              <a:ln>
-                <a:noFill/>
-              </a:ln>
-            </p:spPr>
-            <p:style>
-              <a:lnRef idx="2">
-                <a:schemeClr val="accent1">
-                  <a:shade val="50000"/>
-                </a:schemeClr>
-              </a:lnRef>
-              <a:fillRef idx="1">
-                <a:schemeClr val="accent1"/>
-              </a:fillRef>
-              <a:effectRef idx="0">
-                <a:schemeClr val="accent1"/>
-              </a:effectRef>
-              <a:fontRef idx="minor">
-                <a:schemeClr val="lt1"/>
-              </a:fontRef>
-            </p:style>
-            <p:txBody>
-              <a:bodyPr rtlCol="0" anchor="ctr"/>
-              <a:lstStyle/>
-              <a:p>
-                <a:pPr algn="ctr"/>
-                <a:endParaRPr lang="fr-FR" dirty="0">
-                  <a:solidFill>
-                    <a:schemeClr val="tx1"/>
-                  </a:solidFill>
-                </a:endParaRPr>
-              </a:p>
-            </p:txBody>
-          </p:sp>
-          <p:sp>
-            <p:nvSpPr>
-              <p:cNvPr id="17" name="Rectangle 16"/>
-              <p:cNvSpPr/>
-              <p:nvPr/>
-            </p:nvSpPr>
-            <p:spPr>
-              <a:xfrm>
-                <a:off x="899983" y="764704"/>
-                <a:ext cx="8208016" cy="36000"/>
-              </a:xfrm>
-              <a:prstGeom prst="rect">
-                <a:avLst/>
-              </a:prstGeom>
-              <a:solidFill>
-                <a:srgbClr val="C00000"/>
-              </a:solidFill>
-              <a:ln>
-                <a:noFill/>
-              </a:ln>
-            </p:spPr>
-            <p:style>
-              <a:lnRef idx="2">
-                <a:schemeClr val="accent1">
-                  <a:shade val="50000"/>
-                </a:schemeClr>
-              </a:lnRef>
-              <a:fillRef idx="1">
-                <a:schemeClr val="accent1"/>
-              </a:fillRef>
-              <a:effectRef idx="0">
-                <a:schemeClr val="accent1"/>
-              </a:effectRef>
-              <a:fontRef idx="minor">
-                <a:schemeClr val="lt1"/>
-              </a:fontRef>
-            </p:style>
-            <p:txBody>
-              <a:bodyPr rtlCol="0" anchor="ctr"/>
-              <a:lstStyle/>
-              <a:p>
-                <a:pPr algn="ctr"/>
-                <a:endParaRPr lang="fr-FR" dirty="0">
-                  <a:solidFill>
-                    <a:schemeClr val="tx1"/>
-                  </a:solidFill>
-                </a:endParaRPr>
-              </a:p>
-            </p:txBody>
-          </p:sp>
-        </p:grpSp>
-        <p:grpSp>
-          <p:nvGrpSpPr>
-            <p:cNvPr id="9" name="Groupe 29"/>
-            <p:cNvGrpSpPr/>
-            <p:nvPr/>
-          </p:nvGrpSpPr>
-          <p:grpSpPr>
-            <a:xfrm>
-              <a:off x="0" y="860400"/>
-              <a:ext cx="936000" cy="62720"/>
-              <a:chOff x="0" y="835200"/>
-              <a:chExt cx="1008000" cy="62720"/>
-            </a:xfrm>
-          </p:grpSpPr>
-          <p:sp>
-            <p:nvSpPr>
-              <p:cNvPr id="28" name="Rectangle 27"/>
-              <p:cNvSpPr/>
-              <p:nvPr/>
-            </p:nvSpPr>
-            <p:spPr>
-              <a:xfrm>
-                <a:off x="0" y="835200"/>
-                <a:ext cx="1008000" cy="46800"/>
-              </a:xfrm>
-              <a:prstGeom prst="rect">
-                <a:avLst/>
-              </a:prstGeom>
-              <a:gradFill flip="none" rotWithShape="1">
-                <a:gsLst>
-                  <a:gs pos="0">
-                    <a:schemeClr val="tx1">
-                      <a:tint val="66000"/>
-                      <a:satMod val="160000"/>
-                    </a:schemeClr>
-                  </a:gs>
-                  <a:gs pos="50000">
-                    <a:schemeClr val="tx1">
-                      <a:tint val="44500"/>
-                      <a:satMod val="160000"/>
-                    </a:schemeClr>
-                  </a:gs>
-                  <a:gs pos="100000">
-                    <a:schemeClr val="tx1">
-                      <a:tint val="23500"/>
-                      <a:satMod val="160000"/>
-                    </a:schemeClr>
-                  </a:gs>
-                </a:gsLst>
-                <a:path path="circle">
-                  <a:fillToRect t="100000" r="100000"/>
-                </a:path>
-                <a:tileRect l="-100000" b="-100000"/>
-              </a:gradFill>
-              <a:ln>
-                <a:noFill/>
-              </a:ln>
-            </p:spPr>
-            <p:style>
-              <a:lnRef idx="2">
-                <a:schemeClr val="accent1">
-                  <a:shade val="50000"/>
-                </a:schemeClr>
-              </a:lnRef>
-              <a:fillRef idx="1">
-                <a:schemeClr val="accent1"/>
-              </a:fillRef>
-              <a:effectRef idx="0">
-                <a:schemeClr val="accent1"/>
-              </a:effectRef>
-              <a:fontRef idx="minor">
-                <a:schemeClr val="lt1"/>
-              </a:fontRef>
-            </p:style>
-            <p:txBody>
-              <a:bodyPr rtlCol="0" anchor="ctr"/>
-              <a:lstStyle/>
-              <a:p>
-                <a:pPr algn="ctr"/>
-                <a:endParaRPr lang="fr-FR" dirty="0">
-                  <a:solidFill>
-                    <a:schemeClr val="tx1"/>
-                  </a:solidFill>
-                </a:endParaRPr>
-              </a:p>
-            </p:txBody>
-          </p:sp>
-          <p:sp>
-            <p:nvSpPr>
-              <p:cNvPr id="20" name="Rectangle 19"/>
-              <p:cNvSpPr/>
-              <p:nvPr/>
-            </p:nvSpPr>
-            <p:spPr>
-              <a:xfrm>
-                <a:off x="0" y="861920"/>
-                <a:ext cx="1008000" cy="36000"/>
-              </a:xfrm>
-              <a:prstGeom prst="rect">
-                <a:avLst/>
-              </a:prstGeom>
-              <a:solidFill>
-                <a:schemeClr val="tx1"/>
-              </a:solidFill>
-              <a:ln>
-                <a:noFill/>
-              </a:ln>
-            </p:spPr>
-            <p:style>
-              <a:lnRef idx="2">
-                <a:schemeClr val="accent1">
-                  <a:shade val="50000"/>
-                </a:schemeClr>
-              </a:lnRef>
-              <a:fillRef idx="1">
-                <a:schemeClr val="accent1"/>
-              </a:fillRef>
-              <a:effectRef idx="0">
-                <a:schemeClr val="accent1"/>
-              </a:effectRef>
-              <a:fontRef idx="minor">
-                <a:schemeClr val="lt1"/>
-              </a:fontRef>
-            </p:style>
-            <p:txBody>
-              <a:bodyPr rtlCol="0" anchor="ctr"/>
-              <a:lstStyle/>
-              <a:p>
-                <a:pPr algn="ctr"/>
-                <a:endParaRPr lang="fr-FR" dirty="0">
-                  <a:solidFill>
-                    <a:schemeClr val="tx1"/>
-                  </a:solidFill>
-                </a:endParaRPr>
-              </a:p>
-            </p:txBody>
-          </p:sp>
-        </p:grpSp>
-      </p:grpSp>
-      <p:sp>
-        <p:nvSpPr>
-          <p:cNvPr id="48" name="Rectangle 47"/>
-          <p:cNvSpPr/>
-          <p:nvPr/>
-        </p:nvSpPr>
-        <p:spPr>
-          <a:xfrm>
-            <a:off x="512" y="0"/>
-            <a:ext cx="9144000" cy="72000"/>
-          </a:xfrm>
-          <a:prstGeom prst="rect">
-            <a:avLst/>
-          </a:prstGeom>
-          <a:gradFill flip="none" rotWithShape="1">
-            <a:gsLst>
-              <a:gs pos="0">
-                <a:srgbClr val="E20000">
-                  <a:tint val="66000"/>
-                  <a:satMod val="160000"/>
-                </a:srgbClr>
-              </a:gs>
-              <a:gs pos="50000">
-                <a:srgbClr val="E20000">
-                  <a:tint val="44500"/>
-                  <a:satMod val="160000"/>
-                </a:srgbClr>
-              </a:gs>
-              <a:gs pos="100000">
-                <a:srgbClr val="E20000">
-                  <a:tint val="23500"/>
-                  <a:satMod val="160000"/>
-                </a:srgbClr>
-              </a:gs>
-            </a:gsLst>
-            <a:lin ang="13500000" scaled="1"/>
-            <a:tileRect/>
-          </a:gradFill>
-          <a:ln>
-            <a:noFill/>
-          </a:ln>
-        </p:spPr>
-        <p:style>
-          <a:lnRef idx="2">
-            <a:schemeClr val="accent1">
-              <a:shade val="50000"/>
-            </a:schemeClr>
-          </a:lnRef>
-          <a:fillRef idx="1">
-            <a:schemeClr val="accent1"/>
-          </a:fillRef>
-          <a:effectRef idx="0">
-            <a:schemeClr val="accent1"/>
-          </a:effectRef>
-          <a:fontRef idx="minor">
-            <a:schemeClr val="lt1"/>
-          </a:fontRef>
-        </p:style>
-        <p:txBody>
-          <a:bodyPr rtlCol="0" anchor="ctr"/>
-          <a:lstStyle/>
-          <a:p>
-            <a:pPr algn="ctr"/>
-            <a:endParaRPr lang="fr-FR" dirty="0">
-              <a:solidFill>
-                <a:schemeClr val="tx1"/>
-              </a:solidFill>
-            </a:endParaRPr>
-          </a:p>
-        </p:txBody>
-      </p:sp>
-      <p:sp>
-        <p:nvSpPr>
-          <p:cNvPr id="23" name="Espace réservé du contenu 2"/>
-          <p:cNvSpPr>
-            <a:spLocks noGrp="1"/>
-          </p:cNvSpPr>
-          <p:nvPr>
-            <p:ph idx="1"/>
-          </p:nvPr>
-        </p:nvSpPr>
-        <p:spPr>
-          <a:xfrm>
-            <a:off x="878904" y="836712"/>
-            <a:ext cx="7653536" cy="5400600"/>
-          </a:xfrm>
-        </p:spPr>
-        <p:txBody>
-          <a:bodyPr>
-            <a:normAutofit lnSpcReduction="10000"/>
-          </a:bodyPr>
-          <a:lstStyle/>
-          <a:p>
-            <a:pPr>
-              <a:buNone/>
-            </a:pPr>
-            <a:endParaRPr lang="fr-FR" sz="1400" dirty="0" smtClean="0">
-              <a:solidFill>
-                <a:srgbClr val="920000"/>
-              </a:solidFill>
-              <a:latin typeface="Sylfaen" pitchFamily="18" charset="0"/>
-            </a:endParaRPr>
-          </a:p>
-          <a:p>
-            <a:pPr lvl="1">
-              <a:buFont typeface="Wingdings" pitchFamily="2" charset="2"/>
-              <a:buChar char="§"/>
-            </a:pPr>
-            <a:r>
-              <a:rPr lang="fr-FR" sz="2800" dirty="0" smtClean="0">
-                <a:solidFill>
-                  <a:srgbClr val="920000"/>
-                </a:solidFill>
-                <a:latin typeface="Sylfaen" pitchFamily="18" charset="0"/>
-              </a:rPr>
-              <a:t>Rendu 3D </a:t>
-            </a:r>
-          </a:p>
-          <a:p>
-            <a:pPr lvl="1">
-              <a:buFont typeface="Wingdings" pitchFamily="2" charset="2"/>
-              <a:buChar char="§"/>
-            </a:pPr>
-            <a:endParaRPr lang="fr-FR" sz="2800" dirty="0" smtClean="0">
-              <a:solidFill>
-                <a:srgbClr val="920000"/>
-              </a:solidFill>
-              <a:latin typeface="Sylfaen" pitchFamily="18" charset="0"/>
-            </a:endParaRPr>
-          </a:p>
-          <a:p>
-            <a:pPr lvl="2">
-              <a:buNone/>
-            </a:pPr>
-            <a:endParaRPr lang="fr-FR" sz="2000" dirty="0" smtClean="0">
-              <a:latin typeface="Sylfaen" pitchFamily="18" charset="0"/>
-            </a:endParaRPr>
-          </a:p>
-          <a:p>
-            <a:pPr lvl="2">
-              <a:buNone/>
-            </a:pPr>
-            <a:endParaRPr lang="fr-FR" dirty="0" smtClean="0">
-              <a:latin typeface="Sylfaen" pitchFamily="18" charset="0"/>
-            </a:endParaRPr>
-          </a:p>
-          <a:p>
-            <a:pPr lvl="2">
-              <a:buNone/>
-            </a:pPr>
-            <a:endParaRPr lang="fr-FR" sz="2000" dirty="0" smtClean="0">
-              <a:latin typeface="Sylfaen" pitchFamily="18" charset="0"/>
-            </a:endParaRPr>
-          </a:p>
-          <a:p>
-            <a:pPr lvl="2">
-              <a:buNone/>
-            </a:pPr>
-            <a:endParaRPr lang="fr-FR" dirty="0" smtClean="0">
-              <a:latin typeface="Sylfaen" pitchFamily="18" charset="0"/>
-            </a:endParaRPr>
-          </a:p>
-          <a:p>
-            <a:pPr lvl="2">
-              <a:buNone/>
-            </a:pPr>
-            <a:endParaRPr lang="fr-FR" sz="2000" dirty="0" smtClean="0">
-              <a:latin typeface="Sylfaen" pitchFamily="18" charset="0"/>
-            </a:endParaRPr>
-          </a:p>
-          <a:p>
-            <a:pPr lvl="2">
-              <a:buNone/>
-            </a:pPr>
-            <a:endParaRPr lang="fr-FR" dirty="0" smtClean="0">
-              <a:latin typeface="Sylfaen" pitchFamily="18" charset="0"/>
-            </a:endParaRPr>
-          </a:p>
-          <a:p>
-            <a:pPr lvl="2">
-              <a:buNone/>
-            </a:pPr>
-            <a:endParaRPr lang="fr-FR" sz="2000" dirty="0" smtClean="0">
-              <a:latin typeface="Sylfaen" pitchFamily="18" charset="0"/>
-            </a:endParaRPr>
-          </a:p>
-          <a:p>
-            <a:pPr lvl="2">
-              <a:buNone/>
-            </a:pPr>
-            <a:endParaRPr lang="fr-FR" dirty="0" smtClean="0">
-              <a:latin typeface="Sylfaen" pitchFamily="18" charset="0"/>
-            </a:endParaRPr>
-          </a:p>
-          <a:p>
-            <a:pPr lvl="2">
-              <a:buNone/>
-            </a:pPr>
-            <a:r>
-              <a:rPr lang="fr-FR" sz="2000" dirty="0" smtClean="0">
-                <a:latin typeface="Sylfaen" pitchFamily="18" charset="0"/>
-              </a:rPr>
-              <a:t>Effets non désirés : </a:t>
-            </a:r>
-          </a:p>
-          <a:p>
-            <a:pPr lvl="2">
-              <a:buNone/>
-            </a:pPr>
-            <a:r>
-              <a:rPr lang="fr-FR" sz="1900" dirty="0" smtClean="0">
-                <a:latin typeface="Sylfaen" pitchFamily="18" charset="0"/>
-              </a:rPr>
-              <a:t> - Halos lumineux</a:t>
-            </a:r>
-          </a:p>
-          <a:p>
-            <a:pPr lvl="2">
-              <a:buNone/>
-            </a:pPr>
-            <a:r>
-              <a:rPr lang="fr-FR" sz="1900" dirty="0" smtClean="0">
-                <a:latin typeface="Sylfaen" pitchFamily="18" charset="0"/>
-              </a:rPr>
-              <a:t> - Bruit </a:t>
-            </a:r>
-            <a:r>
-              <a:rPr lang="fr-FR" sz="1500" dirty="0" smtClean="0">
-                <a:latin typeface="Sylfaen" pitchFamily="18" charset="0"/>
-                <a:sym typeface="Wingdings" pitchFamily="2" charset="2"/>
-              </a:rPr>
-              <a:t></a:t>
-            </a:r>
-            <a:r>
-              <a:rPr lang="fr-FR" sz="1900" dirty="0" smtClean="0">
-                <a:latin typeface="Sylfaen" pitchFamily="18" charset="0"/>
-                <a:sym typeface="Wingdings" pitchFamily="2" charset="2"/>
-              </a:rPr>
-              <a:t> tirer plus de rayons ou diminuer la résolution angulaire</a:t>
-            </a:r>
-          </a:p>
-          <a:p>
-            <a:pPr lvl="2">
-              <a:buNone/>
-            </a:pPr>
-            <a:r>
-              <a:rPr lang="fr-FR" sz="1900" dirty="0" smtClean="0">
-                <a:latin typeface="Sylfaen" pitchFamily="18" charset="0"/>
-                <a:sym typeface="Wingdings" pitchFamily="2" charset="2"/>
-              </a:rPr>
-              <a:t>	Compromis niveau de bruit/précision/temps de calcul</a:t>
-            </a:r>
-            <a:endParaRPr lang="fr-FR" sz="1900" dirty="0" smtClean="0">
-              <a:latin typeface="Sylfaen" pitchFamily="18" charset="0"/>
-            </a:endParaRPr>
-          </a:p>
-        </p:txBody>
-      </p:sp>
-      <p:pic>
-        <p:nvPicPr>
-          <p:cNvPr id="12" name="Image 11" descr="renderSansBRDF.jpg"/>
-          <p:cNvPicPr>
-            <a:picLocks noChangeAspect="1"/>
-          </p:cNvPicPr>
-          <p:nvPr/>
-        </p:nvPicPr>
-        <p:blipFill>
-          <a:blip r:embed="rId4">
-            <a:extLst>
-              <a:ext uri="{28A0092B-C50C-407E-A947-70E740481C1C}">
-                <a14:useLocalDpi xmlns:a14="http://schemas.microsoft.com/office/drawing/2010/main" val="0"/>
-              </a:ext>
-            </a:extLst>
-          </a:blip>
-          <a:stretch>
-            <a:fillRect/>
-          </a:stretch>
-        </p:blipFill>
-        <p:spPr>
-          <a:xfrm>
-            <a:off x="1619673" y="1628800"/>
-            <a:ext cx="2448272" cy="2782869"/>
-          </a:xfrm>
-          <a:prstGeom prst="rect">
-            <a:avLst/>
-          </a:prstGeom>
-        </p:spPr>
-      </p:pic>
-      <p:pic>
-        <p:nvPicPr>
-          <p:cNvPr id="13" name="Image 12" descr="renderBRDF.jpg"/>
-          <p:cNvPicPr>
-            <a:picLocks noChangeAspect="1"/>
-          </p:cNvPicPr>
-          <p:nvPr/>
-        </p:nvPicPr>
-        <p:blipFill>
-          <a:blip r:embed="rId5">
-            <a:extLst>
-              <a:ext uri="{28A0092B-C50C-407E-A947-70E740481C1C}">
-                <a14:useLocalDpi xmlns:a14="http://schemas.microsoft.com/office/drawing/2010/main" val="0"/>
-              </a:ext>
-            </a:extLst>
-          </a:blip>
-          <a:stretch>
-            <a:fillRect/>
-          </a:stretch>
-        </p:blipFill>
-        <p:spPr>
-          <a:xfrm>
-            <a:off x="5292080" y="1196752"/>
-            <a:ext cx="3270116" cy="3717032"/>
-          </a:xfrm>
-          <a:prstGeom prst="rect">
-            <a:avLst/>
-          </a:prstGeom>
-        </p:spPr>
-      </p:pic>
-    </p:spTree>
-  </p:cSld>
-  <p:clrMapOvr>
-    <a:masterClrMapping/>
-  </p:clrMapOvr>
-  <p:timing>
-    <p:tnLst>
-      <p:par>
-        <p:cTn xmlns:p14="http://schemas.microsoft.com/office/powerpoint/2010/main" id="1" dur="indefinite" restart="never" nodeType="tmRoot"/>
-      </p:par>
-    </p:tnLst>
-  </p:timing>
-</p:sld>
-</file>
-
-<file path=ppt/slides/slide4.xml><?xml version="1.0" encoding="utf-8"?>
-<p:sld xmlns:a="http://schemas.openxmlformats.org/drawingml/2006/main" xmlns:r="http://schemas.openxmlformats.org/officeDocument/2006/relationships" xmlns:p="http://schemas.openxmlformats.org/presentationml/2006/main">
-  <p:cSld>
-    <p:spTree>
-      <p:nvGrpSpPr>
-        <p:cNvPr id="1" name=""/>
-        <p:cNvGrpSpPr/>
-        <p:nvPr/>
-      </p:nvGrpSpPr>
-      <p:grpSpPr>
-        <a:xfrm>
-          <a:off x="0" y="0"/>
-          <a:ext cx="0" cy="0"/>
-          <a:chOff x="0" y="0"/>
-          <a:chExt cx="0" cy="0"/>
-        </a:xfrm>
-      </p:grpSpPr>
-      <p:sp>
-        <p:nvSpPr>
-          <p:cNvPr id="27" name="Rectangle 26"/>
-          <p:cNvSpPr/>
-          <p:nvPr/>
-        </p:nvSpPr>
-        <p:spPr>
-          <a:xfrm>
-            <a:off x="1619672" y="6309320"/>
-            <a:ext cx="7452000" cy="72000"/>
-          </a:xfrm>
-          <a:prstGeom prst="rect">
-            <a:avLst/>
-          </a:prstGeom>
-          <a:gradFill flip="none" rotWithShape="1">
-            <a:gsLst>
-              <a:gs pos="0">
-                <a:srgbClr val="E20000">
-                  <a:tint val="66000"/>
-                  <a:satMod val="160000"/>
-                </a:srgbClr>
-              </a:gs>
-              <a:gs pos="50000">
-                <a:srgbClr val="E20000">
-                  <a:tint val="44500"/>
-                  <a:satMod val="160000"/>
-                </a:srgbClr>
-              </a:gs>
-              <a:gs pos="100000">
-                <a:srgbClr val="E20000">
-                  <a:tint val="23500"/>
-                  <a:satMod val="160000"/>
-                </a:srgbClr>
-              </a:gs>
-            </a:gsLst>
-            <a:lin ang="13500000" scaled="1"/>
-            <a:tileRect/>
-          </a:gradFill>
-          <a:ln>
-            <a:noFill/>
-          </a:ln>
-        </p:spPr>
-        <p:style>
-          <a:lnRef idx="2">
-            <a:schemeClr val="accent1">
-              <a:shade val="50000"/>
-            </a:schemeClr>
-          </a:lnRef>
-          <a:fillRef idx="1">
-            <a:schemeClr val="accent1"/>
-          </a:fillRef>
-          <a:effectRef idx="0">
-            <a:schemeClr val="accent1"/>
-          </a:effectRef>
-          <a:fontRef idx="minor">
-            <a:schemeClr val="lt1"/>
-          </a:fontRef>
-        </p:style>
-        <p:txBody>
-          <a:bodyPr rtlCol="0" anchor="ctr"/>
-          <a:lstStyle/>
-          <a:p>
-            <a:pPr algn="ctr"/>
-            <a:endParaRPr lang="fr-FR" dirty="0">
-              <a:solidFill>
-                <a:schemeClr val="tx1"/>
-              </a:solidFill>
-            </a:endParaRPr>
-          </a:p>
-        </p:txBody>
-      </p:sp>
-      <p:sp>
-        <p:nvSpPr>
-          <p:cNvPr id="2" name="Titre 1"/>
-          <p:cNvSpPr>
-            <a:spLocks noGrp="1"/>
-          </p:cNvSpPr>
-          <p:nvPr>
-            <p:ph type="title"/>
-          </p:nvPr>
-        </p:nvSpPr>
-        <p:spPr>
-          <a:xfrm>
-            <a:off x="467544" y="-99392"/>
-            <a:ext cx="8229600" cy="1143000"/>
-          </a:xfrm>
-        </p:spPr>
-        <p:txBody>
-          <a:bodyPr/>
-          <a:lstStyle/>
-          <a:p>
-            <a:r>
-              <a:rPr lang="fr-FR" dirty="0" smtClean="0">
-                <a:latin typeface="Sylfaen" pitchFamily="18" charset="0"/>
-              </a:rPr>
-              <a:t>Calcul des </a:t>
-            </a:r>
-            <a:r>
-              <a:rPr lang="fr-FR" dirty="0" smtClean="0">
-                <a:effectLst>
-                  <a:outerShdw blurRad="38100" dist="38100" dir="2700000" algn="tl">
-                    <a:srgbClr val="000000">
-                      <a:alpha val="43137"/>
-                    </a:srgbClr>
-                  </a:outerShdw>
-                </a:effectLst>
-                <a:latin typeface="Sylfaen" pitchFamily="18" charset="0"/>
-              </a:rPr>
-              <a:t>ombres</a:t>
-            </a:r>
-            <a:endParaRPr lang="fr-FR" dirty="0">
-              <a:effectLst>
-                <a:outerShdw blurRad="38100" dist="38100" dir="2700000" algn="tl">
-                  <a:srgbClr val="000000">
-                    <a:alpha val="43137"/>
-                  </a:srgbClr>
-                </a:outerShdw>
-              </a:effectLst>
-              <a:latin typeface="Sylfaen" pitchFamily="18" charset="0"/>
-            </a:endParaRPr>
-          </a:p>
-        </p:txBody>
-      </p:sp>
-      <p:sp>
-        <p:nvSpPr>
-          <p:cNvPr id="4" name="Rectangle 3"/>
-          <p:cNvSpPr/>
-          <p:nvPr/>
-        </p:nvSpPr>
-        <p:spPr>
-          <a:xfrm>
-            <a:off x="1619672" y="6453336"/>
-            <a:ext cx="7452320" cy="360040"/>
-          </a:xfrm>
-          <a:prstGeom prst="rect">
-            <a:avLst/>
-          </a:prstGeom>
-          <a:solidFill>
-            <a:srgbClr val="C00000"/>
-          </a:solidFill>
-          <a:ln>
-            <a:noFill/>
-          </a:ln>
-        </p:spPr>
-        <p:style>
-          <a:lnRef idx="2">
-            <a:schemeClr val="accent1">
-              <a:shade val="50000"/>
-            </a:schemeClr>
-          </a:lnRef>
-          <a:fillRef idx="1">
-            <a:schemeClr val="accent1"/>
-          </a:fillRef>
-          <a:effectRef idx="0">
-            <a:schemeClr val="accent1"/>
-          </a:effectRef>
-          <a:fontRef idx="minor">
-            <a:schemeClr val="lt1"/>
-          </a:fontRef>
-        </p:style>
-        <p:txBody>
-          <a:bodyPr rtlCol="0" anchor="ctr"/>
-          <a:lstStyle/>
-          <a:p>
-            <a:pPr algn="ctr"/>
-            <a:endParaRPr lang="fr-FR" dirty="0">
-              <a:solidFill>
-                <a:schemeClr val="tx1"/>
-              </a:solidFill>
-            </a:endParaRPr>
-          </a:p>
-        </p:txBody>
-      </p:sp>
-      <p:sp>
-        <p:nvSpPr>
-          <p:cNvPr id="5" name="Rectangle 4"/>
-          <p:cNvSpPr/>
-          <p:nvPr/>
-        </p:nvSpPr>
-        <p:spPr>
-          <a:xfrm>
-            <a:off x="144016" y="6309320"/>
-            <a:ext cx="1403648" cy="504056"/>
-          </a:xfrm>
-          <a:prstGeom prst="rect">
-            <a:avLst/>
-          </a:prstGeom>
-          <a:solidFill>
-            <a:schemeClr val="tx1"/>
-          </a:solidFill>
-          <a:ln>
-            <a:noFill/>
-          </a:ln>
-        </p:spPr>
-        <p:style>
-          <a:lnRef idx="2">
-            <a:schemeClr val="accent1">
-              <a:shade val="50000"/>
-            </a:schemeClr>
-          </a:lnRef>
-          <a:fillRef idx="1">
-            <a:schemeClr val="accent1"/>
-          </a:fillRef>
-          <a:effectRef idx="0">
-            <a:schemeClr val="accent1"/>
-          </a:effectRef>
-          <a:fontRef idx="minor">
-            <a:schemeClr val="lt1"/>
-          </a:fontRef>
-        </p:style>
-        <p:txBody>
-          <a:bodyPr rtlCol="0" anchor="ctr"/>
-          <a:lstStyle/>
-          <a:p>
-            <a:pPr algn="ctr"/>
-            <a:endParaRPr lang="fr-FR" dirty="0">
-              <a:solidFill>
-                <a:schemeClr val="tx1"/>
-              </a:solidFill>
-            </a:endParaRPr>
-          </a:p>
-        </p:txBody>
-      </p:sp>
-      <p:pic>
-        <p:nvPicPr>
-          <p:cNvPr id="6" name="Picture 2" descr="C:\Users\Erwan\Desktop\logo_telecom-paristech.gif"/>
-          <p:cNvPicPr>
-            <a:picLocks noChangeAspect="1" noChangeArrowheads="1"/>
-          </p:cNvPicPr>
-          <p:nvPr/>
-        </p:nvPicPr>
-        <p:blipFill>
-          <a:blip r:embed="rId3" cstate="print"/>
-          <a:srcRect/>
-          <a:stretch>
-            <a:fillRect/>
-          </a:stretch>
-        </p:blipFill>
-        <p:spPr bwMode="auto">
-          <a:xfrm>
-            <a:off x="107504" y="6309376"/>
-            <a:ext cx="504000" cy="504000"/>
-          </a:xfrm>
-          <a:prstGeom prst="rect">
-            <a:avLst/>
-          </a:prstGeom>
-          <a:noFill/>
-        </p:spPr>
-      </p:pic>
-      <p:sp>
-        <p:nvSpPr>
-          <p:cNvPr id="10" name="ZoneTexte 9"/>
-          <p:cNvSpPr txBox="1"/>
-          <p:nvPr/>
-        </p:nvSpPr>
-        <p:spPr>
-          <a:xfrm>
-            <a:off x="1692000" y="6462000"/>
-            <a:ext cx="7452320" cy="307777"/>
-          </a:xfrm>
-          <a:prstGeom prst="rect">
-            <a:avLst/>
-          </a:prstGeom>
-          <a:noFill/>
-          <a:ln>
-            <a:noFill/>
-          </a:ln>
-        </p:spPr>
-        <p:txBody>
-          <a:bodyPr wrap="square" rtlCol="0">
-            <a:spAutoFit/>
-          </a:bodyPr>
-          <a:lstStyle/>
-          <a:p>
-            <a:r>
-              <a:rPr lang="fr-FR" sz="1400" dirty="0" smtClean="0">
-                <a:solidFill>
-                  <a:schemeClr val="bg1"/>
-                </a:solidFill>
-                <a:latin typeface="Sylfaen" pitchFamily="18" charset="0"/>
-              </a:rPr>
-              <a:t>P. Besson - J. Del Ojo Balaguer - E. Fruch	                Projet 3D 	                   29/04/2011</a:t>
-            </a:r>
-            <a:endParaRPr lang="fr-FR" dirty="0">
-              <a:solidFill>
-                <a:schemeClr val="bg1"/>
-              </a:solidFill>
-              <a:latin typeface="Sylfaen" pitchFamily="18" charset="0"/>
-            </a:endParaRPr>
-          </a:p>
-        </p:txBody>
-      </p:sp>
-      <p:sp>
-        <p:nvSpPr>
-          <p:cNvPr id="11" name="ZoneTexte 10"/>
-          <p:cNvSpPr txBox="1"/>
-          <p:nvPr/>
-        </p:nvSpPr>
-        <p:spPr>
-          <a:xfrm>
-            <a:off x="827584" y="6433591"/>
-            <a:ext cx="504056" cy="307777"/>
-          </a:xfrm>
-          <a:prstGeom prst="rect">
-            <a:avLst/>
-          </a:prstGeom>
-          <a:noFill/>
-        </p:spPr>
-        <p:txBody>
-          <a:bodyPr wrap="square" rtlCol="0">
-            <a:spAutoFit/>
-          </a:bodyPr>
-          <a:lstStyle/>
-          <a:p>
-            <a:fld id="{021DECB1-271F-4901-8E89-1067FB53F5BF}" type="slidenum">
-              <a:rPr lang="fr-FR" sz="1400" smtClean="0">
-                <a:solidFill>
-                  <a:schemeClr val="bg1"/>
-                </a:solidFill>
-                <a:latin typeface="Sylfaen" pitchFamily="18" charset="0"/>
-              </a:rPr>
-              <a:pPr/>
-              <a:t>4</a:t>
-            </a:fld>
-            <a:r>
-              <a:rPr lang="fr-FR" sz="1400" dirty="0" smtClean="0">
-                <a:solidFill>
-                  <a:schemeClr val="bg1"/>
-                </a:solidFill>
-                <a:latin typeface="Sylfaen" pitchFamily="18" charset="0"/>
-              </a:rPr>
-              <a:t>/X</a:t>
-            </a:r>
             <a:endParaRPr lang="fr-FR" dirty="0">
               <a:solidFill>
                 <a:schemeClr val="bg1"/>
@@ -13190,7 +9087,7 @@
 </p:sld>
 </file>
 
-<file path=ppt/slides/slide5.xml><?xml version="1.0" encoding="utf-8"?>
+<file path=ppt/slides/slide4.xml><?xml version="1.0" encoding="utf-8"?>
 <p:sld xmlns:a="http://schemas.openxmlformats.org/drawingml/2006/main" xmlns:r="http://schemas.openxmlformats.org/officeDocument/2006/relationships" xmlns:p="http://schemas.openxmlformats.org/presentationml/2006/main">
   <p:cSld>
     <p:spTree>
@@ -13529,17 +9426,8 @@
                 <a:latin typeface="Sylfaen" pitchFamily="18" charset="0"/>
               </a:rPr>
               <a:pPr/>
-              <a:t>5</a:t>
+              <a:t>4</a:t>
             </a:fld>
-            <a:r>
-              <a:rPr lang="fr-FR" sz="1400" dirty="0" smtClean="0">
-                <a:solidFill>
-                  <a:schemeClr val="bg1"/>
-                </a:solidFill>
-                <a:latin typeface="Sylfaen" pitchFamily="18" charset="0"/>
-              </a:rPr>
-              <a:t>/X</a:t>
-            </a:r>
             <a:endParaRPr lang="fr-FR" dirty="0">
               <a:solidFill>
                 <a:schemeClr val="bg1"/>
@@ -14026,7 +9914,7 @@
           <p:nvPr/>
         </p:nvPicPr>
         <p:blipFill>
-          <a:blip r:embed="rId4">
+          <a:blip r:embed="rId4" cstate="print">
             <a:extLst>
               <a:ext uri="{28A0092B-C50C-407E-A947-70E740481C1C}">
                 <a14:useLocalDpi xmlns:a14="http://schemas.microsoft.com/office/drawing/2010/main" val="0"/>
@@ -14056,7 +9944,7 @@
           <p:nvPr/>
         </p:nvPicPr>
         <p:blipFill>
-          <a:blip r:embed="rId5">
+          <a:blip r:embed="rId5" cstate="print">
             <a:extLst>
               <a:ext uri="{28A0092B-C50C-407E-A947-70E740481C1C}">
                 <a14:useLocalDpi xmlns:a14="http://schemas.microsoft.com/office/drawing/2010/main" val="0"/>
@@ -14126,7 +10014,7 @@
 </p:sld>
 </file>
 
-<file path=ppt/slides/slide6.xml><?xml version="1.0" encoding="utf-8"?>
+<file path=ppt/slides/slide5.xml><?xml version="1.0" encoding="utf-8"?>
 <p:sld xmlns:a="http://schemas.openxmlformats.org/drawingml/2006/main" xmlns:r="http://schemas.openxmlformats.org/officeDocument/2006/relationships" xmlns:p="http://schemas.openxmlformats.org/presentationml/2006/main">
   <p:cSld>
     <p:spTree>
@@ -14238,7 +10126,20 @@
               <a:rPr lang="fr-FR" dirty="0" smtClean="0">
                 <a:latin typeface="Sylfaen" pitchFamily="18" charset="0"/>
               </a:rPr>
-              <a:t>Occultation ambiante</a:t>
+              <a:t>Calcul des </a:t>
+            </a:r>
+            <a:r>
+              <a:rPr lang="fr-FR" dirty="0" smtClean="0">
+                <a:effectLst>
+                  <a:outerShdw blurRad="38100" dist="38100" dir="2700000" algn="tl">
+                    <a:srgbClr val="000000">
+                      <a:alpha val="43137"/>
+                    </a:srgbClr>
+                  </a:outerShdw>
+                </a:effectLst>
+                <a:latin typeface="Sylfaen" pitchFamily="18" charset="0"/>
+              </a:rPr>
+              <a:t>ombres</a:t>
             </a:r>
             <a:endParaRPr lang="fr-FR" dirty="0">
               <a:effectLst>
@@ -14452,8 +10353,855 @@
                 <a:latin typeface="Sylfaen" pitchFamily="18" charset="0"/>
               </a:rPr>
               <a:pPr/>
-              <a:t>6</a:t>
+              <a:t>5</a:t>
             </a:fld>
+            <a:endParaRPr lang="fr-FR" dirty="0">
+              <a:solidFill>
+                <a:schemeClr val="bg1"/>
+              </a:solidFill>
+              <a:latin typeface="Sylfaen" pitchFamily="18" charset="0"/>
+            </a:endParaRPr>
+          </a:p>
+        </p:txBody>
+      </p:sp>
+      <p:sp>
+        <p:nvSpPr>
+          <p:cNvPr id="14" name="Rectangle 13"/>
+          <p:cNvSpPr/>
+          <p:nvPr/>
+        </p:nvSpPr>
+        <p:spPr>
+          <a:xfrm>
+            <a:off x="1619672" y="6309320"/>
+            <a:ext cx="7452320" cy="45719"/>
+          </a:xfrm>
+          <a:prstGeom prst="rect">
+            <a:avLst/>
+          </a:prstGeom>
+          <a:solidFill>
+            <a:srgbClr val="C00000"/>
+          </a:solidFill>
+          <a:ln>
+            <a:noFill/>
+          </a:ln>
+        </p:spPr>
+        <p:style>
+          <a:lnRef idx="2">
+            <a:schemeClr val="accent1">
+              <a:shade val="50000"/>
+            </a:schemeClr>
+          </a:lnRef>
+          <a:fillRef idx="1">
+            <a:schemeClr val="accent1"/>
+          </a:fillRef>
+          <a:effectRef idx="0">
+            <a:schemeClr val="accent1"/>
+          </a:effectRef>
+          <a:fontRef idx="minor">
+            <a:schemeClr val="lt1"/>
+          </a:fontRef>
+        </p:style>
+        <p:txBody>
+          <a:bodyPr rtlCol="0" anchor="ctr"/>
+          <a:lstStyle/>
+          <a:p>
+            <a:pPr algn="ctr"/>
+            <a:endParaRPr lang="fr-FR" dirty="0">
+              <a:solidFill>
+                <a:schemeClr val="tx1"/>
+              </a:solidFill>
+            </a:endParaRPr>
+          </a:p>
+        </p:txBody>
+      </p:sp>
+      <p:grpSp>
+        <p:nvGrpSpPr>
+          <p:cNvPr id="3" name="Groupe 48"/>
+          <p:cNvGrpSpPr/>
+          <p:nvPr/>
+        </p:nvGrpSpPr>
+        <p:grpSpPr>
+          <a:xfrm>
+            <a:off x="0" y="795608"/>
+            <a:ext cx="9143984" cy="185120"/>
+            <a:chOff x="0" y="738000"/>
+            <a:chExt cx="9143984" cy="185120"/>
+          </a:xfrm>
+        </p:grpSpPr>
+        <p:grpSp>
+          <p:nvGrpSpPr>
+            <p:cNvPr id="8" name="Groupe 31"/>
+            <p:cNvGrpSpPr/>
+            <p:nvPr/>
+          </p:nvGrpSpPr>
+          <p:grpSpPr>
+            <a:xfrm>
+              <a:off x="899983" y="738000"/>
+              <a:ext cx="8244001" cy="62704"/>
+              <a:chOff x="899983" y="738000"/>
+              <a:chExt cx="8208017" cy="62704"/>
+            </a:xfrm>
+          </p:grpSpPr>
+          <p:sp>
+            <p:nvSpPr>
+              <p:cNvPr id="7" name="Rectangle 6"/>
+              <p:cNvSpPr/>
+              <p:nvPr/>
+            </p:nvSpPr>
+            <p:spPr>
+              <a:xfrm>
+                <a:off x="900000" y="738000"/>
+                <a:ext cx="8208000" cy="57600"/>
+              </a:xfrm>
+              <a:prstGeom prst="rect">
+                <a:avLst/>
+              </a:prstGeom>
+              <a:gradFill flip="none" rotWithShape="1">
+                <a:gsLst>
+                  <a:gs pos="0">
+                    <a:srgbClr val="E20000">
+                      <a:tint val="66000"/>
+                      <a:satMod val="160000"/>
+                    </a:srgbClr>
+                  </a:gs>
+                  <a:gs pos="50000">
+                    <a:srgbClr val="E20000">
+                      <a:tint val="44500"/>
+                      <a:satMod val="160000"/>
+                    </a:srgbClr>
+                  </a:gs>
+                  <a:gs pos="100000">
+                    <a:srgbClr val="E20000">
+                      <a:tint val="23500"/>
+                      <a:satMod val="160000"/>
+                    </a:srgbClr>
+                  </a:gs>
+                </a:gsLst>
+                <a:lin ang="13500000" scaled="1"/>
+                <a:tileRect/>
+              </a:gradFill>
+              <a:ln>
+                <a:noFill/>
+              </a:ln>
+            </p:spPr>
+            <p:style>
+              <a:lnRef idx="2">
+                <a:schemeClr val="accent1">
+                  <a:shade val="50000"/>
+                </a:schemeClr>
+              </a:lnRef>
+              <a:fillRef idx="1">
+                <a:schemeClr val="accent1"/>
+              </a:fillRef>
+              <a:effectRef idx="0">
+                <a:schemeClr val="accent1"/>
+              </a:effectRef>
+              <a:fontRef idx="minor">
+                <a:schemeClr val="lt1"/>
+              </a:fontRef>
+            </p:style>
+            <p:txBody>
+              <a:bodyPr rtlCol="0" anchor="ctr"/>
+              <a:lstStyle/>
+              <a:p>
+                <a:pPr algn="ctr"/>
+                <a:endParaRPr lang="fr-FR" dirty="0">
+                  <a:solidFill>
+                    <a:schemeClr val="tx1"/>
+                  </a:solidFill>
+                </a:endParaRPr>
+              </a:p>
+            </p:txBody>
+          </p:sp>
+          <p:sp>
+            <p:nvSpPr>
+              <p:cNvPr id="17" name="Rectangle 16"/>
+              <p:cNvSpPr/>
+              <p:nvPr/>
+            </p:nvSpPr>
+            <p:spPr>
+              <a:xfrm>
+                <a:off x="899983" y="764704"/>
+                <a:ext cx="8208016" cy="36000"/>
+              </a:xfrm>
+              <a:prstGeom prst="rect">
+                <a:avLst/>
+              </a:prstGeom>
+              <a:solidFill>
+                <a:srgbClr val="C00000"/>
+              </a:solidFill>
+              <a:ln>
+                <a:noFill/>
+              </a:ln>
+            </p:spPr>
+            <p:style>
+              <a:lnRef idx="2">
+                <a:schemeClr val="accent1">
+                  <a:shade val="50000"/>
+                </a:schemeClr>
+              </a:lnRef>
+              <a:fillRef idx="1">
+                <a:schemeClr val="accent1"/>
+              </a:fillRef>
+              <a:effectRef idx="0">
+                <a:schemeClr val="accent1"/>
+              </a:effectRef>
+              <a:fontRef idx="minor">
+                <a:schemeClr val="lt1"/>
+              </a:fontRef>
+            </p:style>
+            <p:txBody>
+              <a:bodyPr rtlCol="0" anchor="ctr"/>
+              <a:lstStyle/>
+              <a:p>
+                <a:pPr algn="ctr"/>
+                <a:endParaRPr lang="fr-FR" dirty="0">
+                  <a:solidFill>
+                    <a:schemeClr val="tx1"/>
+                  </a:solidFill>
+                </a:endParaRPr>
+              </a:p>
+            </p:txBody>
+          </p:sp>
+        </p:grpSp>
+        <p:grpSp>
+          <p:nvGrpSpPr>
+            <p:cNvPr id="9" name="Groupe 29"/>
+            <p:cNvGrpSpPr/>
+            <p:nvPr/>
+          </p:nvGrpSpPr>
+          <p:grpSpPr>
+            <a:xfrm>
+              <a:off x="0" y="860400"/>
+              <a:ext cx="936000" cy="62720"/>
+              <a:chOff x="0" y="835200"/>
+              <a:chExt cx="1008000" cy="62720"/>
+            </a:xfrm>
+          </p:grpSpPr>
+          <p:sp>
+            <p:nvSpPr>
+              <p:cNvPr id="28" name="Rectangle 27"/>
+              <p:cNvSpPr/>
+              <p:nvPr/>
+            </p:nvSpPr>
+            <p:spPr>
+              <a:xfrm>
+                <a:off x="0" y="835200"/>
+                <a:ext cx="1008000" cy="46800"/>
+              </a:xfrm>
+              <a:prstGeom prst="rect">
+                <a:avLst/>
+              </a:prstGeom>
+              <a:gradFill flip="none" rotWithShape="1">
+                <a:gsLst>
+                  <a:gs pos="0">
+                    <a:schemeClr val="tx1">
+                      <a:tint val="66000"/>
+                      <a:satMod val="160000"/>
+                    </a:schemeClr>
+                  </a:gs>
+                  <a:gs pos="50000">
+                    <a:schemeClr val="tx1">
+                      <a:tint val="44500"/>
+                      <a:satMod val="160000"/>
+                    </a:schemeClr>
+                  </a:gs>
+                  <a:gs pos="100000">
+                    <a:schemeClr val="tx1">
+                      <a:tint val="23500"/>
+                      <a:satMod val="160000"/>
+                    </a:schemeClr>
+                  </a:gs>
+                </a:gsLst>
+                <a:path path="circle">
+                  <a:fillToRect t="100000" r="100000"/>
+                </a:path>
+                <a:tileRect l="-100000" b="-100000"/>
+              </a:gradFill>
+              <a:ln>
+                <a:noFill/>
+              </a:ln>
+            </p:spPr>
+            <p:style>
+              <a:lnRef idx="2">
+                <a:schemeClr val="accent1">
+                  <a:shade val="50000"/>
+                </a:schemeClr>
+              </a:lnRef>
+              <a:fillRef idx="1">
+                <a:schemeClr val="accent1"/>
+              </a:fillRef>
+              <a:effectRef idx="0">
+                <a:schemeClr val="accent1"/>
+              </a:effectRef>
+              <a:fontRef idx="minor">
+                <a:schemeClr val="lt1"/>
+              </a:fontRef>
+            </p:style>
+            <p:txBody>
+              <a:bodyPr rtlCol="0" anchor="ctr"/>
+              <a:lstStyle/>
+              <a:p>
+                <a:pPr algn="ctr"/>
+                <a:endParaRPr lang="fr-FR" dirty="0">
+                  <a:solidFill>
+                    <a:schemeClr val="tx1"/>
+                  </a:solidFill>
+                </a:endParaRPr>
+              </a:p>
+            </p:txBody>
+          </p:sp>
+          <p:sp>
+            <p:nvSpPr>
+              <p:cNvPr id="20" name="Rectangle 19"/>
+              <p:cNvSpPr/>
+              <p:nvPr/>
+            </p:nvSpPr>
+            <p:spPr>
+              <a:xfrm>
+                <a:off x="0" y="861920"/>
+                <a:ext cx="1008000" cy="36000"/>
+              </a:xfrm>
+              <a:prstGeom prst="rect">
+                <a:avLst/>
+              </a:prstGeom>
+              <a:solidFill>
+                <a:schemeClr val="tx1"/>
+              </a:solidFill>
+              <a:ln>
+                <a:noFill/>
+              </a:ln>
+            </p:spPr>
+            <p:style>
+              <a:lnRef idx="2">
+                <a:schemeClr val="accent1">
+                  <a:shade val="50000"/>
+                </a:schemeClr>
+              </a:lnRef>
+              <a:fillRef idx="1">
+                <a:schemeClr val="accent1"/>
+              </a:fillRef>
+              <a:effectRef idx="0">
+                <a:schemeClr val="accent1"/>
+              </a:effectRef>
+              <a:fontRef idx="minor">
+                <a:schemeClr val="lt1"/>
+              </a:fontRef>
+            </p:style>
+            <p:txBody>
+              <a:bodyPr rtlCol="0" anchor="ctr"/>
+              <a:lstStyle/>
+              <a:p>
+                <a:pPr algn="ctr"/>
+                <a:endParaRPr lang="fr-FR" dirty="0">
+                  <a:solidFill>
+                    <a:schemeClr val="tx1"/>
+                  </a:solidFill>
+                </a:endParaRPr>
+              </a:p>
+            </p:txBody>
+          </p:sp>
+        </p:grpSp>
+      </p:grpSp>
+      <p:sp>
+        <p:nvSpPr>
+          <p:cNvPr id="48" name="Rectangle 47"/>
+          <p:cNvSpPr/>
+          <p:nvPr/>
+        </p:nvSpPr>
+        <p:spPr>
+          <a:xfrm>
+            <a:off x="512" y="0"/>
+            <a:ext cx="9144000" cy="72000"/>
+          </a:xfrm>
+          <a:prstGeom prst="rect">
+            <a:avLst/>
+          </a:prstGeom>
+          <a:gradFill flip="none" rotWithShape="1">
+            <a:gsLst>
+              <a:gs pos="0">
+                <a:srgbClr val="E20000">
+                  <a:tint val="66000"/>
+                  <a:satMod val="160000"/>
+                </a:srgbClr>
+              </a:gs>
+              <a:gs pos="50000">
+                <a:srgbClr val="E20000">
+                  <a:tint val="44500"/>
+                  <a:satMod val="160000"/>
+                </a:srgbClr>
+              </a:gs>
+              <a:gs pos="100000">
+                <a:srgbClr val="E20000">
+                  <a:tint val="23500"/>
+                  <a:satMod val="160000"/>
+                </a:srgbClr>
+              </a:gs>
+            </a:gsLst>
+            <a:lin ang="13500000" scaled="1"/>
+            <a:tileRect/>
+          </a:gradFill>
+          <a:ln>
+            <a:noFill/>
+          </a:ln>
+        </p:spPr>
+        <p:style>
+          <a:lnRef idx="2">
+            <a:schemeClr val="accent1">
+              <a:shade val="50000"/>
+            </a:schemeClr>
+          </a:lnRef>
+          <a:fillRef idx="1">
+            <a:schemeClr val="accent1"/>
+          </a:fillRef>
+          <a:effectRef idx="0">
+            <a:schemeClr val="accent1"/>
+          </a:effectRef>
+          <a:fontRef idx="minor">
+            <a:schemeClr val="lt1"/>
+          </a:fontRef>
+        </p:style>
+        <p:txBody>
+          <a:bodyPr rtlCol="0" anchor="ctr"/>
+          <a:lstStyle/>
+          <a:p>
+            <a:pPr algn="ctr"/>
+            <a:endParaRPr lang="fr-FR" dirty="0">
+              <a:solidFill>
+                <a:schemeClr val="tx1"/>
+              </a:solidFill>
+            </a:endParaRPr>
+          </a:p>
+        </p:txBody>
+      </p:sp>
+      <p:sp>
+        <p:nvSpPr>
+          <p:cNvPr id="25" name="Espace réservé du contenu 2"/>
+          <p:cNvSpPr>
+            <a:spLocks noGrp="1"/>
+          </p:cNvSpPr>
+          <p:nvPr>
+            <p:ph idx="1"/>
+          </p:nvPr>
+        </p:nvSpPr>
+        <p:spPr>
+          <a:xfrm>
+            <a:off x="878904" y="620688"/>
+            <a:ext cx="7653536" cy="5184576"/>
+          </a:xfrm>
+        </p:spPr>
+        <p:txBody>
+          <a:bodyPr>
+            <a:normAutofit/>
+          </a:bodyPr>
+          <a:lstStyle/>
+          <a:p>
+            <a:pPr>
+              <a:buNone/>
+            </a:pPr>
+            <a:endParaRPr lang="fr-FR" sz="2800" dirty="0" smtClean="0">
+              <a:solidFill>
+                <a:srgbClr val="920000"/>
+              </a:solidFill>
+              <a:latin typeface="Sylfaen" pitchFamily="18" charset="0"/>
+            </a:endParaRPr>
+          </a:p>
+          <a:p>
+            <a:pPr lvl="1">
+              <a:buFont typeface="Wingdings" pitchFamily="2" charset="2"/>
+              <a:buChar char="§"/>
+            </a:pPr>
+            <a:r>
+              <a:rPr lang="fr-FR" dirty="0" smtClean="0">
+                <a:solidFill>
+                  <a:srgbClr val="920000"/>
+                </a:solidFill>
+                <a:latin typeface="Sylfaen" pitchFamily="18" charset="0"/>
+              </a:rPr>
+              <a:t>Rendu 3D </a:t>
+            </a:r>
+          </a:p>
+          <a:p>
+            <a:pPr lvl="1">
+              <a:buFont typeface="Wingdings" pitchFamily="2" charset="2"/>
+              <a:buChar char="§"/>
+            </a:pPr>
+            <a:endParaRPr lang="fr-FR" sz="1800" dirty="0" smtClean="0">
+              <a:latin typeface="Sylfaen" pitchFamily="18" charset="0"/>
+            </a:endParaRPr>
+          </a:p>
+        </p:txBody>
+      </p:sp>
+      <p:sp>
+        <p:nvSpPr>
+          <p:cNvPr id="13" name="ZoneTexte 12"/>
+          <p:cNvSpPr txBox="1"/>
+          <p:nvPr/>
+        </p:nvSpPr>
+        <p:spPr>
+          <a:xfrm>
+            <a:off x="3203848" y="5733256"/>
+            <a:ext cx="3600400" cy="369332"/>
+          </a:xfrm>
+          <a:prstGeom prst="rect">
+            <a:avLst/>
+          </a:prstGeom>
+          <a:noFill/>
+        </p:spPr>
+        <p:txBody>
+          <a:bodyPr wrap="square" rtlCol="0">
+            <a:spAutoFit/>
+          </a:bodyPr>
+          <a:lstStyle/>
+          <a:p>
+            <a:r>
+              <a:rPr lang="fr-FR" b="1" dirty="0" smtClean="0"/>
+              <a:t>Ombres dures + douces</a:t>
+            </a:r>
+            <a:endParaRPr lang="fr-FR" b="1" dirty="0"/>
+          </a:p>
+        </p:txBody>
+      </p:sp>
+      <p:pic>
+        <p:nvPicPr>
+          <p:cNvPr id="22" name="Image 21" descr="Capture d’écran 2011-04-25 à 23.19.59.png"/>
+          <p:cNvPicPr>
+            <a:picLocks noChangeAspect="1"/>
+          </p:cNvPicPr>
+          <p:nvPr/>
+        </p:nvPicPr>
+        <p:blipFill>
+          <a:blip r:embed="rId4" cstate="print">
+            <a:extLst>
+              <a:ext uri="{28A0092B-C50C-407E-A947-70E740481C1C}">
+                <a14:useLocalDpi xmlns:a14="http://schemas.microsoft.com/office/drawing/2010/main" val="0"/>
+              </a:ext>
+            </a:extLst>
+          </a:blip>
+          <a:stretch>
+            <a:fillRect/>
+          </a:stretch>
+        </p:blipFill>
+        <p:spPr>
+          <a:xfrm>
+            <a:off x="971600" y="1628800"/>
+            <a:ext cx="7610816" cy="4135067"/>
+          </a:xfrm>
+          <a:prstGeom prst="rect">
+            <a:avLst/>
+          </a:prstGeom>
+        </p:spPr>
+      </p:pic>
+    </p:spTree>
+    <p:extLst>
+      <p:ext uri="{BB962C8B-B14F-4D97-AF65-F5344CB8AC3E}">
+        <p14:creationId xmlns:p14="http://schemas.microsoft.com/office/powerpoint/2010/main" val="2999098417"/>
+      </p:ext>
+    </p:extLst>
+  </p:cSld>
+  <p:clrMapOvr>
+    <a:masterClrMapping/>
+  </p:clrMapOvr>
+  <p:timing>
+    <p:tnLst>
+      <p:par>
+        <p:cTn xmlns:p14="http://schemas.microsoft.com/office/powerpoint/2010/main" id="1" dur="indefinite" restart="never" nodeType="tmRoot"/>
+      </p:par>
+    </p:tnLst>
+  </p:timing>
+</p:sld>
+</file>
+
+<file path=ppt/slides/slide6.xml><?xml version="1.0" encoding="utf-8"?>
+<p:sld xmlns:a="http://schemas.openxmlformats.org/drawingml/2006/main" xmlns:r="http://schemas.openxmlformats.org/officeDocument/2006/relationships" xmlns:p="http://schemas.openxmlformats.org/presentationml/2006/main">
+  <p:cSld>
+    <p:spTree>
+      <p:nvGrpSpPr>
+        <p:cNvPr id="1" name=""/>
+        <p:cNvGrpSpPr/>
+        <p:nvPr/>
+      </p:nvGrpSpPr>
+      <p:grpSpPr>
+        <a:xfrm>
+          <a:off x="0" y="0"/>
+          <a:ext cx="0" cy="0"/>
+          <a:chOff x="0" y="0"/>
+          <a:chExt cx="0" cy="0"/>
+        </a:xfrm>
+      </p:grpSpPr>
+      <p:sp>
+        <p:nvSpPr>
+          <p:cNvPr id="27" name="Rectangle 26"/>
+          <p:cNvSpPr/>
+          <p:nvPr/>
+        </p:nvSpPr>
+        <p:spPr>
+          <a:xfrm>
+            <a:off x="1619672" y="6309320"/>
+            <a:ext cx="7452000" cy="72000"/>
+          </a:xfrm>
+          <a:prstGeom prst="rect">
+            <a:avLst/>
+          </a:prstGeom>
+          <a:gradFill flip="none" rotWithShape="1">
+            <a:gsLst>
+              <a:gs pos="0">
+                <a:srgbClr val="E20000">
+                  <a:tint val="66000"/>
+                  <a:satMod val="160000"/>
+                </a:srgbClr>
+              </a:gs>
+              <a:gs pos="50000">
+                <a:srgbClr val="E20000">
+                  <a:tint val="44500"/>
+                  <a:satMod val="160000"/>
+                </a:srgbClr>
+              </a:gs>
+              <a:gs pos="100000">
+                <a:srgbClr val="E20000">
+                  <a:tint val="23500"/>
+                  <a:satMod val="160000"/>
+                </a:srgbClr>
+              </a:gs>
+            </a:gsLst>
+            <a:lin ang="13500000" scaled="1"/>
+            <a:tileRect/>
+          </a:gradFill>
+          <a:ln>
+            <a:noFill/>
+          </a:ln>
+        </p:spPr>
+        <p:style>
+          <a:lnRef idx="2">
+            <a:schemeClr val="accent1">
+              <a:shade val="50000"/>
+            </a:schemeClr>
+          </a:lnRef>
+          <a:fillRef idx="1">
+            <a:schemeClr val="accent1"/>
+          </a:fillRef>
+          <a:effectRef idx="0">
+            <a:schemeClr val="accent1"/>
+          </a:effectRef>
+          <a:fontRef idx="minor">
+            <a:schemeClr val="lt1"/>
+          </a:fontRef>
+        </p:style>
+        <p:txBody>
+          <a:bodyPr rtlCol="0" anchor="ctr"/>
+          <a:lstStyle/>
+          <a:p>
+            <a:pPr algn="ctr"/>
+            <a:endParaRPr lang="fr-FR" dirty="0">
+              <a:solidFill>
+                <a:schemeClr val="tx1"/>
+              </a:solidFill>
+            </a:endParaRPr>
+          </a:p>
+        </p:txBody>
+      </p:sp>
+      <p:sp>
+        <p:nvSpPr>
+          <p:cNvPr id="2" name="Titre 1"/>
+          <p:cNvSpPr>
+            <a:spLocks noGrp="1"/>
+          </p:cNvSpPr>
+          <p:nvPr>
+            <p:ph type="title"/>
+          </p:nvPr>
+        </p:nvSpPr>
+        <p:spPr>
+          <a:xfrm>
+            <a:off x="467544" y="-99392"/>
+            <a:ext cx="8229600" cy="1143000"/>
+          </a:xfrm>
+        </p:spPr>
+        <p:txBody>
+          <a:bodyPr/>
+          <a:lstStyle/>
+          <a:p>
+            <a:r>
+              <a:rPr lang="fr-FR" dirty="0" err="1" smtClean="0">
+                <a:latin typeface="Sylfaen" pitchFamily="18" charset="0"/>
+              </a:rPr>
+              <a:t>Path</a:t>
+            </a:r>
+            <a:r>
+              <a:rPr lang="fr-FR" dirty="0" smtClean="0">
+                <a:latin typeface="Sylfaen" pitchFamily="18" charset="0"/>
+              </a:rPr>
+              <a:t> </a:t>
+            </a:r>
+            <a:r>
+              <a:rPr lang="fr-FR" dirty="0" err="1" smtClean="0">
+                <a:latin typeface="Sylfaen" pitchFamily="18" charset="0"/>
+              </a:rPr>
+              <a:t>tracing</a:t>
+            </a:r>
+            <a:endParaRPr lang="fr-FR" dirty="0">
+              <a:effectLst>
+                <a:outerShdw blurRad="38100" dist="38100" dir="2700000" algn="tl">
+                  <a:srgbClr val="000000">
+                    <a:alpha val="43137"/>
+                  </a:srgbClr>
+                </a:outerShdw>
+              </a:effectLst>
+              <a:latin typeface="Sylfaen" pitchFamily="18" charset="0"/>
+            </a:endParaRPr>
+          </a:p>
+        </p:txBody>
+      </p:sp>
+      <p:sp>
+        <p:nvSpPr>
+          <p:cNvPr id="4" name="Rectangle 3"/>
+          <p:cNvSpPr/>
+          <p:nvPr/>
+        </p:nvSpPr>
+        <p:spPr>
+          <a:xfrm>
+            <a:off x="1619672" y="6453336"/>
+            <a:ext cx="7452320" cy="360040"/>
+          </a:xfrm>
+          <a:prstGeom prst="rect">
+            <a:avLst/>
+          </a:prstGeom>
+          <a:solidFill>
+            <a:srgbClr val="C00000"/>
+          </a:solidFill>
+          <a:ln>
+            <a:noFill/>
+          </a:ln>
+        </p:spPr>
+        <p:style>
+          <a:lnRef idx="2">
+            <a:schemeClr val="accent1">
+              <a:shade val="50000"/>
+            </a:schemeClr>
+          </a:lnRef>
+          <a:fillRef idx="1">
+            <a:schemeClr val="accent1"/>
+          </a:fillRef>
+          <a:effectRef idx="0">
+            <a:schemeClr val="accent1"/>
+          </a:effectRef>
+          <a:fontRef idx="minor">
+            <a:schemeClr val="lt1"/>
+          </a:fontRef>
+        </p:style>
+        <p:txBody>
+          <a:bodyPr rtlCol="0" anchor="ctr"/>
+          <a:lstStyle/>
+          <a:p>
+            <a:pPr algn="ctr"/>
+            <a:endParaRPr lang="fr-FR" dirty="0">
+              <a:solidFill>
+                <a:schemeClr val="tx1"/>
+              </a:solidFill>
+            </a:endParaRPr>
+          </a:p>
+        </p:txBody>
+      </p:sp>
+      <p:sp>
+        <p:nvSpPr>
+          <p:cNvPr id="5" name="Rectangle 4"/>
+          <p:cNvSpPr/>
+          <p:nvPr/>
+        </p:nvSpPr>
+        <p:spPr>
+          <a:xfrm>
+            <a:off x="144016" y="6309320"/>
+            <a:ext cx="1403648" cy="504056"/>
+          </a:xfrm>
+          <a:prstGeom prst="rect">
+            <a:avLst/>
+          </a:prstGeom>
+          <a:solidFill>
+            <a:schemeClr val="tx1"/>
+          </a:solidFill>
+          <a:ln>
+            <a:noFill/>
+          </a:ln>
+        </p:spPr>
+        <p:style>
+          <a:lnRef idx="2">
+            <a:schemeClr val="accent1">
+              <a:shade val="50000"/>
+            </a:schemeClr>
+          </a:lnRef>
+          <a:fillRef idx="1">
+            <a:schemeClr val="accent1"/>
+          </a:fillRef>
+          <a:effectRef idx="0">
+            <a:schemeClr val="accent1"/>
+          </a:effectRef>
+          <a:fontRef idx="minor">
+            <a:schemeClr val="lt1"/>
+          </a:fontRef>
+        </p:style>
+        <p:txBody>
+          <a:bodyPr rtlCol="0" anchor="ctr"/>
+          <a:lstStyle/>
+          <a:p>
+            <a:pPr algn="ctr"/>
+            <a:endParaRPr lang="fr-FR" dirty="0">
+              <a:solidFill>
+                <a:schemeClr val="tx1"/>
+              </a:solidFill>
+            </a:endParaRPr>
+          </a:p>
+        </p:txBody>
+      </p:sp>
+      <p:pic>
+        <p:nvPicPr>
+          <p:cNvPr id="6" name="Picture 2" descr="C:\Users\Erwan\Desktop\logo_telecom-paristech.gif"/>
+          <p:cNvPicPr>
+            <a:picLocks noChangeAspect="1" noChangeArrowheads="1"/>
+          </p:cNvPicPr>
+          <p:nvPr/>
+        </p:nvPicPr>
+        <p:blipFill>
+          <a:blip r:embed="rId3" cstate="print"/>
+          <a:srcRect/>
+          <a:stretch>
+            <a:fillRect/>
+          </a:stretch>
+        </p:blipFill>
+        <p:spPr bwMode="auto">
+          <a:xfrm>
+            <a:off x="107504" y="6309376"/>
+            <a:ext cx="504000" cy="504000"/>
+          </a:xfrm>
+          <a:prstGeom prst="rect">
+            <a:avLst/>
+          </a:prstGeom>
+          <a:noFill/>
+        </p:spPr>
+      </p:pic>
+      <p:sp>
+        <p:nvSpPr>
+          <p:cNvPr id="10" name="ZoneTexte 9"/>
+          <p:cNvSpPr txBox="1"/>
+          <p:nvPr/>
+        </p:nvSpPr>
+        <p:spPr>
+          <a:xfrm>
+            <a:off x="1692000" y="6462000"/>
+            <a:ext cx="7452320" cy="307777"/>
+          </a:xfrm>
+          <a:prstGeom prst="rect">
+            <a:avLst/>
+          </a:prstGeom>
+          <a:noFill/>
+          <a:ln>
+            <a:noFill/>
+          </a:ln>
+        </p:spPr>
+        <p:txBody>
+          <a:bodyPr wrap="square" rtlCol="0">
+            <a:spAutoFit/>
+          </a:bodyPr>
+          <a:lstStyle/>
+          <a:p>
             <a:r>
               <a:rPr lang="fr-FR" sz="1400" dirty="0" smtClean="0">
                 <a:solidFill>
@@ -14461,8 +11209,49 @@
                 </a:solidFill>
                 <a:latin typeface="Sylfaen" pitchFamily="18" charset="0"/>
               </a:rPr>
-              <a:t>/X</a:t>
-            </a:r>
+              <a:t>P. Besson - J. Del Ojo Balaguer - E. Fruch	                Projet 3D 	                   29/04/2011</a:t>
+            </a:r>
+            <a:endParaRPr lang="fr-FR" dirty="0">
+              <a:solidFill>
+                <a:schemeClr val="bg1"/>
+              </a:solidFill>
+              <a:latin typeface="Sylfaen" pitchFamily="18" charset="0"/>
+            </a:endParaRPr>
+          </a:p>
+        </p:txBody>
+      </p:sp>
+      <p:sp>
+        <p:nvSpPr>
+          <p:cNvPr id="11" name="ZoneTexte 10"/>
+          <p:cNvSpPr txBox="1"/>
+          <p:nvPr/>
+        </p:nvSpPr>
+        <p:spPr>
+          <a:xfrm>
+            <a:off x="827584" y="6433591"/>
+            <a:ext cx="504056" cy="307777"/>
+          </a:xfrm>
+          <a:prstGeom prst="rect">
+            <a:avLst/>
+          </a:prstGeom>
+          <a:noFill/>
+        </p:spPr>
+        <p:txBody>
+          <a:bodyPr wrap="square" rtlCol="0">
+            <a:spAutoFit/>
+          </a:bodyPr>
+          <a:lstStyle/>
+          <a:p>
+            <a:fld id="{021DECB1-271F-4901-8E89-1067FB53F5BF}" type="slidenum">
+              <a:rPr lang="fr-FR" sz="1400" smtClean="0">
+                <a:solidFill>
+                  <a:schemeClr val="bg1"/>
+                </a:solidFill>
+                <a:latin typeface="Sylfaen" pitchFamily="18" charset="0"/>
+              </a:rPr>
+              <a:pPr/>
+              <a:t>6</a:t>
+            </a:fld>
             <a:endParaRPr lang="fr-FR" dirty="0">
               <a:solidFill>
                 <a:schemeClr val="bg1"/>
@@ -14884,7 +11673,7 @@
       </p:sp>
       <p:sp>
         <p:nvSpPr>
-          <p:cNvPr id="25" name="Espace réservé du contenu 2"/>
+          <p:cNvPr id="23" name="Espace réservé du contenu 2"/>
           <p:cNvSpPr>
             <a:spLocks noGrp="1"/>
           </p:cNvSpPr>
@@ -14894,8 +11683,8 @@
         </p:nvSpPr>
         <p:spPr>
           <a:xfrm>
-            <a:off x="878904" y="764704"/>
-            <a:ext cx="7653536" cy="5184576"/>
+            <a:off x="878904" y="980728"/>
+            <a:ext cx="7797552" cy="5184576"/>
           </a:xfrm>
         </p:spPr>
         <p:txBody>
@@ -14920,107 +11709,124 @@
               <a:buChar char="§"/>
             </a:pPr>
             <a:r>
-              <a:rPr lang="fr-FR" dirty="0" smtClean="0">
-                <a:solidFill>
-                  <a:srgbClr val="920000"/>
-                </a:solidFill>
+              <a:rPr lang="fr-FR" sz="2400" dirty="0" smtClean="0">
                 <a:latin typeface="Sylfaen" pitchFamily="18" charset="0"/>
               </a:rPr>
-              <a:t>Rendu 3D </a:t>
-            </a:r>
-          </a:p>
-        </p:txBody>
-      </p:sp>
-      <p:pic>
-        <p:nvPicPr>
-          <p:cNvPr id="3" name="Image 2" descr="Capture d’écran 2011-04-29 à 01.24.45.png"/>
-          <p:cNvPicPr>
-            <a:picLocks noChangeAspect="1"/>
-          </p:cNvPicPr>
-          <p:nvPr/>
-        </p:nvPicPr>
-        <p:blipFill>
-          <a:blip r:embed="rId4">
-            <a:extLst>
-              <a:ext uri="{28A0092B-C50C-407E-A947-70E740481C1C}">
-                <a14:useLocalDpi xmlns:a14="http://schemas.microsoft.com/office/drawing/2010/main" val="0"/>
-              </a:ext>
-            </a:extLst>
-          </a:blip>
-          <a:stretch>
-            <a:fillRect/>
-          </a:stretch>
-        </p:blipFill>
-        <p:spPr>
-          <a:xfrm>
-            <a:off x="5940152" y="1669904"/>
-            <a:ext cx="2886752" cy="4495400"/>
-          </a:xfrm>
-          <a:prstGeom prst="rect">
-            <a:avLst/>
-          </a:prstGeom>
-        </p:spPr>
-      </p:pic>
-      <p:pic>
-        <p:nvPicPr>
-          <p:cNvPr id="13" name="Image 12" descr="render.jpg"/>
-          <p:cNvPicPr>
-            <a:picLocks noChangeAspect="1"/>
-          </p:cNvPicPr>
-          <p:nvPr/>
-        </p:nvPicPr>
-        <p:blipFill>
-          <a:blip r:embed="rId5">
-            <a:extLst>
-              <a:ext uri="{28A0092B-C50C-407E-A947-70E740481C1C}">
-                <a14:useLocalDpi xmlns:a14="http://schemas.microsoft.com/office/drawing/2010/main" val="0"/>
-              </a:ext>
-            </a:extLst>
-          </a:blip>
-          <a:stretch>
-            <a:fillRect/>
-          </a:stretch>
-        </p:blipFill>
-        <p:spPr>
-          <a:xfrm>
-            <a:off x="2899346" y="1844824"/>
-            <a:ext cx="3040806" cy="3456384"/>
-          </a:xfrm>
-          <a:prstGeom prst="rect">
-            <a:avLst/>
-          </a:prstGeom>
-        </p:spPr>
-      </p:pic>
-      <p:pic>
-        <p:nvPicPr>
-          <p:cNvPr id="15" name="Image 14" descr="snapshot.jpg"/>
-          <p:cNvPicPr>
-            <a:picLocks noChangeAspect="1"/>
-          </p:cNvPicPr>
-          <p:nvPr/>
-        </p:nvPicPr>
-        <p:blipFill>
-          <a:blip r:embed="rId6">
-            <a:extLst>
-              <a:ext uri="{28A0092B-C50C-407E-A947-70E740481C1C}">
-                <a14:useLocalDpi xmlns:a14="http://schemas.microsoft.com/office/drawing/2010/main" val="0"/>
-              </a:ext>
-            </a:extLst>
-          </a:blip>
-          <a:stretch>
-            <a:fillRect/>
-          </a:stretch>
-        </p:blipFill>
-        <p:spPr>
-          <a:xfrm>
-            <a:off x="3478" y="2420888"/>
-            <a:ext cx="2787406" cy="3168352"/>
-          </a:xfrm>
-          <a:prstGeom prst="rect">
-            <a:avLst/>
-          </a:prstGeom>
-        </p:spPr>
-      </p:pic>
+              <a:t>Lancé de rayons de rayon (méthode récursive)</a:t>
+            </a:r>
+          </a:p>
+          <a:p>
+            <a:pPr marL="457200" lvl="1" indent="0">
+              <a:buNone/>
+            </a:pPr>
+            <a:endParaRPr lang="fr-FR" sz="1800" dirty="0" smtClean="0">
+              <a:latin typeface="Sylfaen" pitchFamily="18" charset="0"/>
+            </a:endParaRPr>
+          </a:p>
+          <a:p>
+            <a:pPr marL="457200" lvl="1" indent="0">
+              <a:buNone/>
+            </a:pPr>
+            <a:r>
+              <a:rPr lang="fr-FR" sz="1800" dirty="0" smtClean="0">
+                <a:latin typeface="Sylfaen" pitchFamily="18" charset="0"/>
+              </a:rPr>
+              <a:t>Propriété </a:t>
+            </a:r>
+            <a:r>
+              <a:rPr lang="fr-FR" sz="1800" dirty="0" smtClean="0">
+                <a:latin typeface="Sylfaen" pitchFamily="18" charset="0"/>
+              </a:rPr>
+              <a:t>des rayons</a:t>
+            </a:r>
+          </a:p>
+          <a:p>
+            <a:pPr lvl="2">
+              <a:buNone/>
+            </a:pPr>
+            <a:r>
+              <a:rPr lang="fr-FR" sz="1800" dirty="0" smtClean="0">
+                <a:latin typeface="Sylfaen" pitchFamily="18" charset="0"/>
+              </a:rPr>
+              <a:t> - Energie</a:t>
+            </a:r>
+          </a:p>
+          <a:p>
+            <a:pPr lvl="2">
+              <a:buNone/>
+            </a:pPr>
+            <a:r>
+              <a:rPr lang="fr-FR" sz="1800" dirty="0" smtClean="0">
+                <a:latin typeface="Sylfaen" pitchFamily="18" charset="0"/>
+              </a:rPr>
+              <a:t> - Orientation dans un cône centré autour de la normale</a:t>
+            </a:r>
+          </a:p>
+          <a:p>
+            <a:pPr lvl="2">
+              <a:buNone/>
+            </a:pPr>
+            <a:endParaRPr lang="fr-FR" sz="1800" dirty="0" smtClean="0">
+              <a:latin typeface="Sylfaen" pitchFamily="18" charset="0"/>
+            </a:endParaRPr>
+          </a:p>
+          <a:p>
+            <a:pPr lvl="2" indent="0">
+              <a:lnSpc>
+                <a:spcPct val="125000"/>
+              </a:lnSpc>
+              <a:buNone/>
+            </a:pPr>
+            <a:r>
+              <a:rPr lang="fr-FR" sz="1800" dirty="0" smtClean="0">
+                <a:latin typeface="Sylfaen" pitchFamily="18" charset="0"/>
+              </a:rPr>
+              <a:t>A chaque intersection : rayons d’énergie plus faible lancés en direction d’un autre objet, ainsi de suite jusqu’à une source</a:t>
+            </a:r>
+          </a:p>
+          <a:p>
+            <a:pPr lvl="1">
+              <a:buFont typeface="Wingdings" pitchFamily="2" charset="2"/>
+              <a:buChar char="§"/>
+            </a:pPr>
+            <a:endParaRPr lang="fr-FR" sz="2400" dirty="0" smtClean="0">
+              <a:latin typeface="Sylfaen" pitchFamily="18" charset="0"/>
+            </a:endParaRPr>
+          </a:p>
+          <a:p>
+            <a:pPr lvl="1">
+              <a:buFont typeface="Wingdings" pitchFamily="2" charset="2"/>
+              <a:buChar char="§"/>
+            </a:pPr>
+            <a:r>
+              <a:rPr lang="fr-FR" dirty="0" smtClean="0">
+                <a:latin typeface="Sylfaen" pitchFamily="18" charset="0"/>
+              </a:rPr>
+              <a:t>Chemin inverse non </a:t>
+            </a:r>
+            <a:r>
+              <a:rPr lang="fr-FR" dirty="0" smtClean="0">
+                <a:latin typeface="Sylfaen" pitchFamily="18" charset="0"/>
+              </a:rPr>
+              <a:t>calculé (non bidirectionnel)</a:t>
+            </a:r>
+            <a:endParaRPr lang="fr-FR" sz="2400" dirty="0" smtClean="0">
+              <a:latin typeface="Sylfaen" pitchFamily="18" charset="0"/>
+            </a:endParaRPr>
+          </a:p>
+          <a:p>
+            <a:pPr lvl="2" indent="0">
+              <a:lnSpc>
+                <a:spcPct val="125000"/>
+              </a:lnSpc>
+              <a:buNone/>
+            </a:pPr>
+            <a:endParaRPr lang="fr-FR" sz="1800" dirty="0" smtClean="0">
+              <a:latin typeface="Sylfaen" pitchFamily="18" charset="0"/>
+            </a:endParaRPr>
+          </a:p>
+        </p:txBody>
+      </p:sp>
     </p:spTree>
   </p:cSld>
   <p:clrMapOvr>
@@ -15145,23 +11951,22 @@
           <a:lstStyle/>
           <a:p>
             <a:r>
+              <a:rPr lang="fr-FR" dirty="0" err="1" smtClean="0">
+                <a:latin typeface="Sylfaen" pitchFamily="18" charset="0"/>
+              </a:rPr>
+              <a:t>Path</a:t>
+            </a:r>
+            <a:r>
               <a:rPr lang="fr-FR" dirty="0" smtClean="0">
                 <a:latin typeface="Sylfaen" pitchFamily="18" charset="0"/>
               </a:rPr>
-              <a:t>Calcul des </a:t>
-            </a:r>
-            <a:r>
-              <a:rPr lang="fr-FR" dirty="0" smtClean="0">
-                <a:effectLst>
-                  <a:outerShdw blurRad="38100" dist="38100" dir="2700000" algn="tl">
-                    <a:srgbClr val="000000">
-                      <a:alpha val="43137"/>
-                    </a:srgbClr>
-                  </a:outerShdw>
-                </a:effectLst>
+              <a:t> </a:t>
+            </a:r>
+            <a:r>
+              <a:rPr lang="fr-FR" dirty="0" err="1" smtClean="0">
                 <a:latin typeface="Sylfaen" pitchFamily="18" charset="0"/>
               </a:rPr>
-              <a:t>ombres</a:t>
+              <a:t>tracing</a:t>
             </a:r>
             <a:endParaRPr lang="fr-FR" dirty="0">
               <a:effectLst>
@@ -15377,15 +12182,6 @@
               <a:pPr/>
               <a:t>7</a:t>
             </a:fld>
-            <a:r>
-              <a:rPr lang="fr-FR" sz="1400" dirty="0" smtClean="0">
-                <a:solidFill>
-                  <a:schemeClr val="bg1"/>
-                </a:solidFill>
-                <a:latin typeface="Sylfaen" pitchFamily="18" charset="0"/>
-              </a:rPr>
-              <a:t>/X</a:t>
-            </a:r>
             <a:endParaRPr lang="fr-FR" dirty="0">
               <a:solidFill>
                 <a:schemeClr val="bg1"/>
@@ -15807,7 +12603,7 @@
       </p:sp>
       <p:sp>
         <p:nvSpPr>
-          <p:cNvPr id="25" name="Espace réservé du contenu 2"/>
+          <p:cNvPr id="23" name="Espace réservé du contenu 2"/>
           <p:cNvSpPr>
             <a:spLocks noGrp="1"/>
           </p:cNvSpPr>
@@ -15817,8 +12613,8 @@
         </p:nvSpPr>
         <p:spPr>
           <a:xfrm>
-            <a:off x="878904" y="620688"/>
-            <a:ext cx="7653536" cy="5184576"/>
+            <a:off x="878904" y="764704"/>
+            <a:ext cx="7797552" cy="5184576"/>
           </a:xfrm>
         </p:spPr>
         <p:txBody>
@@ -15827,10 +12623,11 @@
           </a:bodyPr>
           <a:lstStyle/>
           <a:p>
-            <a:pPr>
-              <a:buNone/>
+            <a:pPr lvl="1">
+              <a:buFont typeface="Wingdings" pitchFamily="2" charset="2"/>
+              <a:buChar char="§"/>
             </a:pPr>
-            <a:endParaRPr lang="fr-FR" sz="2800" dirty="0" smtClean="0">
+            <a:endParaRPr lang="fr-FR" dirty="0" smtClean="0">
               <a:solidFill>
                 <a:srgbClr val="920000"/>
               </a:solidFill>
@@ -15853,9 +12650,11 @@
             </a:r>
           </a:p>
           <a:p>
-            <a:pPr lvl="1">
-              <a:buFont typeface="Wingdings" pitchFamily="2" charset="2"/>
-              <a:buChar char="§"/>
+            <a:pPr lvl="2" indent="0">
+              <a:lnSpc>
+                <a:spcPct val="125000"/>
+              </a:lnSpc>
+              <a:buNone/>
             </a:pPr>
             <a:endParaRPr lang="fr-FR" sz="1800" dirty="0" smtClean="0">
               <a:latin typeface="Sylfaen" pitchFamily="18" charset="0"/>
@@ -15865,80 +12664,72 @@
       </p:sp>
       <p:pic>
         <p:nvPicPr>
-          <p:cNvPr id="15" name="Image 14" descr="snapshot.jpg"/>
+          <p:cNvPr id="1027" name="Picture 3" descr="C:\Users\Erwan\Desktop\LD.png"/>
           <p:cNvPicPr>
-            <a:picLocks noChangeAspect="1"/>
+            <a:picLocks noChangeAspect="1" noChangeArrowheads="1"/>
           </p:cNvPicPr>
           <p:nvPr/>
         </p:nvPicPr>
         <p:blipFill>
-          <a:blip r:embed="rId4">
-            <a:extLst>
-              <a:ext uri="{28A0092B-C50C-407E-A947-70E740481C1C}">
-                <a14:useLocalDpi xmlns:a14="http://schemas.microsoft.com/office/drawing/2010/main" val="0"/>
-              </a:ext>
-            </a:extLst>
-          </a:blip>
+          <a:blip r:embed="rId4" cstate="print"/>
+          <a:srcRect/>
           <a:stretch>
             <a:fillRect/>
           </a:stretch>
         </p:blipFill>
-        <p:spPr>
-          <a:xfrm>
-            <a:off x="179512" y="1124744"/>
-            <a:ext cx="3991059" cy="4536504"/>
-          </a:xfrm>
-          <a:prstGeom prst="rect">
-            <a:avLst/>
-          </a:prstGeom>
-        </p:spPr>
-      </p:pic>
-      <p:pic>
-        <p:nvPicPr>
-          <p:cNvPr id="12" name="Image 11" descr="renderSoft.jpg"/>
-          <p:cNvPicPr>
-            <a:picLocks noChangeAspect="1"/>
-          </p:cNvPicPr>
-          <p:nvPr/>
-        </p:nvPicPr>
-        <p:blipFill>
-          <a:blip r:embed="rId5">
-            <a:extLst>
-              <a:ext uri="{28A0092B-C50C-407E-A947-70E740481C1C}">
-                <a14:useLocalDpi xmlns:a14="http://schemas.microsoft.com/office/drawing/2010/main" val="0"/>
-              </a:ext>
-            </a:extLst>
-          </a:blip>
-          <a:stretch>
-            <a:fillRect/>
-          </a:stretch>
-        </p:blipFill>
-        <p:spPr>
-          <a:xfrm>
-            <a:off x="4826577" y="1124744"/>
-            <a:ext cx="3864359" cy="4392488"/>
-          </a:xfrm>
-          <a:prstGeom prst="rect">
-            <a:avLst/>
-          </a:prstGeom>
-        </p:spPr>
-      </p:pic>
-      <p:sp>
-        <p:nvSpPr>
-          <p:cNvPr id="13" name="ZoneTexte 12"/>
-          <p:cNvSpPr txBox="1"/>
-          <p:nvPr/>
-        </p:nvSpPr>
-        <p:spPr>
-          <a:xfrm>
-            <a:off x="3203848" y="5733256"/>
-            <a:ext cx="3600400" cy="369332"/>
+        <p:spPr bwMode="auto">
+          <a:xfrm>
+            <a:off x="467544" y="3212976"/>
+            <a:ext cx="5305425" cy="2905125"/>
           </a:xfrm>
           <a:prstGeom prst="rect">
             <a:avLst/>
           </a:prstGeom>
           <a:noFill/>
         </p:spPr>
+      </p:pic>
+      <p:pic>
+        <p:nvPicPr>
+          <p:cNvPr id="1026" name="Picture 2" descr="C:\Users\Erwan\Desktop\HD.png"/>
+          <p:cNvPicPr>
+            <a:picLocks noChangeAspect="1" noChangeArrowheads="1"/>
+          </p:cNvPicPr>
+          <p:nvPr/>
+        </p:nvPicPr>
+        <p:blipFill>
+          <a:blip r:embed="rId5" cstate="print"/>
+          <a:srcRect b="6088"/>
+          <a:stretch>
+            <a:fillRect/>
+          </a:stretch>
+        </p:blipFill>
+        <p:spPr bwMode="auto">
+          <a:xfrm>
+            <a:off x="3759646" y="908720"/>
+            <a:ext cx="5276850" cy="2880320"/>
+          </a:xfrm>
+          <a:prstGeom prst="rect">
+            <a:avLst/>
+          </a:prstGeom>
+          <a:noFill/>
+        </p:spPr>
+      </p:pic>
+      <p:sp>
+        <p:nvSpPr>
+          <p:cNvPr id="21" name="ZoneTexte 20"/>
+          <p:cNvSpPr txBox="1"/>
+          <p:nvPr/>
+        </p:nvSpPr>
+        <p:spPr>
+          <a:xfrm>
+            <a:off x="5978702" y="3861048"/>
+            <a:ext cx="3168352" cy="369332"/>
+          </a:xfrm>
+          <a:prstGeom prst="rect">
+            <a:avLst/>
+          </a:prstGeom>
+          <a:noFill/>
+        </p:spPr>
         <p:txBody>
           <a:bodyPr wrap="square" rtlCol="0">
             <a:spAutoFit/>
@@ -15946,19 +12737,161 @@
           <a:lstStyle/>
           <a:p>
             <a:r>
-              <a:rPr lang="fr-FR" b="1" dirty="0" smtClean="0"/>
-              <a:t>Ombres dures + douces</a:t>
-            </a:r>
-            <a:endParaRPr lang="fr-FR" b="1" dirty="0"/>
+              <a:rPr lang="fr-FR" dirty="0" smtClean="0">
+                <a:latin typeface="Sylfaen" pitchFamily="18" charset="0"/>
+              </a:rPr>
+              <a:t>Haute </a:t>
+            </a:r>
+            <a:r>
+              <a:rPr lang="fr-FR" dirty="0" smtClean="0">
+                <a:latin typeface="Sylfaen" pitchFamily="18" charset="0"/>
+              </a:rPr>
+              <a:t>qualité, basse précision</a:t>
+            </a:r>
+            <a:endParaRPr lang="fr-FR" dirty="0">
+              <a:latin typeface="Sylfaen" pitchFamily="18" charset="0"/>
+            </a:endParaRPr>
+          </a:p>
+        </p:txBody>
+      </p:sp>
+      <p:sp>
+        <p:nvSpPr>
+          <p:cNvPr id="22" name="ZoneTexte 21"/>
+          <p:cNvSpPr txBox="1"/>
+          <p:nvPr/>
+        </p:nvSpPr>
+        <p:spPr>
+          <a:xfrm>
+            <a:off x="683568" y="2852936"/>
+            <a:ext cx="3168352" cy="369332"/>
+          </a:xfrm>
+          <a:prstGeom prst="rect">
+            <a:avLst/>
+          </a:prstGeom>
+          <a:noFill/>
+        </p:spPr>
+        <p:txBody>
+          <a:bodyPr wrap="square" rtlCol="0">
+            <a:spAutoFit/>
+          </a:bodyPr>
+          <a:lstStyle/>
+          <a:p>
+            <a:r>
+              <a:rPr lang="fr-FR" dirty="0" smtClean="0">
+                <a:latin typeface="Sylfaen" pitchFamily="18" charset="0"/>
+              </a:rPr>
+              <a:t>Basse </a:t>
+            </a:r>
+            <a:r>
+              <a:rPr lang="fr-FR" dirty="0" smtClean="0">
+                <a:latin typeface="Sylfaen" pitchFamily="18" charset="0"/>
+              </a:rPr>
+              <a:t>qualité</a:t>
+            </a:r>
+            <a:endParaRPr lang="fr-FR" dirty="0">
+              <a:latin typeface="Sylfaen" pitchFamily="18" charset="0"/>
+            </a:endParaRPr>
+          </a:p>
+        </p:txBody>
+      </p:sp>
+      <p:sp>
+        <p:nvSpPr>
+          <p:cNvPr id="24" name="Rectangle 23"/>
+          <p:cNvSpPr/>
+          <p:nvPr/>
+        </p:nvSpPr>
+        <p:spPr>
+          <a:xfrm>
+            <a:off x="4896544" y="4365104"/>
+            <a:ext cx="4572000" cy="1477328"/>
+          </a:xfrm>
+          <a:prstGeom prst="rect">
+            <a:avLst/>
+          </a:prstGeom>
+        </p:spPr>
+        <p:txBody>
+          <a:bodyPr>
+            <a:spAutoFit/>
+          </a:bodyPr>
+          <a:lstStyle/>
+          <a:p>
+            <a:pPr lvl="2">
+              <a:buNone/>
+            </a:pPr>
+            <a:r>
+              <a:rPr lang="fr-FR" dirty="0" smtClean="0">
+                <a:latin typeface="Sylfaen" pitchFamily="18" charset="0"/>
+              </a:rPr>
+              <a:t>Bruit </a:t>
+            </a:r>
+            <a:r>
+              <a:rPr lang="fr-FR" sz="1400" dirty="0" smtClean="0">
+                <a:latin typeface="Sylfaen" pitchFamily="18" charset="0"/>
+                <a:sym typeface="Wingdings" pitchFamily="2" charset="2"/>
+              </a:rPr>
+              <a:t></a:t>
+            </a:r>
+            <a:r>
+              <a:rPr lang="fr-FR" dirty="0" smtClean="0">
+                <a:latin typeface="Sylfaen" pitchFamily="18" charset="0"/>
+                <a:sym typeface="Wingdings" pitchFamily="2" charset="2"/>
+              </a:rPr>
+              <a:t> tirer plus de rayons ou diminuer la résolution angulaire</a:t>
+            </a:r>
+          </a:p>
+          <a:p>
+            <a:pPr lvl="2">
+              <a:buNone/>
+            </a:pPr>
+            <a:endParaRPr lang="fr-FR" dirty="0" smtClean="0">
+              <a:latin typeface="Sylfaen" pitchFamily="18" charset="0"/>
+              <a:sym typeface="Wingdings" pitchFamily="2" charset="2"/>
+            </a:endParaRPr>
+          </a:p>
+          <a:p>
+            <a:pPr lvl="2">
+              <a:buNone/>
+            </a:pPr>
+            <a:r>
+              <a:rPr lang="fr-FR" dirty="0" smtClean="0">
+                <a:latin typeface="Sylfaen" pitchFamily="18" charset="0"/>
+                <a:sym typeface="Wingdings" pitchFamily="2" charset="2"/>
+              </a:rPr>
+              <a:t>Compromis niveau </a:t>
+            </a:r>
+            <a:r>
+              <a:rPr lang="fr-FR" dirty="0" smtClean="0">
+                <a:latin typeface="Sylfaen" pitchFamily="18" charset="0"/>
+                <a:sym typeface="Wingdings" pitchFamily="2" charset="2"/>
+              </a:rPr>
+              <a:t>de</a:t>
+            </a:r>
+          </a:p>
+          <a:p>
+            <a:pPr lvl="2">
+              <a:buNone/>
+            </a:pPr>
+            <a:r>
+              <a:rPr lang="fr-FR" dirty="0" smtClean="0">
+                <a:latin typeface="Sylfaen" pitchFamily="18" charset="0"/>
+                <a:sym typeface="Wingdings" pitchFamily="2" charset="2"/>
+              </a:rPr>
+              <a:t> bruit / précision / temps </a:t>
+            </a:r>
+            <a:r>
+              <a:rPr lang="fr-FR" dirty="0" smtClean="0">
+                <a:latin typeface="Sylfaen" pitchFamily="18" charset="0"/>
+                <a:sym typeface="Wingdings" pitchFamily="2" charset="2"/>
+              </a:rPr>
+              <a:t>de calcul</a:t>
+            </a:r>
+            <a:endParaRPr lang="fr-FR" dirty="0" smtClean="0">
+              <a:latin typeface="Sylfaen" pitchFamily="18" charset="0"/>
+            </a:endParaRPr>
           </a:p>
         </p:txBody>
       </p:sp>
     </p:spTree>
-    <p:extLst>
-      <p:ext uri="{BB962C8B-B14F-4D97-AF65-F5344CB8AC3E}">
-        <p14:creationId xmlns:p14="http://schemas.microsoft.com/office/powerpoint/2010/main" val="2999098417"/>
-      </p:ext>
-    </p:extLst>
   </p:cSld>
   <p:clrMapOvr>
     <a:masterClrMapping/>
@@ -16082,22 +13015,10 @@
           <a:lstStyle/>
           <a:p>
             <a:r>
-              <a:rPr lang="fr-FR" dirty="0" err="1" smtClean="0">
-                <a:latin typeface="Sylfaen" pitchFamily="18" charset="0"/>
-              </a:rPr>
-              <a:t>Path</a:t>
-            </a:r>
-            <a:r>
               <a:rPr lang="fr-FR" dirty="0" smtClean="0">
                 <a:latin typeface="Sylfaen" pitchFamily="18" charset="0"/>
               </a:rPr>
-              <a:t> </a:t>
-            </a:r>
-            <a:r>
-              <a:rPr lang="fr-FR" dirty="0" err="1" smtClean="0">
-                <a:latin typeface="Sylfaen" pitchFamily="18" charset="0"/>
-              </a:rPr>
-              <a:t>tracing</a:t>
+              <a:t>Occultation ambiante</a:t>
             </a:r>
             <a:endParaRPr lang="fr-FR" dirty="0">
               <a:effectLst>
@@ -16313,15 +13234,6 @@
               <a:pPr/>
               <a:t>8</a:t>
             </a:fld>
-            <a:r>
-              <a:rPr lang="fr-FR" sz="1400" dirty="0" smtClean="0">
-                <a:solidFill>
-                  <a:schemeClr val="bg1"/>
-                </a:solidFill>
-                <a:latin typeface="Sylfaen" pitchFamily="18" charset="0"/>
-              </a:rPr>
-              <a:t>/X</a:t>
-            </a:r>
             <a:endParaRPr lang="fr-FR" dirty="0">
               <a:solidFill>
                 <a:schemeClr val="bg1"/>
@@ -16743,7 +13655,7 @@
       </p:sp>
       <p:sp>
         <p:nvSpPr>
-          <p:cNvPr id="23" name="Espace réservé du contenu 2"/>
+          <p:cNvPr id="25" name="Espace réservé du contenu 2"/>
           <p:cNvSpPr>
             <a:spLocks noGrp="1"/>
           </p:cNvSpPr>
@@ -16753,8 +13665,8 @@
         </p:nvSpPr>
         <p:spPr>
           <a:xfrm>
-            <a:off x="878904" y="980728"/>
-            <a:ext cx="7797552" cy="5184576"/>
+            <a:off x="878904" y="764704"/>
+            <a:ext cx="7653536" cy="5184576"/>
           </a:xfrm>
         </p:spPr>
         <p:txBody>
@@ -16779,107 +13691,103 @@
               <a:buChar char="§"/>
             </a:pPr>
             <a:r>
-              <a:rPr lang="fr-FR" sz="2400" dirty="0" smtClean="0">
+              <a:rPr lang="fr-FR" dirty="0" smtClean="0">
+                <a:solidFill>
+                  <a:srgbClr val="920000"/>
+                </a:solidFill>
                 <a:latin typeface="Sylfaen" pitchFamily="18" charset="0"/>
               </a:rPr>
-              <a:t>Rayons lancés depuis la caméra vers la scène jusqu’aux sources lumineuses</a:t>
-            </a:r>
-          </a:p>
-          <a:p>
-            <a:pPr lvl="2">
-              <a:buNone/>
-            </a:pPr>
-            <a:r>
-              <a:rPr lang="fr-FR" sz="1800" dirty="0" smtClean="0">
-                <a:latin typeface="Sylfaen" pitchFamily="18" charset="0"/>
-              </a:rPr>
-              <a:t>Propriété des rayons</a:t>
-            </a:r>
-          </a:p>
-          <a:p>
-            <a:pPr lvl="2">
-              <a:buNone/>
-            </a:pPr>
-            <a:r>
-              <a:rPr lang="fr-FR" sz="1800" dirty="0" smtClean="0">
-                <a:latin typeface="Sylfaen" pitchFamily="18" charset="0"/>
-              </a:rPr>
-              <a:t> - Energie</a:t>
-            </a:r>
-          </a:p>
-          <a:p>
-            <a:pPr lvl="2">
-              <a:buNone/>
-            </a:pPr>
-            <a:r>
-              <a:rPr lang="fr-FR" sz="1800" dirty="0" smtClean="0">
-                <a:latin typeface="Sylfaen" pitchFamily="18" charset="0"/>
-              </a:rPr>
-              <a:t> - Orientation dans un cône centré autour de la normale</a:t>
-            </a:r>
-          </a:p>
-          <a:p>
-            <a:pPr lvl="2">
-              <a:buNone/>
-            </a:pPr>
-            <a:endParaRPr lang="fr-FR" sz="1800" dirty="0" smtClean="0">
-              <a:latin typeface="Sylfaen" pitchFamily="18" charset="0"/>
-            </a:endParaRPr>
-          </a:p>
-          <a:p>
-            <a:pPr lvl="2" indent="0">
-              <a:lnSpc>
-                <a:spcPct val="125000"/>
-              </a:lnSpc>
-              <a:buNone/>
-            </a:pPr>
-            <a:r>
-              <a:rPr lang="fr-FR" sz="1800" dirty="0" smtClean="0">
-                <a:latin typeface="Sylfaen" pitchFamily="18" charset="0"/>
-              </a:rPr>
-              <a:t>A chaque intersection : rayons d’énergie plus faible lancés en direction d’un autre objet, ainsi de suite jusqu’à une source</a:t>
-            </a:r>
-          </a:p>
-          <a:p>
-            <a:pPr lvl="1">
-              <a:buFont typeface="Wingdings" pitchFamily="2" charset="2"/>
-              <a:buChar char="§"/>
-            </a:pPr>
-            <a:endParaRPr lang="fr-FR" sz="2400" dirty="0" smtClean="0">
-              <a:latin typeface="Sylfaen" pitchFamily="18" charset="0"/>
-            </a:endParaRPr>
-          </a:p>
-          <a:p>
-            <a:pPr lvl="1">
-              <a:buFont typeface="Wingdings" pitchFamily="2" charset="2"/>
-              <a:buChar char="§"/>
-            </a:pPr>
-            <a:r>
-              <a:rPr lang="fr-FR" dirty="0" smtClean="0">
-                <a:latin typeface="Sylfaen" pitchFamily="18" charset="0"/>
-              </a:rPr>
-              <a:t>Chemin inverse non calculé mais : calcul de la BRDF de </a:t>
-            </a:r>
-            <a:r>
-              <a:rPr lang="fr-FR" dirty="0" err="1" smtClean="0">
-                <a:latin typeface="Sylfaen" pitchFamily="18" charset="0"/>
-              </a:rPr>
-              <a:t>Phong</a:t>
-            </a:r>
-            <a:endParaRPr lang="fr-FR" sz="2400" dirty="0" smtClean="0">
-              <a:latin typeface="Sylfaen" pitchFamily="18" charset="0"/>
-            </a:endParaRPr>
-          </a:p>
-          <a:p>
-            <a:pPr lvl="2" indent="0">
-              <a:lnSpc>
-                <a:spcPct val="125000"/>
-              </a:lnSpc>
-              <a:buNone/>
-            </a:pPr>
-            <a:endParaRPr lang="fr-FR" sz="1800" dirty="0" smtClean="0">
-              <a:latin typeface="Sylfaen" pitchFamily="18" charset="0"/>
-            </a:endParaRPr>
+              <a:t>Rendu 3D </a:t>
+            </a:r>
+          </a:p>
+        </p:txBody>
+      </p:sp>
+      <p:pic>
+        <p:nvPicPr>
+          <p:cNvPr id="16" name="Image 15" descr="snapshot.jpg"/>
+          <p:cNvPicPr>
+            <a:picLocks noChangeAspect="1"/>
+          </p:cNvPicPr>
+          <p:nvPr/>
+        </p:nvPicPr>
+        <p:blipFill>
+          <a:blip r:embed="rId4">
+            <a:extLst>
+              <a:ext uri="{28A0092B-C50C-407E-A947-70E740481C1C}">
+                <a14:useLocalDpi xmlns:a14="http://schemas.microsoft.com/office/drawing/2010/main" val="0"/>
+              </a:ext>
+            </a:extLst>
+          </a:blip>
+          <a:stretch>
+            <a:fillRect/>
+          </a:stretch>
+        </p:blipFill>
+        <p:spPr>
+          <a:xfrm>
+            <a:off x="1115616" y="1916832"/>
+            <a:ext cx="2636615" cy="2996952"/>
+          </a:xfrm>
+          <a:prstGeom prst="rect">
+            <a:avLst/>
+          </a:prstGeom>
+        </p:spPr>
+      </p:pic>
+      <p:pic>
+        <p:nvPicPr>
+          <p:cNvPr id="21" name="Image 20" descr="render.jpg"/>
+          <p:cNvPicPr>
+            <a:picLocks noChangeAspect="1"/>
+          </p:cNvPicPr>
+          <p:nvPr/>
+        </p:nvPicPr>
+        <p:blipFill>
+          <a:blip r:embed="rId5">
+            <a:extLst>
+              <a:ext uri="{28A0092B-C50C-407E-A947-70E740481C1C}">
+                <a14:useLocalDpi xmlns:a14="http://schemas.microsoft.com/office/drawing/2010/main" val="0"/>
+              </a:ext>
+            </a:extLst>
+          </a:blip>
+          <a:stretch>
+            <a:fillRect/>
+          </a:stretch>
+        </p:blipFill>
+        <p:spPr>
+          <a:xfrm>
+            <a:off x="4860032" y="1916832"/>
+            <a:ext cx="2736304" cy="3110265"/>
+          </a:xfrm>
+          <a:prstGeom prst="rect">
+            <a:avLst/>
+          </a:prstGeom>
+        </p:spPr>
+      </p:pic>
+      <p:sp>
+        <p:nvSpPr>
+          <p:cNvPr id="22" name="ZoneTexte 21"/>
+          <p:cNvSpPr txBox="1"/>
+          <p:nvPr/>
+        </p:nvSpPr>
+        <p:spPr>
+          <a:xfrm>
+            <a:off x="3491880" y="5229201"/>
+            <a:ext cx="1872208" cy="369332"/>
+          </a:xfrm>
+          <a:prstGeom prst="rect">
+            <a:avLst/>
+          </a:prstGeom>
+          <a:noFill/>
+        </p:spPr>
+        <p:txBody>
+          <a:bodyPr wrap="square" rtlCol="0">
+            <a:spAutoFit/>
+          </a:bodyPr>
+          <a:lstStyle/>
+          <a:p>
+            <a:r>
+              <a:rPr lang="fr-FR" dirty="0" smtClean="0"/>
+              <a:t>Petit angle</a:t>
+            </a:r>
           </a:p>
         </p:txBody>
       </p:sp>
@@ -17007,22 +13915,10 @@
           <a:lstStyle/>
           <a:p>
             <a:r>
-              <a:rPr lang="fr-FR" dirty="0" err="1" smtClean="0">
-                <a:latin typeface="Sylfaen" pitchFamily="18" charset="0"/>
-              </a:rPr>
-              <a:t>Path</a:t>
-            </a:r>
-            <a:r>
               <a:rPr lang="fr-FR" dirty="0" smtClean="0">
                 <a:latin typeface="Sylfaen" pitchFamily="18" charset="0"/>
               </a:rPr>
-              <a:t> </a:t>
-            </a:r>
-            <a:r>
-              <a:rPr lang="fr-FR" dirty="0" err="1" smtClean="0">
-                <a:latin typeface="Sylfaen" pitchFamily="18" charset="0"/>
-              </a:rPr>
-              <a:t>tracing</a:t>
+              <a:t>Conclusion et travail à venir</a:t>
             </a:r>
             <a:endParaRPr lang="fr-FR" dirty="0">
               <a:effectLst>
@@ -17238,15 +14134,6 @@
               <a:pPr/>
               <a:t>9</a:t>
             </a:fld>
-            <a:r>
-              <a:rPr lang="fr-FR" sz="1400" dirty="0" smtClean="0">
-                <a:solidFill>
-                  <a:schemeClr val="bg1"/>
-                </a:solidFill>
-                <a:latin typeface="Sylfaen" pitchFamily="18" charset="0"/>
-              </a:rPr>
-              <a:t>/X</a:t>
-            </a:r>
             <a:endParaRPr lang="fr-FR" dirty="0">
               <a:solidFill>
                 <a:schemeClr val="bg1"/>
@@ -17668,7 +14555,7 @@
       </p:sp>
       <p:sp>
         <p:nvSpPr>
-          <p:cNvPr id="23" name="Espace réservé du contenu 2"/>
+          <p:cNvPr id="21" name="Espace réservé du contenu 2"/>
           <p:cNvSpPr>
             <a:spLocks noGrp="1"/>
           </p:cNvSpPr>
@@ -17678,8 +14565,8 @@
         </p:nvSpPr>
         <p:spPr>
           <a:xfrm>
-            <a:off x="878904" y="764704"/>
-            <a:ext cx="7797552" cy="5184576"/>
+            <a:off x="878904" y="980728"/>
+            <a:ext cx="7653536" cy="5184576"/>
           </a:xfrm>
         </p:spPr>
         <p:txBody>
@@ -17688,11 +14575,10 @@
           </a:bodyPr>
           <a:lstStyle/>
           <a:p>
-            <a:pPr lvl="1">
-              <a:buFont typeface="Wingdings" pitchFamily="2" charset="2"/>
-              <a:buChar char="§"/>
+            <a:pPr>
+              <a:buNone/>
             </a:pPr>
-            <a:endParaRPr lang="fr-FR" dirty="0" smtClean="0">
+            <a:endParaRPr lang="fr-FR" sz="1400" dirty="0" smtClean="0">
               <a:solidFill>
                 <a:srgbClr val="920000"/>
               </a:solidFill>
@@ -17705,143 +14591,165 @@
               <a:buChar char="§"/>
             </a:pPr>
             <a:r>
-              <a:rPr lang="fr-FR" dirty="0" smtClean="0">
+              <a:rPr lang="fr-FR" sz="2800" dirty="0" smtClean="0">
                 <a:solidFill>
                   <a:srgbClr val="920000"/>
                 </a:solidFill>
                 <a:latin typeface="Sylfaen" pitchFamily="18" charset="0"/>
               </a:rPr>
-              <a:t>Rendu 3D </a:t>
-            </a:r>
-          </a:p>
-          <a:p>
-            <a:pPr lvl="2" indent="0">
-              <a:lnSpc>
-                <a:spcPct val="125000"/>
-              </a:lnSpc>
+              <a:t>A perfectionner</a:t>
+            </a:r>
+            <a:endParaRPr lang="fr-FR" sz="2800" dirty="0" smtClean="0">
+              <a:solidFill>
+                <a:srgbClr val="920000"/>
+              </a:solidFill>
+              <a:latin typeface="Sylfaen" pitchFamily="18" charset="0"/>
+            </a:endParaRPr>
+          </a:p>
+          <a:p>
+            <a:pPr lvl="2">
+              <a:buFont typeface="Wingdings" pitchFamily="2" charset="2"/>
+              <a:buChar char="§"/>
+            </a:pPr>
+            <a:endParaRPr lang="fr-FR" sz="1400" dirty="0" smtClean="0">
+              <a:solidFill>
+                <a:srgbClr val="920000"/>
+              </a:solidFill>
+              <a:latin typeface="Sylfaen" pitchFamily="18" charset="0"/>
+            </a:endParaRPr>
+          </a:p>
+          <a:p>
+            <a:pPr marL="914400" lvl="2" indent="0">
               <a:buNone/>
             </a:pPr>
-            <a:endParaRPr lang="fr-FR" sz="1800" dirty="0" smtClean="0">
+            <a:r>
+              <a:rPr lang="fr-FR" dirty="0" smtClean="0">
+                <a:solidFill>
+                  <a:srgbClr val="00B050"/>
+                </a:solidFill>
+                <a:latin typeface="Sylfaen" pitchFamily="18" charset="0"/>
+              </a:rPr>
+              <a:t>BRDF, anti –crénelage, rotation de vecteurs</a:t>
+            </a:r>
+            <a:endParaRPr lang="fr-FR" dirty="0" smtClean="0">
+              <a:solidFill>
+                <a:srgbClr val="00B050"/>
+              </a:solidFill>
               <a:latin typeface="Sylfaen" pitchFamily="18" charset="0"/>
             </a:endParaRPr>
           </a:p>
-        </p:txBody>
-      </p:sp>
-      <p:pic>
-        <p:nvPicPr>
-          <p:cNvPr id="1027" name="Picture 3" descr="C:\Users\Erwan\Desktop\LD.png"/>
-          <p:cNvPicPr>
-            <a:picLocks noChangeAspect="1" noChangeArrowheads="1"/>
-          </p:cNvPicPr>
-          <p:nvPr/>
-        </p:nvPicPr>
-        <p:blipFill>
-          <a:blip r:embed="rId4" cstate="print"/>
-          <a:srcRect/>
-          <a:stretch>
-            <a:fillRect/>
-          </a:stretch>
-        </p:blipFill>
-        <p:spPr bwMode="auto">
-          <a:xfrm>
-            <a:off x="467544" y="3212976"/>
-            <a:ext cx="5305425" cy="2905125"/>
-          </a:xfrm>
-          <a:prstGeom prst="rect">
-            <a:avLst/>
-          </a:prstGeom>
-          <a:noFill/>
-        </p:spPr>
-      </p:pic>
-      <p:pic>
-        <p:nvPicPr>
-          <p:cNvPr id="1026" name="Picture 2" descr="C:\Users\Erwan\Desktop\HD.png"/>
-          <p:cNvPicPr>
-            <a:picLocks noChangeAspect="1" noChangeArrowheads="1"/>
-          </p:cNvPicPr>
-          <p:nvPr/>
-        </p:nvPicPr>
-        <p:blipFill>
-          <a:blip r:embed="rId5" cstate="print"/>
-          <a:srcRect b="6088"/>
-          <a:stretch>
-            <a:fillRect/>
-          </a:stretch>
-        </p:blipFill>
-        <p:spPr bwMode="auto">
-          <a:xfrm>
-            <a:off x="3759646" y="908720"/>
-            <a:ext cx="5276850" cy="2880320"/>
-          </a:xfrm>
-          <a:prstGeom prst="rect">
-            <a:avLst/>
-          </a:prstGeom>
-          <a:noFill/>
-        </p:spPr>
-      </p:pic>
-      <p:sp>
-        <p:nvSpPr>
-          <p:cNvPr id="21" name="ZoneTexte 20"/>
-          <p:cNvSpPr txBox="1"/>
-          <p:nvPr/>
-        </p:nvSpPr>
-        <p:spPr>
-          <a:xfrm>
-            <a:off x="6372200" y="3789040"/>
-            <a:ext cx="3168352" cy="369332"/>
-          </a:xfrm>
-          <a:prstGeom prst="rect">
-            <a:avLst/>
-          </a:prstGeom>
-          <a:noFill/>
-        </p:spPr>
-        <p:txBody>
-          <a:bodyPr wrap="square" rtlCol="0">
-            <a:spAutoFit/>
-          </a:bodyPr>
-          <a:lstStyle/>
-          <a:p>
+          <a:p>
+            <a:pPr lvl="2">
+              <a:buNone/>
+            </a:pPr>
+            <a:endParaRPr lang="fr-FR" sz="2000" dirty="0" smtClean="0">
+              <a:latin typeface="Sylfaen" pitchFamily="18" charset="0"/>
+            </a:endParaRPr>
+          </a:p>
+          <a:p>
+            <a:pPr lvl="1">
+              <a:buFont typeface="Wingdings" pitchFamily="2" charset="2"/>
+              <a:buChar char="§"/>
+            </a:pPr>
+            <a:r>
+              <a:rPr lang="fr-FR" sz="2800" dirty="0" smtClean="0">
+                <a:solidFill>
+                  <a:srgbClr val="920000"/>
+                </a:solidFill>
+                <a:latin typeface="Sylfaen" pitchFamily="18" charset="0"/>
+              </a:rPr>
+              <a:t>A terminer</a:t>
+            </a:r>
+          </a:p>
+          <a:p>
+            <a:pPr lvl="2">
+              <a:buFont typeface="Wingdings" pitchFamily="2" charset="2"/>
+              <a:buChar char="§"/>
+            </a:pPr>
+            <a:endParaRPr lang="fr-FR" sz="1400" dirty="0" smtClean="0">
+              <a:solidFill>
+                <a:srgbClr val="920000"/>
+              </a:solidFill>
+              <a:latin typeface="Sylfaen" pitchFamily="18" charset="0"/>
+            </a:endParaRPr>
+          </a:p>
+          <a:p>
+            <a:pPr lvl="2">
+              <a:buFont typeface="Wingdings" pitchFamily="2" charset="2"/>
+              <a:buChar char="§"/>
+            </a:pPr>
+            <a:r>
+              <a:rPr lang="fr-FR" dirty="0">
+                <a:latin typeface="Sylfaen" pitchFamily="18" charset="0"/>
+              </a:rPr>
+              <a:t>Loi de Descartes</a:t>
+            </a:r>
+          </a:p>
+          <a:p>
+            <a:pPr lvl="2">
+              <a:buFont typeface="Wingdings" pitchFamily="2" charset="2"/>
+              <a:buChar char="§"/>
+            </a:pPr>
             <a:r>
               <a:rPr lang="fr-FR" dirty="0" smtClean="0">
                 <a:latin typeface="Sylfaen" pitchFamily="18" charset="0"/>
               </a:rPr>
-              <a:t>Haute résolution</a:t>
-            </a:r>
-            <a:endParaRPr lang="fr-FR" dirty="0">
-              <a:latin typeface="Sylfaen" pitchFamily="18" charset="0"/>
-            </a:endParaRPr>
-          </a:p>
-        </p:txBody>
-      </p:sp>
-      <p:sp>
-        <p:nvSpPr>
-          <p:cNvPr id="22" name="ZoneTexte 21"/>
-          <p:cNvSpPr txBox="1"/>
-          <p:nvPr/>
-        </p:nvSpPr>
-        <p:spPr>
-          <a:xfrm>
-            <a:off x="683568" y="2852936"/>
-            <a:ext cx="3168352" cy="369332"/>
-          </a:xfrm>
-          <a:prstGeom prst="rect">
-            <a:avLst/>
-          </a:prstGeom>
-          <a:noFill/>
-        </p:spPr>
-        <p:txBody>
-          <a:bodyPr wrap="square" rtlCol="0">
-            <a:spAutoFit/>
-          </a:bodyPr>
-          <a:lstStyle/>
-          <a:p>
+              <a:t>Réflexion </a:t>
+            </a:r>
             <a:r>
               <a:rPr lang="fr-FR" dirty="0" smtClean="0">
                 <a:latin typeface="Sylfaen" pitchFamily="18" charset="0"/>
               </a:rPr>
-              <a:t>Basse résolution</a:t>
-            </a:r>
-            <a:endParaRPr lang="fr-FR" dirty="0">
+              <a:t>de la lumière sur les particules </a:t>
+            </a:r>
+            <a:r>
+              <a:rPr lang="fr-FR" dirty="0" smtClean="0">
+                <a:latin typeface="Sylfaen" pitchFamily="18" charset="0"/>
+              </a:rPr>
+              <a:t>d’air</a:t>
+            </a:r>
+          </a:p>
+          <a:p>
+            <a:pPr lvl="2">
+              <a:buFont typeface="Wingdings" pitchFamily="2" charset="2"/>
+              <a:buChar char="§"/>
+            </a:pPr>
+            <a:r>
+              <a:rPr lang="fr-FR" dirty="0" smtClean="0">
+                <a:latin typeface="Sylfaen" pitchFamily="18" charset="0"/>
+              </a:rPr>
+              <a:t>Faire une vraie scène pour le rendu</a:t>
+            </a:r>
+          </a:p>
+          <a:p>
+            <a:pPr lvl="2">
+              <a:buFont typeface="Wingdings" pitchFamily="2" charset="2"/>
+              <a:buChar char="§"/>
+            </a:pPr>
+            <a:r>
+              <a:rPr lang="fr-FR" dirty="0" smtClean="0">
+                <a:latin typeface="Sylfaen" pitchFamily="18" charset="0"/>
+              </a:rPr>
+              <a:t>Changer le disque lumineux en sphère</a:t>
+            </a:r>
+          </a:p>
+          <a:p>
+            <a:pPr lvl="2">
+              <a:buFont typeface="Wingdings" pitchFamily="2" charset="2"/>
+              <a:buChar char="§"/>
+            </a:pPr>
+            <a:r>
+              <a:rPr lang="fr-FR" dirty="0" smtClean="0">
+                <a:latin typeface="Sylfaen" pitchFamily="18" charset="0"/>
+              </a:rPr>
+              <a:t>Utiliser la fonction des disques lumineux pour lancer des rayons partout.</a:t>
+            </a:r>
+          </a:p>
+          <a:p>
+            <a:pPr lvl="2">
+              <a:buNone/>
+            </a:pPr>
+            <a:endParaRPr lang="fr-FR" sz="2000" dirty="0" smtClean="0">
               <a:latin typeface="Sylfaen" pitchFamily="18" charset="0"/>
             </a:endParaRPr>
           </a:p>
